--- a/卒業論文/2012/HTET MYET MUN WIN/卒論発表プレゼン.pptx
+++ b/卒業論文/2012/HTET MYET MUN WIN/卒論発表プレゼン.pptx
@@ -15941,20 +15941,20 @@
       </p:sp>
       <p:graphicFrame>
         <p:nvGraphicFramePr>
-          <p:cNvPr id="10" name="表 9"/>
+          <p:cNvPr id="8" name="表 7"/>
           <p:cNvGraphicFramePr>
             <a:graphicFrameLocks noGrp="1"/>
           </p:cNvGraphicFramePr>
           <p:nvPr>
             <p:extLst>
               <p:ext uri="{D42A27DB-BD31-4B8C-83A1-F6EECF244321}">
-                <p14:modId xmlns:p14="http://schemas.microsoft.com/office/powerpoint/2010/main" val="1019802583"/>
+                <p14:modId xmlns:p14="http://schemas.microsoft.com/office/powerpoint/2010/main" val="3586175244"/>
               </p:ext>
             </p:extLst>
           </p:nvPr>
         </p:nvGraphicFramePr>
         <p:xfrm>
-          <a:off x="1979712" y="1628800"/>
+          <a:off x="1991448" y="1628800"/>
           <a:ext cx="5334000" cy="1200150"/>
         </p:xfrm>
         <a:graphic>
@@ -16777,20 +16777,20 @@
       </p:graphicFrame>
       <p:graphicFrame>
         <p:nvGraphicFramePr>
-          <p:cNvPr id="11" name="表 10"/>
+          <p:cNvPr id="9" name="表 8"/>
           <p:cNvGraphicFramePr>
             <a:graphicFrameLocks noGrp="1"/>
           </p:cNvGraphicFramePr>
           <p:nvPr>
             <p:extLst>
               <p:ext uri="{D42A27DB-BD31-4B8C-83A1-F6EECF244321}">
-                <p14:modId xmlns:p14="http://schemas.microsoft.com/office/powerpoint/2010/main" val="536789064"/>
+                <p14:modId xmlns:p14="http://schemas.microsoft.com/office/powerpoint/2010/main" val="1831393541"/>
               </p:ext>
             </p:extLst>
           </p:nvPr>
         </p:nvGraphicFramePr>
         <p:xfrm>
-          <a:off x="1979712" y="3356992"/>
+          <a:off x="1991448" y="3356992"/>
           <a:ext cx="5334000" cy="2066925"/>
         </p:xfrm>
         <a:graphic>
@@ -17878,13 +17878,13 @@
           <p:nvPr>
             <p:extLst>
               <p:ext uri="{D42A27DB-BD31-4B8C-83A1-F6EECF244321}">
-                <p14:modId xmlns:p14="http://schemas.microsoft.com/office/powerpoint/2010/main" val="2117613646"/>
+                <p14:modId xmlns:p14="http://schemas.microsoft.com/office/powerpoint/2010/main" val="926475236"/>
               </p:ext>
             </p:extLst>
           </p:nvPr>
         </p:nvGraphicFramePr>
         <p:xfrm>
-          <a:off x="1974304" y="3356992"/>
+          <a:off x="1992592" y="3356992"/>
           <a:ext cx="5334000" cy="2066925"/>
         </p:xfrm>
         <a:graphic>
@@ -18935,13 +18935,13 @@
           <p:nvPr>
             <p:extLst>
               <p:ext uri="{D42A27DB-BD31-4B8C-83A1-F6EECF244321}">
-                <p14:modId xmlns:p14="http://schemas.microsoft.com/office/powerpoint/2010/main" val="3075547886"/>
+                <p14:modId xmlns:p14="http://schemas.microsoft.com/office/powerpoint/2010/main" val="1809145180"/>
               </p:ext>
             </p:extLst>
           </p:nvPr>
         </p:nvGraphicFramePr>
         <p:xfrm>
-          <a:off x="1974304" y="1628800"/>
+          <a:off x="1992592" y="1628800"/>
           <a:ext cx="5334000" cy="1200150"/>
         </p:xfrm>
         <a:graphic>
@@ -20399,11 +20399,6 @@
               </a:rPr>
               <a:t>考察</a:t>
             </a:r>
-            <a:endParaRPr lang="ja-JP" altLang="en-US" b="1" dirty="0" smtClean="0">
-              <a:latin typeface="Times New Roman" panose="02020603050405020304" pitchFamily="18" charset="0"/>
-              <a:ea typeface="ＭＳ 明朝" panose="02020609040205080304" pitchFamily="17" charset="-128"/>
-              <a:cs typeface="Times New Roman" panose="02020603050405020304" pitchFamily="18" charset="0"/>
-            </a:endParaRPr>
           </a:p>
         </p:txBody>
       </p:sp>
@@ -21763,15 +21758,7 @@
                 <a:ea typeface="ＭＳ 明朝" panose="02020609040205080304" pitchFamily="17" charset="-128"/>
                 <a:cs typeface="Times New Roman" pitchFamily="18" charset="0"/>
               </a:rPr>
-              <a:t>学習するため</a:t>
-            </a:r>
-            <a:r>
-              <a:rPr lang="ja-JP" altLang="en-US" sz="1400" dirty="0" smtClean="0">
-                <a:latin typeface="ＭＳ 明朝" panose="02020609040205080304" pitchFamily="17" charset="-128"/>
-                <a:ea typeface="ＭＳ 明朝" panose="02020609040205080304" pitchFamily="17" charset="-128"/>
-                <a:cs typeface="Times New Roman" pitchFamily="18" charset="0"/>
-              </a:rPr>
-              <a:t>の</a:t>
+              <a:t>学習するための</a:t>
             </a:r>
             <a:r>
               <a:rPr lang="ja-JP" altLang="en-US" sz="1400" dirty="0">
@@ -21787,15 +21774,7 @@
                 <a:ea typeface="ＭＳ 明朝" panose="02020609040205080304" pitchFamily="17" charset="-128"/>
                 <a:cs typeface="Times New Roman" pitchFamily="18" charset="0"/>
               </a:rPr>
-              <a:t>の</a:t>
-            </a:r>
-            <a:r>
-              <a:rPr lang="ja-JP" altLang="en-US" sz="1400" dirty="0" smtClean="0">
-                <a:latin typeface="ＭＳ 明朝" panose="02020609040205080304" pitchFamily="17" charset="-128"/>
-                <a:ea typeface="ＭＳ 明朝" panose="02020609040205080304" pitchFamily="17" charset="-128"/>
-                <a:cs typeface="Times New Roman" pitchFamily="18" charset="0"/>
-              </a:rPr>
-              <a:t>提案</a:t>
+              <a:t>の提案</a:t>
             </a:r>
             <a:endParaRPr lang="en-US" altLang="ja-JP" sz="1400" dirty="0" smtClean="0">
               <a:latin typeface="ＭＳ 明朝" panose="02020609040205080304" pitchFamily="17" charset="-128"/>

--- a/卒業論文/2012/HTET MYET MUN WIN/卒論発表プレゼン.pptx
+++ b/卒業論文/2012/HTET MYET MUN WIN/卒論発表プレゼン.pptx
@@ -9,14 +9,14 @@
   </p:notesMasterIdLst>
   <p:sldIdLst>
     <p:sldId id="256" r:id="rId2"/>
-    <p:sldId id="267" r:id="rId3"/>
-    <p:sldId id="258" r:id="rId4"/>
-    <p:sldId id="259" r:id="rId5"/>
-    <p:sldId id="260" r:id="rId6"/>
-    <p:sldId id="261" r:id="rId7"/>
-    <p:sldId id="269" r:id="rId8"/>
-    <p:sldId id="262" r:id="rId9"/>
-    <p:sldId id="263" r:id="rId10"/>
+    <p:sldId id="258" r:id="rId3"/>
+    <p:sldId id="259" r:id="rId4"/>
+    <p:sldId id="260" r:id="rId5"/>
+    <p:sldId id="261" r:id="rId6"/>
+    <p:sldId id="269" r:id="rId7"/>
+    <p:sldId id="276" r:id="rId8"/>
+    <p:sldId id="263" r:id="rId9"/>
+    <p:sldId id="277" r:id="rId10"/>
     <p:sldId id="273" r:id="rId11"/>
     <p:sldId id="264" r:id="rId12"/>
     <p:sldId id="274" r:id="rId13"/>
@@ -741,11 +741,11 @@
         </c:dLbls>
         <c:marker val="1"/>
         <c:smooth val="0"/>
-        <c:axId val="49040384"/>
-        <c:axId val="49058560"/>
+        <c:axId val="79257600"/>
+        <c:axId val="79259136"/>
       </c:lineChart>
       <c:catAx>
-        <c:axId val="49040384"/>
+        <c:axId val="79257600"/>
         <c:scaling>
           <c:orientation val="minMax"/>
         </c:scaling>
@@ -754,7 +754,7 @@
         <c:majorTickMark val="out"/>
         <c:minorTickMark val="none"/>
         <c:tickLblPos val="nextTo"/>
-        <c:crossAx val="49058560"/>
+        <c:crossAx val="79259136"/>
         <c:crosses val="autoZero"/>
         <c:auto val="1"/>
         <c:lblAlgn val="ctr"/>
@@ -762,7 +762,7 @@
         <c:noMultiLvlLbl val="0"/>
       </c:catAx>
       <c:valAx>
-        <c:axId val="49058560"/>
+        <c:axId val="79259136"/>
         <c:scaling>
           <c:orientation val="minMax"/>
         </c:scaling>
@@ -773,7 +773,7 @@
         <c:majorTickMark val="out"/>
         <c:minorTickMark val="none"/>
         <c:tickLblPos val="nextTo"/>
-        <c:crossAx val="49040384"/>
+        <c:crossAx val="79257600"/>
         <c:crosses val="autoZero"/>
         <c:crossBetween val="between"/>
       </c:valAx>
@@ -1332,11 +1332,11 @@
         </c:dLbls>
         <c:marker val="1"/>
         <c:smooth val="0"/>
-        <c:axId val="48980352"/>
-        <c:axId val="48981888"/>
+        <c:axId val="106114432"/>
+        <c:axId val="106120320"/>
       </c:lineChart>
       <c:catAx>
-        <c:axId val="48980352"/>
+        <c:axId val="106114432"/>
         <c:scaling>
           <c:orientation val="minMax"/>
         </c:scaling>
@@ -1345,7 +1345,7 @@
         <c:majorTickMark val="out"/>
         <c:minorTickMark val="none"/>
         <c:tickLblPos val="nextTo"/>
-        <c:crossAx val="48981888"/>
+        <c:crossAx val="106120320"/>
         <c:crosses val="autoZero"/>
         <c:auto val="1"/>
         <c:lblAlgn val="ctr"/>
@@ -1353,7 +1353,7 @@
         <c:noMultiLvlLbl val="0"/>
       </c:catAx>
       <c:valAx>
-        <c:axId val="48981888"/>
+        <c:axId val="106120320"/>
         <c:scaling>
           <c:orientation val="minMax"/>
         </c:scaling>
@@ -1364,7 +1364,7 @@
         <c:majorTickMark val="out"/>
         <c:minorTickMark val="none"/>
         <c:tickLblPos val="nextTo"/>
-        <c:crossAx val="48980352"/>
+        <c:crossAx val="106114432"/>
         <c:crosses val="autoZero"/>
         <c:crossBetween val="between"/>
       </c:valAx>
@@ -1911,11 +1911,11 @@
         </c:dLbls>
         <c:marker val="1"/>
         <c:smooth val="0"/>
-        <c:axId val="49018368"/>
-        <c:axId val="49019904"/>
+        <c:axId val="104473344"/>
+        <c:axId val="104474880"/>
       </c:lineChart>
       <c:catAx>
-        <c:axId val="49018368"/>
+        <c:axId val="104473344"/>
         <c:scaling>
           <c:orientation val="minMax"/>
         </c:scaling>
@@ -1924,7 +1924,7 @@
         <c:majorTickMark val="out"/>
         <c:minorTickMark val="none"/>
         <c:tickLblPos val="nextTo"/>
-        <c:crossAx val="49019904"/>
+        <c:crossAx val="104474880"/>
         <c:crosses val="autoZero"/>
         <c:auto val="1"/>
         <c:lblAlgn val="ctr"/>
@@ -1932,7 +1932,7 @@
         <c:noMultiLvlLbl val="0"/>
       </c:catAx>
       <c:valAx>
-        <c:axId val="49019904"/>
+        <c:axId val="104474880"/>
         <c:scaling>
           <c:orientation val="minMax"/>
         </c:scaling>
@@ -1943,7 +1943,7 @@
         <c:majorTickMark val="out"/>
         <c:minorTickMark val="none"/>
         <c:tickLblPos val="nextTo"/>
-        <c:crossAx val="49018368"/>
+        <c:crossAx val="104473344"/>
         <c:crosses val="autoZero"/>
         <c:crossBetween val="between"/>
       </c:valAx>
@@ -2511,11 +2511,11 @@
         </c:dLbls>
         <c:marker val="1"/>
         <c:smooth val="0"/>
-        <c:axId val="49453696"/>
-        <c:axId val="49475968"/>
+        <c:axId val="104511360"/>
+        <c:axId val="104512896"/>
       </c:lineChart>
       <c:catAx>
-        <c:axId val="49453696"/>
+        <c:axId val="104511360"/>
         <c:scaling>
           <c:orientation val="minMax"/>
         </c:scaling>
@@ -2524,7 +2524,7 @@
         <c:majorTickMark val="out"/>
         <c:minorTickMark val="none"/>
         <c:tickLblPos val="nextTo"/>
-        <c:crossAx val="49475968"/>
+        <c:crossAx val="104512896"/>
         <c:crosses val="autoZero"/>
         <c:auto val="1"/>
         <c:lblAlgn val="ctr"/>
@@ -2532,7 +2532,7 @@
         <c:noMultiLvlLbl val="0"/>
       </c:catAx>
       <c:valAx>
-        <c:axId val="49475968"/>
+        <c:axId val="104512896"/>
         <c:scaling>
           <c:orientation val="minMax"/>
         </c:scaling>
@@ -2543,7 +2543,7 @@
         <c:majorTickMark val="out"/>
         <c:minorTickMark val="none"/>
         <c:tickLblPos val="nextTo"/>
-        <c:crossAx val="49453696"/>
+        <c:crossAx val="104511360"/>
         <c:crosses val="autoZero"/>
         <c:crossBetween val="between"/>
       </c:valAx>
@@ -2659,7 +2659,7 @@
           <a:p>
             <a:fld id="{6D541684-C5A6-4385-9FCB-0602E856AF94}" type="datetimeFigureOut">
               <a:rPr kumimoji="1" lang="ja-JP" altLang="en-US" smtClean="0"/>
-              <a:t>2014/2/3</a:t>
+              <a:t>2014/2/5</a:t>
             </a:fld>
             <a:endParaRPr kumimoji="1" lang="ja-JP" altLang="en-US"/>
           </a:p>
@@ -20401,10 +20401,16 @@
           <a:lstStyle/>
           <a:p>
             <a:r>
-              <a:rPr kumimoji="1" lang="en-US" altLang="ja-JP" smtClean="0"/>
+              <a:rPr kumimoji="1" lang="en-US" altLang="ja-JP" smtClean="0">
+                <a:latin typeface="Times New Roman" panose="02020603050405020304" pitchFamily="18" charset="0"/>
+                <a:cs typeface="Times New Roman" panose="02020603050405020304" pitchFamily="18" charset="0"/>
+              </a:rPr>
               <a:t>2014/02/05</a:t>
             </a:r>
-            <a:endParaRPr kumimoji="1" lang="ja-JP" altLang="en-US"/>
+            <a:endParaRPr kumimoji="1" lang="ja-JP" altLang="en-US">
+              <a:latin typeface="Times New Roman" panose="02020603050405020304" pitchFamily="18" charset="0"/>
+              <a:cs typeface="Times New Roman" panose="02020603050405020304" pitchFamily="18" charset="0"/>
+            </a:endParaRPr>
           </a:p>
         </p:txBody>
       </p:sp>
@@ -20479,10 +20485,16 @@
           <a:lstStyle/>
           <a:p>
             <a:fld id="{9FE19D7D-A506-4FEE-8BBF-7E3644FFC5C2}" type="slidenum">
-              <a:rPr kumimoji="1" lang="ja-JP" altLang="en-US" smtClean="0"/>
+              <a:rPr kumimoji="1" lang="ja-JP" altLang="en-US" smtClean="0">
+                <a:latin typeface="Times New Roman" panose="02020603050405020304" pitchFamily="18" charset="0"/>
+                <a:cs typeface="Times New Roman" panose="02020603050405020304" pitchFamily="18" charset="0"/>
+              </a:rPr>
               <a:t>14</a:t>
             </a:fld>
-            <a:endParaRPr kumimoji="1" lang="ja-JP" altLang="en-US"/>
+            <a:endParaRPr kumimoji="1" lang="ja-JP" altLang="en-US">
+              <a:latin typeface="Times New Roman" panose="02020603050405020304" pitchFamily="18" charset="0"/>
+              <a:cs typeface="Times New Roman" panose="02020603050405020304" pitchFamily="18" charset="0"/>
+            </a:endParaRPr>
           </a:p>
         </p:txBody>
       </p:sp>
@@ -22828,10 +22840,16 @@
           <a:lstStyle/>
           <a:p>
             <a:r>
-              <a:rPr kumimoji="1" lang="en-US" altLang="ja-JP" smtClean="0"/>
+              <a:rPr kumimoji="1" lang="en-US" altLang="ja-JP" smtClean="0">
+                <a:latin typeface="Times New Roman" panose="02020603050405020304" pitchFamily="18" charset="0"/>
+                <a:cs typeface="Times New Roman" panose="02020603050405020304" pitchFamily="18" charset="0"/>
+              </a:rPr>
               <a:t>2014/02/05</a:t>
             </a:r>
-            <a:endParaRPr kumimoji="1" lang="ja-JP" altLang="en-US"/>
+            <a:endParaRPr kumimoji="1" lang="ja-JP" altLang="en-US">
+              <a:latin typeface="Times New Roman" panose="02020603050405020304" pitchFamily="18" charset="0"/>
+              <a:cs typeface="Times New Roman" panose="02020603050405020304" pitchFamily="18" charset="0"/>
+            </a:endParaRPr>
           </a:p>
         </p:txBody>
       </p:sp>
@@ -22906,10 +22924,16 @@
           <a:lstStyle/>
           <a:p>
             <a:fld id="{9FE19D7D-A506-4FEE-8BBF-7E3644FFC5C2}" type="slidenum">
-              <a:rPr kumimoji="1" lang="ja-JP" altLang="en-US" smtClean="0"/>
+              <a:rPr kumimoji="1" lang="ja-JP" altLang="en-US" smtClean="0">
+                <a:latin typeface="Times New Roman" panose="02020603050405020304" pitchFamily="18" charset="0"/>
+                <a:cs typeface="Times New Roman" panose="02020603050405020304" pitchFamily="18" charset="0"/>
+              </a:rPr>
               <a:t>16</a:t>
             </a:fld>
-            <a:endParaRPr kumimoji="1" lang="ja-JP" altLang="en-US"/>
+            <a:endParaRPr kumimoji="1" lang="ja-JP" altLang="en-US">
+              <a:latin typeface="Times New Roman" panose="02020603050405020304" pitchFamily="18" charset="0"/>
+              <a:cs typeface="Times New Roman" panose="02020603050405020304" pitchFamily="18" charset="0"/>
+            </a:endParaRPr>
           </a:p>
         </p:txBody>
       </p:sp>
@@ -24126,10 +24150,16 @@
           <a:lstStyle/>
           <a:p>
             <a:r>
-              <a:rPr kumimoji="1" lang="en-US" altLang="ja-JP" smtClean="0"/>
+              <a:rPr kumimoji="1" lang="en-US" altLang="ja-JP" smtClean="0">
+                <a:latin typeface="Times New Roman" panose="02020603050405020304" pitchFamily="18" charset="0"/>
+                <a:cs typeface="Times New Roman" panose="02020603050405020304" pitchFamily="18" charset="0"/>
+              </a:rPr>
               <a:t>2014/02/05</a:t>
             </a:r>
-            <a:endParaRPr kumimoji="1" lang="ja-JP" altLang="en-US"/>
+            <a:endParaRPr kumimoji="1" lang="ja-JP" altLang="en-US">
+              <a:latin typeface="Times New Roman" panose="02020603050405020304" pitchFamily="18" charset="0"/>
+              <a:cs typeface="Times New Roman" panose="02020603050405020304" pitchFamily="18" charset="0"/>
+            </a:endParaRPr>
           </a:p>
         </p:txBody>
       </p:sp>
@@ -24204,10 +24234,16 @@
           <a:lstStyle/>
           <a:p>
             <a:fld id="{9FE19D7D-A506-4FEE-8BBF-7E3644FFC5C2}" type="slidenum">
-              <a:rPr kumimoji="1" lang="ja-JP" altLang="en-US" smtClean="0"/>
+              <a:rPr kumimoji="1" lang="ja-JP" altLang="en-US" smtClean="0">
+                <a:latin typeface="Times New Roman" panose="02020603050405020304" pitchFamily="18" charset="0"/>
+                <a:cs typeface="Times New Roman" panose="02020603050405020304" pitchFamily="18" charset="0"/>
+              </a:rPr>
               <a:t>17</a:t>
             </a:fld>
-            <a:endParaRPr kumimoji="1" lang="ja-JP" altLang="en-US"/>
+            <a:endParaRPr kumimoji="1" lang="ja-JP" altLang="en-US">
+              <a:latin typeface="Times New Roman" panose="02020603050405020304" pitchFamily="18" charset="0"/>
+              <a:cs typeface="Times New Roman" panose="02020603050405020304" pitchFamily="18" charset="0"/>
+            </a:endParaRPr>
           </a:p>
         </p:txBody>
       </p:sp>
@@ -24250,342 +24286,27 @@
           </a:lstStyle>
           <a:p>
             <a:r>
-              <a:rPr kumimoji="1" lang="ja-JP" altLang="en-US" sz="3200" b="1" dirty="0">
+              <a:rPr kumimoji="1" lang="ja-JP" altLang="en-US" sz="3200" b="1" dirty="0" smtClean="0">
                 <a:latin typeface="+mj-ea"/>
               </a:rPr>
-              <a:t>考察</a:t>
-            </a:r>
-          </a:p>
-        </p:txBody>
-      </p:sp>
-      <p:sp>
-        <p:nvSpPr>
-          <p:cNvPr id="6" name="円/楕円 5"/>
-          <p:cNvSpPr/>
-          <p:nvPr/>
-        </p:nvSpPr>
-        <p:spPr>
-          <a:xfrm>
-            <a:off x="4881345" y="1756488"/>
-            <a:ext cx="2282943" cy="981794"/>
-          </a:xfrm>
-          <a:prstGeom prst="ellipse">
-            <a:avLst/>
-          </a:prstGeom>
-        </p:spPr>
-        <p:style>
-          <a:lnRef idx="1">
-            <a:schemeClr val="accent1"/>
-          </a:lnRef>
-          <a:fillRef idx="2">
-            <a:schemeClr val="accent1"/>
-          </a:fillRef>
-          <a:effectRef idx="1">
-            <a:schemeClr val="accent1"/>
-          </a:effectRef>
-          <a:fontRef idx="minor">
-            <a:schemeClr val="dk1"/>
-          </a:fontRef>
-        </p:style>
-        <p:txBody>
-          <a:bodyPr rtlCol="0" anchor="ctr"/>
-          <a:lstStyle/>
-          <a:p>
-            <a:pPr algn="ctr"/>
-            <a:r>
-              <a:rPr kumimoji="1" lang="en-US" altLang="ja-JP" sz="3600" dirty="0" smtClean="0">
-                <a:solidFill>
-                  <a:schemeClr val="tx1"/>
-                </a:solidFill>
-                <a:latin typeface="Times New Roman" panose="02020603050405020304" pitchFamily="18" charset="0"/>
-                <a:ea typeface="ＭＳ 明朝" panose="02020609040205080304" pitchFamily="17" charset="-128"/>
-                <a:cs typeface="Times New Roman" panose="02020603050405020304" pitchFamily="18" charset="0"/>
-              </a:rPr>
-              <a:t>AC</a:t>
-            </a:r>
-            <a:endParaRPr kumimoji="1" lang="ja-JP" altLang="en-US" sz="3600" dirty="0">
-              <a:solidFill>
-                <a:schemeClr val="tx1"/>
-              </a:solidFill>
-              <a:latin typeface="Times New Roman" panose="02020603050405020304" pitchFamily="18" charset="0"/>
-              <a:ea typeface="ＭＳ 明朝" panose="02020609040205080304" pitchFamily="17" charset="-128"/>
-              <a:cs typeface="Times New Roman" panose="02020603050405020304" pitchFamily="18" charset="0"/>
+              <a:t>まとめ</a:t>
+            </a:r>
+            <a:endParaRPr kumimoji="1" lang="ja-JP" altLang="en-US" sz="3200" b="1" dirty="0">
+              <a:latin typeface="+mj-ea"/>
             </a:endParaRPr>
           </a:p>
         </p:txBody>
       </p:sp>
       <p:sp>
         <p:nvSpPr>
-          <p:cNvPr id="7" name="円/楕円 6"/>
-          <p:cNvSpPr/>
-          <p:nvPr/>
-        </p:nvSpPr>
-        <p:spPr>
-          <a:xfrm>
-            <a:off x="2123728" y="1756488"/>
-            <a:ext cx="2282943" cy="981794"/>
-          </a:xfrm>
-          <a:prstGeom prst="ellipse">
-            <a:avLst/>
-          </a:prstGeom>
-        </p:spPr>
-        <p:style>
-          <a:lnRef idx="1">
-            <a:schemeClr val="accent1"/>
-          </a:lnRef>
-          <a:fillRef idx="2">
-            <a:schemeClr val="accent1"/>
-          </a:fillRef>
-          <a:effectRef idx="1">
-            <a:schemeClr val="accent1"/>
-          </a:effectRef>
-          <a:fontRef idx="minor">
-            <a:schemeClr val="dk1"/>
-          </a:fontRef>
-        </p:style>
-        <p:txBody>
-          <a:bodyPr rtlCol="0" anchor="ctr"/>
-          <a:lstStyle/>
-          <a:p>
-            <a:pPr algn="ctr"/>
-            <a:r>
-              <a:rPr lang="en-US" altLang="ja-JP" sz="3600" dirty="0">
-                <a:solidFill>
-                  <a:schemeClr val="tx1"/>
-                </a:solidFill>
-                <a:latin typeface="Times New Roman" panose="02020603050405020304" pitchFamily="18" charset="0"/>
-                <a:ea typeface="ＭＳ 明朝" panose="02020609040205080304" pitchFamily="17" charset="-128"/>
-                <a:cs typeface="Times New Roman" panose="02020603050405020304" pitchFamily="18" charset="0"/>
-              </a:rPr>
-              <a:t>PV</a:t>
-            </a:r>
-            <a:endParaRPr kumimoji="1" lang="en-US" altLang="ja-JP" sz="3600" dirty="0" smtClean="0">
-              <a:solidFill>
-                <a:schemeClr val="tx1"/>
-              </a:solidFill>
-              <a:latin typeface="Times New Roman" panose="02020603050405020304" pitchFamily="18" charset="0"/>
-              <a:ea typeface="ＭＳ 明朝" panose="02020609040205080304" pitchFamily="17" charset="-128"/>
-              <a:cs typeface="Times New Roman" panose="02020603050405020304" pitchFamily="18" charset="0"/>
-            </a:endParaRPr>
-          </a:p>
-        </p:txBody>
-      </p:sp>
-      <p:sp>
-        <p:nvSpPr>
-          <p:cNvPr id="8" name="下矢印 7"/>
-          <p:cNvSpPr/>
-          <p:nvPr/>
-        </p:nvSpPr>
-        <p:spPr>
-          <a:xfrm>
-            <a:off x="3707904" y="2810473"/>
-            <a:ext cx="1872208" cy="538355"/>
-          </a:xfrm>
-          <a:prstGeom prst="downArrow">
-            <a:avLst/>
-          </a:prstGeom>
-          <a:solidFill>
-            <a:srgbClr val="00B050">
-              <a:alpha val="75000"/>
-            </a:srgbClr>
-          </a:solidFill>
-          <a:ln>
-            <a:noFill/>
-          </a:ln>
-        </p:spPr>
-        <p:style>
-          <a:lnRef idx="2">
-            <a:schemeClr val="accent1">
-              <a:shade val="50000"/>
-            </a:schemeClr>
-          </a:lnRef>
-          <a:fillRef idx="1">
-            <a:schemeClr val="accent1"/>
-          </a:fillRef>
-          <a:effectRef idx="0">
-            <a:schemeClr val="accent1"/>
-          </a:effectRef>
-          <a:fontRef idx="minor">
-            <a:schemeClr val="lt1"/>
-          </a:fontRef>
-        </p:style>
-        <p:txBody>
-          <a:bodyPr rtlCol="0" anchor="ctr"/>
-          <a:lstStyle/>
-          <a:p>
-            <a:pPr algn="ctr"/>
-            <a:endParaRPr kumimoji="1" lang="ja-JP" altLang="en-US" sz="1400">
-              <a:solidFill>
-                <a:schemeClr val="tx1"/>
-              </a:solidFill>
-              <a:latin typeface="ＭＳ 明朝" panose="02020609040205080304" pitchFamily="17" charset="-128"/>
-              <a:ea typeface="ＭＳ 明朝" panose="02020609040205080304" pitchFamily="17" charset="-128"/>
-              <a:cs typeface="Times New Roman" pitchFamily="18" charset="0"/>
-            </a:endParaRPr>
-          </a:p>
-        </p:txBody>
-      </p:sp>
-      <p:sp>
-        <p:nvSpPr>
-          <p:cNvPr id="9" name="角丸四角形 8"/>
-          <p:cNvSpPr/>
-          <p:nvPr/>
-        </p:nvSpPr>
-        <p:spPr>
-          <a:xfrm>
-            <a:off x="1835696" y="3429000"/>
-            <a:ext cx="5616624" cy="792088"/>
-          </a:xfrm>
-          <a:prstGeom prst="roundRect">
-            <a:avLst/>
-          </a:prstGeom>
-        </p:spPr>
-        <p:style>
-          <a:lnRef idx="1">
-            <a:schemeClr val="accent5"/>
-          </a:lnRef>
-          <a:fillRef idx="2">
-            <a:schemeClr val="accent5"/>
-          </a:fillRef>
-          <a:effectRef idx="1">
-            <a:schemeClr val="accent5"/>
-          </a:effectRef>
-          <a:fontRef idx="minor">
-            <a:schemeClr val="dk1"/>
-          </a:fontRef>
-        </p:style>
-        <p:txBody>
-          <a:bodyPr rtlCol="0" anchor="ctr"/>
-          <a:lstStyle/>
-          <a:p>
-            <a:pPr algn="ctr"/>
-            <a:r>
-              <a:rPr kumimoji="1" lang="ja-JP" altLang="en-US" sz="2800" dirty="0" smtClean="0">
-                <a:latin typeface="ＭＳ 明朝" panose="02020609040205080304" pitchFamily="17" charset="-128"/>
-                <a:ea typeface="ＭＳ 明朝" panose="02020609040205080304" pitchFamily="17" charset="-128"/>
-              </a:rPr>
-              <a:t>有意差は得られなかった</a:t>
-            </a:r>
-            <a:endParaRPr kumimoji="1" lang="ja-JP" altLang="en-US" sz="2800" dirty="0">
-              <a:latin typeface="ＭＳ 明朝" panose="02020609040205080304" pitchFamily="17" charset="-128"/>
-              <a:ea typeface="ＭＳ 明朝" panose="02020609040205080304" pitchFamily="17" charset="-128"/>
-            </a:endParaRPr>
-          </a:p>
-        </p:txBody>
-      </p:sp>
-      <p:sp>
-        <p:nvSpPr>
-          <p:cNvPr id="12" name="下矢印 11"/>
-          <p:cNvSpPr/>
-          <p:nvPr/>
-        </p:nvSpPr>
-        <p:spPr>
-          <a:xfrm>
-            <a:off x="3707904" y="4394649"/>
-            <a:ext cx="1872208" cy="538355"/>
-          </a:xfrm>
-          <a:prstGeom prst="downArrow">
-            <a:avLst/>
-          </a:prstGeom>
-          <a:solidFill>
-            <a:srgbClr val="00B050">
-              <a:alpha val="75000"/>
-            </a:srgbClr>
-          </a:solidFill>
-          <a:ln>
-            <a:noFill/>
-          </a:ln>
-        </p:spPr>
-        <p:style>
-          <a:lnRef idx="2">
-            <a:schemeClr val="accent1">
-              <a:shade val="50000"/>
-            </a:schemeClr>
-          </a:lnRef>
-          <a:fillRef idx="1">
-            <a:schemeClr val="accent1"/>
-          </a:fillRef>
-          <a:effectRef idx="0">
-            <a:schemeClr val="accent1"/>
-          </a:effectRef>
-          <a:fontRef idx="minor">
-            <a:schemeClr val="lt1"/>
-          </a:fontRef>
-        </p:style>
-        <p:txBody>
-          <a:bodyPr rtlCol="0" anchor="ctr"/>
-          <a:lstStyle/>
-          <a:p>
-            <a:pPr algn="ctr"/>
-            <a:endParaRPr kumimoji="1" lang="ja-JP" altLang="en-US" sz="1400" dirty="0">
-              <a:solidFill>
-                <a:schemeClr val="tx1"/>
-              </a:solidFill>
-              <a:latin typeface="ＭＳ 明朝" panose="02020609040205080304" pitchFamily="17" charset="-128"/>
-              <a:ea typeface="ＭＳ 明朝" panose="02020609040205080304" pitchFamily="17" charset="-128"/>
-              <a:cs typeface="Times New Roman" pitchFamily="18" charset="0"/>
-            </a:endParaRPr>
-          </a:p>
-        </p:txBody>
-      </p:sp>
-      <p:sp>
-        <p:nvSpPr>
-          <p:cNvPr id="13" name="角丸四角形 12"/>
-          <p:cNvSpPr/>
-          <p:nvPr/>
-        </p:nvSpPr>
-        <p:spPr>
-          <a:xfrm>
-            <a:off x="1835696" y="5013176"/>
-            <a:ext cx="5616624" cy="792088"/>
-          </a:xfrm>
-          <a:prstGeom prst="roundRect">
-            <a:avLst/>
-          </a:prstGeom>
-        </p:spPr>
-        <p:style>
-          <a:lnRef idx="1">
-            <a:schemeClr val="accent5"/>
-          </a:lnRef>
-          <a:fillRef idx="2">
-            <a:schemeClr val="accent5"/>
-          </a:fillRef>
-          <a:effectRef idx="1">
-            <a:schemeClr val="accent5"/>
-          </a:effectRef>
-          <a:fontRef idx="minor">
-            <a:schemeClr val="dk1"/>
-          </a:fontRef>
-        </p:style>
-        <p:txBody>
-          <a:bodyPr rtlCol="0" anchor="ctr"/>
-          <a:lstStyle/>
-          <a:p>
-            <a:pPr algn="ctr"/>
-            <a:r>
-              <a:rPr kumimoji="1" lang="ja-JP" altLang="en-US" sz="2800" dirty="0" smtClean="0">
-                <a:latin typeface="ＭＳ 明朝" panose="02020609040205080304" pitchFamily="17" charset="-128"/>
-                <a:ea typeface="ＭＳ 明朝" panose="02020609040205080304" pitchFamily="17" charset="-128"/>
-              </a:rPr>
-              <a:t>有意差が得られる</a:t>
-            </a:r>
-            <a:endParaRPr kumimoji="1" lang="ja-JP" altLang="en-US" sz="2800" dirty="0">
-              <a:latin typeface="ＭＳ 明朝" panose="02020609040205080304" pitchFamily="17" charset="-128"/>
-              <a:ea typeface="ＭＳ 明朝" panose="02020609040205080304" pitchFamily="17" charset="-128"/>
-            </a:endParaRPr>
-          </a:p>
-        </p:txBody>
-      </p:sp>
-      <p:sp>
-        <p:nvSpPr>
-          <p:cNvPr id="14" name="テキスト ボックス 13"/>
+          <p:cNvPr id="15" name="テキスト ボックス 14"/>
           <p:cNvSpPr txBox="1"/>
           <p:nvPr/>
         </p:nvSpPr>
         <p:spPr>
           <a:xfrm>
-            <a:off x="3707904" y="4438011"/>
-            <a:ext cx="1872208" cy="369332"/>
+            <a:off x="0" y="1844824"/>
+            <a:ext cx="9144000" cy="523220"/>
           </a:xfrm>
           <a:prstGeom prst="rect">
             <a:avLst/>
@@ -24600,17 +24321,237 @@
           <a:p>
             <a:pPr algn="ctr"/>
             <a:r>
-              <a:rPr lang="ja-JP" altLang="en-US" dirty="0" smtClean="0">
+              <a:rPr kumimoji="1" lang="en-US" altLang="ja-JP" sz="2800" b="1" dirty="0" smtClean="0">
+                <a:solidFill>
+                  <a:schemeClr val="accent5"/>
+                </a:solidFill>
                 <a:latin typeface="ＭＳ 明朝" panose="02020609040205080304" pitchFamily="17" charset="-128"/>
                 <a:ea typeface="ＭＳ 明朝" panose="02020609040205080304" pitchFamily="17" charset="-128"/>
                 <a:cs typeface="Times New Roman" pitchFamily="18" charset="0"/>
               </a:rPr>
-              <a:t>被験者数の増加</a:t>
-            </a:r>
-            <a:endParaRPr kumimoji="1" lang="ja-JP" altLang="en-US" dirty="0">
+              <a:t>『</a:t>
+            </a:r>
+            <a:r>
+              <a:rPr kumimoji="1" lang="ja-JP" altLang="en-US" sz="2800" b="1" dirty="0" smtClean="0">
+                <a:solidFill>
+                  <a:schemeClr val="accent5"/>
+                </a:solidFill>
+                <a:latin typeface="ＭＳ 明朝" panose="02020609040205080304" pitchFamily="17" charset="-128"/>
+                <a:ea typeface="ＭＳ 明朝" panose="02020609040205080304" pitchFamily="17" charset="-128"/>
+                <a:cs typeface="Times New Roman" pitchFamily="18" charset="0"/>
+              </a:rPr>
+              <a:t>プロジェクトマネジメント＋ゲーミフィケーション</a:t>
+            </a:r>
+            <a:r>
+              <a:rPr kumimoji="1" lang="en-US" altLang="ja-JP" sz="2800" b="1" dirty="0" smtClean="0">
+                <a:solidFill>
+                  <a:schemeClr val="accent5"/>
+                </a:solidFill>
+                <a:latin typeface="ＭＳ 明朝" panose="02020609040205080304" pitchFamily="17" charset="-128"/>
+                <a:ea typeface="ＭＳ 明朝" panose="02020609040205080304" pitchFamily="17" charset="-128"/>
+                <a:cs typeface="Times New Roman" pitchFamily="18" charset="0"/>
+              </a:rPr>
+              <a:t>』</a:t>
+            </a:r>
+            <a:endParaRPr kumimoji="1" lang="ja-JP" altLang="en-US" sz="2800" b="1" dirty="0">
+              <a:solidFill>
+                <a:schemeClr val="accent5"/>
+              </a:solidFill>
               <a:latin typeface="ＭＳ 明朝" panose="02020609040205080304" pitchFamily="17" charset="-128"/>
               <a:ea typeface="ＭＳ 明朝" panose="02020609040205080304" pitchFamily="17" charset="-128"/>
               <a:cs typeface="Times New Roman" pitchFamily="18" charset="0"/>
+            </a:endParaRPr>
+          </a:p>
+        </p:txBody>
+      </p:sp>
+      <p:sp>
+        <p:nvSpPr>
+          <p:cNvPr id="16" name="円/楕円 15"/>
+          <p:cNvSpPr/>
+          <p:nvPr/>
+        </p:nvSpPr>
+        <p:spPr>
+          <a:xfrm>
+            <a:off x="2044237" y="3671342"/>
+            <a:ext cx="5055521" cy="981794"/>
+          </a:xfrm>
+          <a:prstGeom prst="ellipse">
+            <a:avLst/>
+          </a:prstGeom>
+        </p:spPr>
+        <p:style>
+          <a:lnRef idx="1">
+            <a:schemeClr val="accent4"/>
+          </a:lnRef>
+          <a:fillRef idx="2">
+            <a:schemeClr val="accent4"/>
+          </a:fillRef>
+          <a:effectRef idx="1">
+            <a:schemeClr val="accent4"/>
+          </a:effectRef>
+          <a:fontRef idx="minor">
+            <a:schemeClr val="dk1"/>
+          </a:fontRef>
+        </p:style>
+        <p:txBody>
+          <a:bodyPr rtlCol="0" anchor="ctr"/>
+          <a:lstStyle/>
+          <a:p>
+            <a:pPr algn="ctr"/>
+            <a:r>
+              <a:rPr lang="ja-JP" altLang="en-US" dirty="0" smtClean="0">
+                <a:solidFill>
+                  <a:schemeClr val="tx1"/>
+                </a:solidFill>
+                <a:latin typeface="ＭＳ 明朝" panose="02020609040205080304" pitchFamily="17" charset="-128"/>
+                <a:ea typeface="ＭＳ 明朝" panose="02020609040205080304" pitchFamily="17" charset="-128"/>
+                <a:cs typeface="Times New Roman" pitchFamily="18" charset="0"/>
+              </a:rPr>
+              <a:t>見積もりを良くする</a:t>
+            </a:r>
+            <a:endParaRPr lang="en-US" altLang="ja-JP" dirty="0" smtClean="0">
+              <a:solidFill>
+                <a:schemeClr val="tx1"/>
+              </a:solidFill>
+              <a:latin typeface="ＭＳ 明朝" panose="02020609040205080304" pitchFamily="17" charset="-128"/>
+              <a:ea typeface="ＭＳ 明朝" panose="02020609040205080304" pitchFamily="17" charset="-128"/>
+              <a:cs typeface="Times New Roman" pitchFamily="18" charset="0"/>
+            </a:endParaRPr>
+          </a:p>
+        </p:txBody>
+      </p:sp>
+      <p:sp>
+        <p:nvSpPr>
+          <p:cNvPr id="17" name="円/楕円 16"/>
+          <p:cNvSpPr/>
+          <p:nvPr/>
+        </p:nvSpPr>
+        <p:spPr>
+          <a:xfrm>
+            <a:off x="2044238" y="2593882"/>
+            <a:ext cx="5055521" cy="981794"/>
+          </a:xfrm>
+          <a:prstGeom prst="ellipse">
+            <a:avLst/>
+          </a:prstGeom>
+        </p:spPr>
+        <p:style>
+          <a:lnRef idx="1">
+            <a:schemeClr val="accent4"/>
+          </a:lnRef>
+          <a:fillRef idx="2">
+            <a:schemeClr val="accent4"/>
+          </a:fillRef>
+          <a:effectRef idx="1">
+            <a:schemeClr val="accent4"/>
+          </a:effectRef>
+          <a:fontRef idx="minor">
+            <a:schemeClr val="dk1"/>
+          </a:fontRef>
+        </p:style>
+        <p:txBody>
+          <a:bodyPr rtlCol="0" anchor="ctr"/>
+          <a:lstStyle/>
+          <a:p>
+            <a:pPr algn="ctr"/>
+            <a:r>
+              <a:rPr lang="ja-JP" altLang="en-US" dirty="0" smtClean="0">
+                <a:solidFill>
+                  <a:schemeClr val="tx1"/>
+                </a:solidFill>
+                <a:latin typeface="ＭＳ 明朝" panose="02020609040205080304" pitchFamily="17" charset="-128"/>
+                <a:ea typeface="ＭＳ 明朝" panose="02020609040205080304" pitchFamily="17" charset="-128"/>
+                <a:cs typeface="Times New Roman" pitchFamily="18" charset="0"/>
+              </a:rPr>
+              <a:t>プロジェクトマネジメント</a:t>
+            </a:r>
+            <a:endParaRPr lang="en-US" altLang="ja-JP" dirty="0" smtClean="0">
+              <a:solidFill>
+                <a:schemeClr val="tx1"/>
+              </a:solidFill>
+              <a:latin typeface="ＭＳ 明朝" panose="02020609040205080304" pitchFamily="17" charset="-128"/>
+              <a:ea typeface="ＭＳ 明朝" panose="02020609040205080304" pitchFamily="17" charset="-128"/>
+              <a:cs typeface="Times New Roman" pitchFamily="18" charset="0"/>
+            </a:endParaRPr>
+          </a:p>
+          <a:p>
+            <a:pPr algn="ctr"/>
+            <a:r>
+              <a:rPr lang="ja-JP" altLang="en-US" dirty="0" smtClean="0">
+                <a:solidFill>
+                  <a:schemeClr val="tx1"/>
+                </a:solidFill>
+                <a:latin typeface="ＭＳ 明朝" panose="02020609040205080304" pitchFamily="17" charset="-128"/>
+                <a:ea typeface="ＭＳ 明朝" panose="02020609040205080304" pitchFamily="17" charset="-128"/>
+                <a:cs typeface="Times New Roman" pitchFamily="18" charset="0"/>
+              </a:rPr>
+              <a:t>について理解を深める</a:t>
+            </a:r>
+            <a:endParaRPr kumimoji="1" lang="ja-JP" altLang="en-US" dirty="0">
+              <a:solidFill>
+                <a:schemeClr val="tx1"/>
+              </a:solidFill>
+              <a:latin typeface="ＭＳ 明朝" panose="02020609040205080304" pitchFamily="17" charset="-128"/>
+              <a:ea typeface="ＭＳ 明朝" panose="02020609040205080304" pitchFamily="17" charset="-128"/>
+              <a:cs typeface="Times New Roman" pitchFamily="18" charset="0"/>
+            </a:endParaRPr>
+          </a:p>
+        </p:txBody>
+      </p:sp>
+      <p:sp>
+        <p:nvSpPr>
+          <p:cNvPr id="18" name="正方形/長方形 17"/>
+          <p:cNvSpPr/>
+          <p:nvPr/>
+        </p:nvSpPr>
+        <p:spPr>
+          <a:xfrm>
+            <a:off x="2044237" y="4941168"/>
+            <a:ext cx="5055522" cy="792088"/>
+          </a:xfrm>
+          <a:prstGeom prst="rect">
+            <a:avLst/>
+          </a:prstGeom>
+        </p:spPr>
+        <p:style>
+          <a:lnRef idx="1">
+            <a:schemeClr val="accent6"/>
+          </a:lnRef>
+          <a:fillRef idx="2">
+            <a:schemeClr val="accent6"/>
+          </a:fillRef>
+          <a:effectRef idx="1">
+            <a:schemeClr val="accent6"/>
+          </a:effectRef>
+          <a:fontRef idx="minor">
+            <a:schemeClr val="dk1"/>
+          </a:fontRef>
+        </p:style>
+        <p:txBody>
+          <a:bodyPr rtlCol="0" anchor="ctr"/>
+          <a:lstStyle/>
+          <a:p>
+            <a:pPr algn="ctr"/>
+            <a:r>
+              <a:rPr lang="en-US" altLang="ja-JP" dirty="0" smtClean="0">
+                <a:latin typeface="Times New Roman" panose="02020603050405020304" pitchFamily="18" charset="0"/>
+                <a:ea typeface="ＭＳ 明朝" panose="02020609040205080304" pitchFamily="17" charset="-128"/>
+                <a:cs typeface="Times New Roman" panose="02020603050405020304" pitchFamily="18" charset="0"/>
+              </a:rPr>
+              <a:t>PM</a:t>
+            </a:r>
+            <a:r>
+              <a:rPr lang="ja-JP" altLang="en-US" dirty="0" smtClean="0">
+                <a:latin typeface="Times New Roman" panose="02020603050405020304" pitchFamily="18" charset="0"/>
+                <a:ea typeface="ＭＳ 明朝" panose="02020609040205080304" pitchFamily="17" charset="-128"/>
+                <a:cs typeface="Times New Roman" panose="02020603050405020304" pitchFamily="18" charset="0"/>
+              </a:rPr>
+              <a:t>の要素を含むゲームの制作と効果の測定</a:t>
+            </a:r>
+            <a:endParaRPr kumimoji="1" lang="ja-JP" altLang="en-US" dirty="0">
+              <a:latin typeface="Times New Roman" panose="02020603050405020304" pitchFamily="18" charset="0"/>
+              <a:ea typeface="ＭＳ 明朝" panose="02020609040205080304" pitchFamily="17" charset="-128"/>
+              <a:cs typeface="Times New Roman" panose="02020603050405020304" pitchFamily="18" charset="0"/>
             </a:endParaRPr>
           </a:p>
         </p:txBody>
@@ -24654,600 +24595,6 @@
       </p:grpSpPr>
       <p:sp>
         <p:nvSpPr>
-          <p:cNvPr id="6" name="Content Placeholder 4"/>
-          <p:cNvSpPr txBox="1">
-            <a:spLocks/>
-          </p:cNvSpPr>
-          <p:nvPr/>
-        </p:nvSpPr>
-        <p:spPr>
-          <a:xfrm>
-            <a:off x="971600" y="1556792"/>
-            <a:ext cx="7920880" cy="4569371"/>
-          </a:xfrm>
-          <a:prstGeom prst="rect">
-            <a:avLst/>
-          </a:prstGeom>
-        </p:spPr>
-        <p:txBody>
-          <a:bodyPr vert="horz" lIns="91440" tIns="45720" rIns="91440" bIns="45720" rtlCol="0">
-            <a:noAutofit/>
-          </a:bodyPr>
-          <a:lstStyle>
-            <a:lvl1pPr marL="342900" indent="-342900" algn="l" defTabSz="914400" rtl="0" eaLnBrk="1" latinLnBrk="0" hangingPunct="1">
-              <a:lnSpc>
-                <a:spcPct val="150000"/>
-              </a:lnSpc>
-              <a:spcBef>
-                <a:spcPts val="0"/>
-              </a:spcBef>
-              <a:buSzPct val="130000"/>
-              <a:buFont typeface="Arial" pitchFamily="34" charset="0"/>
-              <a:buChar char="•"/>
-              <a:defRPr kumimoji="0" lang="ja-JP" sz="2000" kern="1200">
-                <a:solidFill>
-                  <a:schemeClr val="tx1"/>
-                </a:solidFill>
-                <a:latin typeface="Georgia" pitchFamily="18" charset="0"/>
-                <a:ea typeface="+mn-ea"/>
-                <a:cs typeface="+mn-cs"/>
-              </a:defRPr>
-            </a:lvl1pPr>
-            <a:lvl2pPr marL="571500" indent="-228600" algn="l" defTabSz="914400" rtl="0" eaLnBrk="1" latinLnBrk="0" hangingPunct="1">
-              <a:lnSpc>
-                <a:spcPct val="150000"/>
-              </a:lnSpc>
-              <a:spcBef>
-                <a:spcPts val="0"/>
-              </a:spcBef>
-              <a:buSzPct val="60000"/>
-              <a:buFont typeface="Courier New" pitchFamily="49" charset="0"/>
-              <a:buChar char="o"/>
-              <a:defRPr kumimoji="0" lang="ja-JP" sz="1800" kern="1200">
-                <a:solidFill>
-                  <a:schemeClr val="tx1"/>
-                </a:solidFill>
-                <a:latin typeface="Georgia" pitchFamily="18" charset="0"/>
-                <a:ea typeface="+mn-ea"/>
-                <a:cs typeface="+mn-cs"/>
-              </a:defRPr>
-            </a:lvl2pPr>
-            <a:lvl3pPr marL="1143000" indent="-228600" algn="l" defTabSz="914400" rtl="0" eaLnBrk="1" latinLnBrk="0" hangingPunct="1">
-              <a:spcBef>
-                <a:spcPct val="20000"/>
-              </a:spcBef>
-              <a:buFont typeface="Arial" pitchFamily="34" charset="0"/>
-              <a:buChar char="•"/>
-              <a:defRPr kumimoji="0" lang="ja-JP" sz="2000" kern="1200">
-                <a:solidFill>
-                  <a:schemeClr val="tx1"/>
-                </a:solidFill>
-                <a:latin typeface="Georgia" pitchFamily="18" charset="0"/>
-                <a:ea typeface="+mn-ea"/>
-                <a:cs typeface="+mn-cs"/>
-              </a:defRPr>
-            </a:lvl3pPr>
-            <a:lvl4pPr marL="1600200" indent="-228600" algn="l" defTabSz="914400" rtl="0" eaLnBrk="1" latinLnBrk="0" hangingPunct="1">
-              <a:spcBef>
-                <a:spcPct val="20000"/>
-              </a:spcBef>
-              <a:buFont typeface="Arial" pitchFamily="34" charset="0"/>
-              <a:buChar char="–"/>
-              <a:defRPr kumimoji="0" lang="ja-JP" sz="2000" kern="1200">
-                <a:solidFill>
-                  <a:schemeClr val="tx1"/>
-                </a:solidFill>
-                <a:latin typeface="Georgia" pitchFamily="18" charset="0"/>
-                <a:ea typeface="+mn-ea"/>
-                <a:cs typeface="+mn-cs"/>
-              </a:defRPr>
-            </a:lvl4pPr>
-            <a:lvl5pPr marL="2057400" indent="-228600" algn="l" defTabSz="914400" rtl="0" eaLnBrk="1" latinLnBrk="0" hangingPunct="1">
-              <a:spcBef>
-                <a:spcPct val="20000"/>
-              </a:spcBef>
-              <a:buFont typeface="Arial" pitchFamily="34" charset="0"/>
-              <a:buChar char="»"/>
-              <a:defRPr kumimoji="0" lang="ja-JP" sz="2000" kern="1200">
-                <a:solidFill>
-                  <a:schemeClr val="tx1"/>
-                </a:solidFill>
-                <a:latin typeface="Georgia" pitchFamily="18" charset="0"/>
-                <a:ea typeface="+mn-ea"/>
-                <a:cs typeface="+mn-cs"/>
-              </a:defRPr>
-            </a:lvl5pPr>
-            <a:lvl6pPr marL="2514600" indent="-228600" algn="l" defTabSz="914400" rtl="0" eaLnBrk="1" latinLnBrk="0" hangingPunct="1">
-              <a:spcBef>
-                <a:spcPct val="20000"/>
-              </a:spcBef>
-              <a:buFont typeface="Arial" pitchFamily="34" charset="0"/>
-              <a:buChar char="•"/>
-              <a:defRPr kumimoji="1" lang="ja-JP" sz="2000" kern="1200">
-                <a:solidFill>
-                  <a:schemeClr val="tx1"/>
-                </a:solidFill>
-                <a:latin typeface="+mn-lt"/>
-                <a:ea typeface="+mn-ea"/>
-                <a:cs typeface="+mn-cs"/>
-              </a:defRPr>
-            </a:lvl6pPr>
-            <a:lvl7pPr marL="2971800" indent="-228600" algn="l" defTabSz="914400" rtl="0" eaLnBrk="1" latinLnBrk="0" hangingPunct="1">
-              <a:spcBef>
-                <a:spcPct val="20000"/>
-              </a:spcBef>
-              <a:buFont typeface="Arial" pitchFamily="34" charset="0"/>
-              <a:buChar char="•"/>
-              <a:defRPr kumimoji="1" lang="ja-JP" sz="2000" kern="1200">
-                <a:solidFill>
-                  <a:schemeClr val="tx1"/>
-                </a:solidFill>
-                <a:latin typeface="+mn-lt"/>
-                <a:ea typeface="+mn-ea"/>
-                <a:cs typeface="+mn-cs"/>
-              </a:defRPr>
-            </a:lvl7pPr>
-            <a:lvl8pPr marL="3429000" indent="-228600" algn="l" defTabSz="914400" rtl="0" eaLnBrk="1" latinLnBrk="0" hangingPunct="1">
-              <a:spcBef>
-                <a:spcPct val="20000"/>
-              </a:spcBef>
-              <a:buFont typeface="Arial" pitchFamily="34" charset="0"/>
-              <a:buChar char="•"/>
-              <a:defRPr kumimoji="1" lang="ja-JP" sz="2000" kern="1200">
-                <a:solidFill>
-                  <a:schemeClr val="tx1"/>
-                </a:solidFill>
-                <a:latin typeface="+mn-lt"/>
-                <a:ea typeface="+mn-ea"/>
-                <a:cs typeface="+mn-cs"/>
-              </a:defRPr>
-            </a:lvl8pPr>
-            <a:lvl9pPr marL="3886200" indent="-228600" algn="l" defTabSz="914400" rtl="0" eaLnBrk="1" latinLnBrk="0" hangingPunct="1">
-              <a:spcBef>
-                <a:spcPct val="20000"/>
-              </a:spcBef>
-              <a:buFont typeface="Arial" pitchFamily="34" charset="0"/>
-              <a:buChar char="•"/>
-              <a:defRPr kumimoji="1" lang="ja-JP" sz="2000" kern="1200">
-                <a:solidFill>
-                  <a:schemeClr val="tx1"/>
-                </a:solidFill>
-                <a:latin typeface="+mn-lt"/>
-                <a:ea typeface="+mn-ea"/>
-                <a:cs typeface="+mn-cs"/>
-              </a:defRPr>
-            </a:lvl9pPr>
-          </a:lstStyle>
-          <a:p>
-            <a:pPr marL="742950" indent="-742950">
-              <a:buFont typeface="+mj-lt"/>
-              <a:buAutoNum type="arabicPeriod"/>
-            </a:pPr>
-            <a:r>
-              <a:rPr lang="ja-JP" altLang="en-US" sz="1800" b="1" dirty="0" smtClean="0">
-                <a:latin typeface="Times New Roman" panose="02020603050405020304" pitchFamily="18" charset="0"/>
-                <a:ea typeface="ＭＳ 明朝" panose="02020609040205080304" pitchFamily="17" charset="-128"/>
-                <a:cs typeface="Times New Roman" panose="02020603050405020304" pitchFamily="18" charset="0"/>
-              </a:rPr>
-              <a:t>背景</a:t>
-            </a:r>
-          </a:p>
-          <a:p>
-            <a:pPr marL="742950" indent="-742950">
-              <a:buFont typeface="+mj-lt"/>
-              <a:buAutoNum type="arabicPeriod"/>
-            </a:pPr>
-            <a:r>
-              <a:rPr lang="ja-JP" altLang="en-US" sz="1800" b="1" dirty="0" smtClean="0">
-                <a:latin typeface="Times New Roman" panose="02020603050405020304" pitchFamily="18" charset="0"/>
-                <a:ea typeface="ＭＳ 明朝" panose="02020609040205080304" pitchFamily="17" charset="-128"/>
-                <a:cs typeface="Times New Roman" panose="02020603050405020304" pitchFamily="18" charset="0"/>
-              </a:rPr>
-              <a:t>目的</a:t>
-            </a:r>
-          </a:p>
-          <a:p>
-            <a:pPr marL="742950" indent="-742950">
-              <a:buFont typeface="+mj-lt"/>
-              <a:buAutoNum type="arabicPeriod"/>
-            </a:pPr>
-            <a:r>
-              <a:rPr lang="ja-JP" altLang="en-US" sz="1800" b="1" dirty="0">
-                <a:latin typeface="Times New Roman" panose="02020603050405020304" pitchFamily="18" charset="0"/>
-                <a:ea typeface="ＭＳ 明朝" panose="02020609040205080304" pitchFamily="17" charset="-128"/>
-                <a:cs typeface="Times New Roman" panose="02020603050405020304" pitchFamily="18" charset="0"/>
-              </a:rPr>
-              <a:t>手法</a:t>
-            </a:r>
-            <a:endParaRPr lang="ja-JP" altLang="en-US" sz="1800" b="1" dirty="0" smtClean="0">
-              <a:latin typeface="Times New Roman" panose="02020603050405020304" pitchFamily="18" charset="0"/>
-              <a:ea typeface="ＭＳ 明朝" panose="02020609040205080304" pitchFamily="17" charset="-128"/>
-              <a:cs typeface="Times New Roman" panose="02020603050405020304" pitchFamily="18" charset="0"/>
-            </a:endParaRPr>
-          </a:p>
-          <a:p>
-            <a:pPr marL="742950" indent="-742950">
-              <a:buFont typeface="+mj-lt"/>
-              <a:buAutoNum type="arabicPeriod"/>
-            </a:pPr>
-            <a:r>
-              <a:rPr lang="ja-JP" altLang="en-US" sz="1800" b="1" dirty="0" smtClean="0">
-                <a:latin typeface="Times New Roman" panose="02020603050405020304" pitchFamily="18" charset="0"/>
-                <a:ea typeface="ＭＳ 明朝" panose="02020609040205080304" pitchFamily="17" charset="-128"/>
-                <a:cs typeface="Times New Roman" panose="02020603050405020304" pitchFamily="18" charset="0"/>
-              </a:rPr>
-              <a:t>ゲームの仕様</a:t>
-            </a:r>
-            <a:endParaRPr lang="en-US" altLang="ja-JP" sz="1800" b="1" dirty="0" smtClean="0">
-              <a:latin typeface="Times New Roman" panose="02020603050405020304" pitchFamily="18" charset="0"/>
-              <a:ea typeface="ＭＳ 明朝" panose="02020609040205080304" pitchFamily="17" charset="-128"/>
-              <a:cs typeface="Times New Roman" panose="02020603050405020304" pitchFamily="18" charset="0"/>
-            </a:endParaRPr>
-          </a:p>
-          <a:p>
-            <a:pPr marL="742950" indent="-742950">
-              <a:buFont typeface="+mj-lt"/>
-              <a:buAutoNum type="arabicPeriod"/>
-            </a:pPr>
-            <a:r>
-              <a:rPr lang="ja-JP" altLang="en-US" sz="1800" b="1" dirty="0" smtClean="0">
-                <a:latin typeface="Times New Roman" panose="02020603050405020304" pitchFamily="18" charset="0"/>
-                <a:ea typeface="ＭＳ 明朝" panose="02020609040205080304" pitchFamily="17" charset="-128"/>
-                <a:cs typeface="Times New Roman" panose="02020603050405020304" pitchFamily="18" charset="0"/>
-              </a:rPr>
-              <a:t>ゲームの流れ</a:t>
-            </a:r>
-            <a:endParaRPr lang="en-US" altLang="ja-JP" sz="1800" b="1" dirty="0" smtClean="0">
-              <a:latin typeface="Times New Roman" panose="02020603050405020304" pitchFamily="18" charset="0"/>
-              <a:ea typeface="ＭＳ 明朝" panose="02020609040205080304" pitchFamily="17" charset="-128"/>
-              <a:cs typeface="Times New Roman" panose="02020603050405020304" pitchFamily="18" charset="0"/>
-            </a:endParaRPr>
-          </a:p>
-          <a:p>
-            <a:pPr marL="742950" indent="-742950">
-              <a:buFont typeface="+mj-lt"/>
-              <a:buAutoNum type="arabicPeriod"/>
-            </a:pPr>
-            <a:r>
-              <a:rPr lang="en-US" altLang="ja-JP" sz="1800" b="1" dirty="0" smtClean="0">
-                <a:latin typeface="Times New Roman" panose="02020603050405020304" pitchFamily="18" charset="0"/>
-                <a:ea typeface="ＭＳ 明朝" panose="02020609040205080304" pitchFamily="17" charset="-128"/>
-                <a:cs typeface="Times New Roman" panose="02020603050405020304" pitchFamily="18" charset="0"/>
-              </a:rPr>
-              <a:t>PM</a:t>
-            </a:r>
-            <a:r>
-              <a:rPr lang="ja-JP" altLang="en-US" sz="1800" b="1" dirty="0" smtClean="0">
-                <a:latin typeface="Times New Roman" panose="02020603050405020304" pitchFamily="18" charset="0"/>
-                <a:ea typeface="ＭＳ 明朝" panose="02020609040205080304" pitchFamily="17" charset="-128"/>
-                <a:cs typeface="Times New Roman" panose="02020603050405020304" pitchFamily="18" charset="0"/>
-              </a:rPr>
-              <a:t>との関連性</a:t>
-            </a:r>
-            <a:endParaRPr lang="en-US" altLang="ja-JP" sz="1800" b="1" dirty="0" smtClean="0">
-              <a:latin typeface="Times New Roman" panose="02020603050405020304" pitchFamily="18" charset="0"/>
-              <a:ea typeface="ＭＳ 明朝" panose="02020609040205080304" pitchFamily="17" charset="-128"/>
-              <a:cs typeface="Times New Roman" panose="02020603050405020304" pitchFamily="18" charset="0"/>
-            </a:endParaRPr>
-          </a:p>
-          <a:p>
-            <a:pPr marL="742950" indent="-742950">
-              <a:buFont typeface="+mj-lt"/>
-              <a:buAutoNum type="arabicPeriod"/>
-            </a:pPr>
-            <a:r>
-              <a:rPr lang="ja-JP" altLang="en-US" sz="1800" b="1" dirty="0" smtClean="0">
-                <a:latin typeface="Times New Roman" panose="02020603050405020304" pitchFamily="18" charset="0"/>
-                <a:ea typeface="ＭＳ 明朝" panose="02020609040205080304" pitchFamily="17" charset="-128"/>
-                <a:cs typeface="Times New Roman" panose="02020603050405020304" pitchFamily="18" charset="0"/>
-              </a:rPr>
-              <a:t>被験者</a:t>
-            </a:r>
-            <a:r>
-              <a:rPr lang="en-US" altLang="ja-JP" sz="1800" b="1" dirty="0" smtClean="0">
-                <a:latin typeface="Times New Roman" panose="02020603050405020304" pitchFamily="18" charset="0"/>
-                <a:ea typeface="ＭＳ 明朝" panose="02020609040205080304" pitchFamily="17" charset="-128"/>
-                <a:cs typeface="Times New Roman" panose="02020603050405020304" pitchFamily="18" charset="0"/>
-              </a:rPr>
-              <a:t>1</a:t>
-            </a:r>
-            <a:r>
-              <a:rPr lang="ja-JP" altLang="en-US" sz="1800" b="1" dirty="0" smtClean="0">
-                <a:latin typeface="Times New Roman" panose="02020603050405020304" pitchFamily="18" charset="0"/>
-                <a:ea typeface="ＭＳ 明朝" panose="02020609040205080304" pitchFamily="17" charset="-128"/>
-                <a:cs typeface="Times New Roman" panose="02020603050405020304" pitchFamily="18" charset="0"/>
-              </a:rPr>
-              <a:t>の結果</a:t>
-            </a:r>
-            <a:endParaRPr lang="en-US" altLang="ja-JP" sz="1800" b="1" dirty="0" smtClean="0">
-              <a:latin typeface="Times New Roman" panose="02020603050405020304" pitchFamily="18" charset="0"/>
-              <a:ea typeface="ＭＳ 明朝" panose="02020609040205080304" pitchFamily="17" charset="-128"/>
-              <a:cs typeface="Times New Roman" panose="02020603050405020304" pitchFamily="18" charset="0"/>
-            </a:endParaRPr>
-          </a:p>
-          <a:p>
-            <a:pPr marL="742950" indent="-742950">
-              <a:buFont typeface="+mj-lt"/>
-              <a:buAutoNum type="arabicPeriod"/>
-            </a:pPr>
-            <a:r>
-              <a:rPr lang="ja-JP" altLang="en-US" sz="1800" b="1" dirty="0" smtClean="0">
-                <a:latin typeface="Times New Roman" panose="02020603050405020304" pitchFamily="18" charset="0"/>
-                <a:ea typeface="ＭＳ 明朝" panose="02020609040205080304" pitchFamily="17" charset="-128"/>
-                <a:cs typeface="Times New Roman" panose="02020603050405020304" pitchFamily="18" charset="0"/>
-              </a:rPr>
-              <a:t>被験者</a:t>
-            </a:r>
-            <a:r>
-              <a:rPr lang="en-US" altLang="ja-JP" sz="1800" b="1" dirty="0" smtClean="0">
-                <a:latin typeface="Times New Roman" panose="02020603050405020304" pitchFamily="18" charset="0"/>
-                <a:ea typeface="ＭＳ 明朝" panose="02020609040205080304" pitchFamily="17" charset="-128"/>
-                <a:cs typeface="Times New Roman" panose="02020603050405020304" pitchFamily="18" charset="0"/>
-              </a:rPr>
-              <a:t>2</a:t>
-            </a:r>
-            <a:r>
-              <a:rPr lang="ja-JP" altLang="en-US" sz="1800" b="1" dirty="0" smtClean="0">
-                <a:latin typeface="Times New Roman" panose="02020603050405020304" pitchFamily="18" charset="0"/>
-                <a:ea typeface="ＭＳ 明朝" panose="02020609040205080304" pitchFamily="17" charset="-128"/>
-                <a:cs typeface="Times New Roman" panose="02020603050405020304" pitchFamily="18" charset="0"/>
-              </a:rPr>
-              <a:t>の結果</a:t>
-            </a:r>
-            <a:endParaRPr lang="en-US" altLang="ja-JP" sz="1800" b="1" dirty="0" smtClean="0">
-              <a:latin typeface="Times New Roman" panose="02020603050405020304" pitchFamily="18" charset="0"/>
-              <a:ea typeface="ＭＳ 明朝" panose="02020609040205080304" pitchFamily="17" charset="-128"/>
-              <a:cs typeface="Times New Roman" panose="02020603050405020304" pitchFamily="18" charset="0"/>
-            </a:endParaRPr>
-          </a:p>
-          <a:p>
-            <a:pPr marL="742950" indent="-742950">
-              <a:buFont typeface="+mj-lt"/>
-              <a:buAutoNum type="arabicPeriod"/>
-            </a:pPr>
-            <a:r>
-              <a:rPr lang="en-US" altLang="ja-JP" sz="1800" b="1" dirty="0" smtClean="0">
-                <a:latin typeface="Times New Roman" panose="02020603050405020304" pitchFamily="18" charset="0"/>
-                <a:ea typeface="ＭＳ 明朝" panose="02020609040205080304" pitchFamily="17" charset="-128"/>
-                <a:cs typeface="Times New Roman" panose="02020603050405020304" pitchFamily="18" charset="0"/>
-              </a:rPr>
-              <a:t>PV</a:t>
-            </a:r>
-            <a:r>
-              <a:rPr lang="ja-JP" altLang="en-US" sz="1800" b="1" dirty="0" smtClean="0">
-                <a:latin typeface="Times New Roman" panose="02020603050405020304" pitchFamily="18" charset="0"/>
-                <a:ea typeface="ＭＳ 明朝" panose="02020609040205080304" pitchFamily="17" charset="-128"/>
-                <a:cs typeface="Times New Roman" panose="02020603050405020304" pitchFamily="18" charset="0"/>
-              </a:rPr>
-              <a:t>の比較・検定</a:t>
-            </a:r>
-            <a:endParaRPr lang="en-US" altLang="ja-JP" sz="1800" b="1" dirty="0" smtClean="0">
-              <a:latin typeface="Times New Roman" panose="02020603050405020304" pitchFamily="18" charset="0"/>
-              <a:ea typeface="ＭＳ 明朝" panose="02020609040205080304" pitchFamily="17" charset="-128"/>
-              <a:cs typeface="Times New Roman" panose="02020603050405020304" pitchFamily="18" charset="0"/>
-            </a:endParaRPr>
-          </a:p>
-          <a:p>
-            <a:pPr marL="742950" indent="-742950">
-              <a:buFont typeface="+mj-lt"/>
-              <a:buAutoNum type="arabicPeriod"/>
-            </a:pPr>
-            <a:r>
-              <a:rPr lang="en-US" altLang="ja-JP" sz="1800" b="1" dirty="0">
-                <a:latin typeface="Times New Roman" panose="02020603050405020304" pitchFamily="18" charset="0"/>
-                <a:ea typeface="ＭＳ 明朝" panose="02020609040205080304" pitchFamily="17" charset="-128"/>
-                <a:cs typeface="Times New Roman" panose="02020603050405020304" pitchFamily="18" charset="0"/>
-              </a:rPr>
-              <a:t>AC</a:t>
-            </a:r>
-            <a:r>
-              <a:rPr lang="ja-JP" altLang="en-US" sz="1800" b="1" dirty="0" smtClean="0">
-                <a:latin typeface="Times New Roman" panose="02020603050405020304" pitchFamily="18" charset="0"/>
-                <a:ea typeface="ＭＳ 明朝" panose="02020609040205080304" pitchFamily="17" charset="-128"/>
-                <a:cs typeface="Times New Roman" panose="02020603050405020304" pitchFamily="18" charset="0"/>
-              </a:rPr>
-              <a:t>の比較・検定</a:t>
-            </a:r>
-          </a:p>
-          <a:p>
-            <a:pPr marL="742950" indent="-742950">
-              <a:buFont typeface="+mj-lt"/>
-              <a:buAutoNum type="arabicPeriod"/>
-            </a:pPr>
-            <a:r>
-              <a:rPr lang="ja-JP" altLang="en-US" sz="1800" b="1" dirty="0" smtClean="0">
-                <a:latin typeface="Times New Roman" panose="02020603050405020304" pitchFamily="18" charset="0"/>
-                <a:ea typeface="ＭＳ 明朝" panose="02020609040205080304" pitchFamily="17" charset="-128"/>
-                <a:cs typeface="Times New Roman" panose="02020603050405020304" pitchFamily="18" charset="0"/>
-              </a:rPr>
-              <a:t>考察</a:t>
-            </a:r>
-          </a:p>
-        </p:txBody>
-      </p:sp>
-      <p:sp>
-        <p:nvSpPr>
-          <p:cNvPr id="8" name="Title 1"/>
-          <p:cNvSpPr txBox="1">
-            <a:spLocks/>
-          </p:cNvSpPr>
-          <p:nvPr/>
-        </p:nvSpPr>
-        <p:spPr>
-          <a:xfrm>
-            <a:off x="457200" y="914400"/>
-            <a:ext cx="4648200" cy="642392"/>
-          </a:xfrm>
-          <a:prstGeom prst="rect">
-            <a:avLst/>
-          </a:prstGeom>
-        </p:spPr>
-        <p:txBody>
-          <a:bodyPr vert="horz" lIns="91440" tIns="45720" rIns="91440" bIns="45720" rtlCol="0" anchor="t">
-            <a:normAutofit/>
-          </a:bodyPr>
-          <a:lstStyle>
-            <a:lvl1pPr algn="l" defTabSz="914400" rtl="0" eaLnBrk="1" latinLnBrk="0" hangingPunct="1">
-              <a:spcBef>
-                <a:spcPct val="0"/>
-              </a:spcBef>
-              <a:buNone/>
-              <a:defRPr kumimoji="0" lang="ja-JP" sz="2800" kern="1200">
-                <a:solidFill>
-                  <a:schemeClr val="tx1"/>
-                </a:solidFill>
-                <a:latin typeface="Georgia" pitchFamily="18" charset="0"/>
-                <a:ea typeface="+mj-ea"/>
-                <a:cs typeface="+mj-cs"/>
-              </a:defRPr>
-            </a:lvl1pPr>
-          </a:lstStyle>
-          <a:p>
-            <a:r>
-              <a:rPr kumimoji="1" lang="ja-JP" altLang="en-US" sz="3200" b="1" dirty="0" smtClean="0">
-                <a:latin typeface="+mj-ea"/>
-              </a:rPr>
-              <a:t>目次</a:t>
-            </a:r>
-            <a:endParaRPr kumimoji="1" lang="ja-JP" altLang="en-US" sz="3200" b="1" dirty="0">
-              <a:latin typeface="+mj-ea"/>
-            </a:endParaRPr>
-          </a:p>
-        </p:txBody>
-      </p:sp>
-      <p:sp>
-        <p:nvSpPr>
-          <p:cNvPr id="9" name="日付プレースホルダー 1"/>
-          <p:cNvSpPr>
-            <a:spLocks noGrp="1"/>
-          </p:cNvSpPr>
-          <p:nvPr>
-            <p:ph type="dt" sz="half" idx="10"/>
-          </p:nvPr>
-        </p:nvSpPr>
-        <p:spPr>
-          <a:xfrm>
-            <a:off x="323528" y="6250164"/>
-            <a:ext cx="1134372" cy="365125"/>
-          </a:xfrm>
-        </p:spPr>
-        <p:txBody>
-          <a:bodyPr/>
-          <a:lstStyle/>
-          <a:p>
-            <a:r>
-              <a:rPr kumimoji="1" lang="en-US" altLang="ja-JP" smtClean="0">
-                <a:latin typeface="Times New Roman" panose="02020603050405020304" pitchFamily="18" charset="0"/>
-                <a:cs typeface="Times New Roman" panose="02020603050405020304" pitchFamily="18" charset="0"/>
-              </a:rPr>
-              <a:t>2014/02/05</a:t>
-            </a:r>
-            <a:endParaRPr kumimoji="1" lang="ja-JP" altLang="en-US">
-              <a:latin typeface="Times New Roman" panose="02020603050405020304" pitchFamily="18" charset="0"/>
-              <a:cs typeface="Times New Roman" panose="02020603050405020304" pitchFamily="18" charset="0"/>
-            </a:endParaRPr>
-          </a:p>
-        </p:txBody>
-      </p:sp>
-      <p:sp>
-        <p:nvSpPr>
-          <p:cNvPr id="10" name="フッター プレースホルダー 2"/>
-          <p:cNvSpPr>
-            <a:spLocks noGrp="1"/>
-          </p:cNvSpPr>
-          <p:nvPr>
-            <p:ph type="ftr" sz="quarter" idx="11"/>
-          </p:nvPr>
-        </p:nvSpPr>
-        <p:spPr>
-          <a:xfrm>
-            <a:off x="1493412" y="6250164"/>
-            <a:ext cx="6264696" cy="365125"/>
-          </a:xfrm>
-        </p:spPr>
-        <p:txBody>
-          <a:bodyPr/>
-          <a:lstStyle/>
-          <a:p>
-            <a:pPr algn="ctr">
-              <a:tabLst>
-                <a:tab pos="1979613" algn="l"/>
-              </a:tabLst>
-            </a:pPr>
-            <a:r>
-              <a:rPr lang="en-US" altLang="ja-JP" dirty="0">
-                <a:latin typeface="Times New Roman" panose="02020603050405020304" pitchFamily="18" charset="0"/>
-                <a:cs typeface="Times New Roman" panose="02020603050405020304" pitchFamily="18" charset="0"/>
-              </a:rPr>
-              <a:t>Development and Effectiveness Measurement </a:t>
-            </a:r>
-          </a:p>
-          <a:p>
-            <a:pPr algn="ctr">
-              <a:tabLst>
-                <a:tab pos="1979613" algn="l"/>
-              </a:tabLst>
-            </a:pPr>
-            <a:r>
-              <a:rPr lang="en-US" altLang="ja-JP" dirty="0">
-                <a:latin typeface="Times New Roman" panose="02020603050405020304" pitchFamily="18" charset="0"/>
-                <a:cs typeface="Times New Roman" panose="02020603050405020304" pitchFamily="18" charset="0"/>
-              </a:rPr>
-              <a:t>of the Game for Project Management </a:t>
-            </a:r>
-            <a:r>
-              <a:rPr lang="en-US" altLang="ja-JP" dirty="0" smtClean="0">
-                <a:latin typeface="Times New Roman" panose="02020603050405020304" pitchFamily="18" charset="0"/>
-                <a:cs typeface="Times New Roman" panose="02020603050405020304" pitchFamily="18" charset="0"/>
-              </a:rPr>
-              <a:t>Training</a:t>
-            </a:r>
-            <a:endParaRPr lang="en-US" altLang="ja-JP" dirty="0">
-              <a:latin typeface="Times New Roman" panose="02020603050405020304" pitchFamily="18" charset="0"/>
-              <a:cs typeface="Times New Roman" panose="02020603050405020304" pitchFamily="18" charset="0"/>
-            </a:endParaRPr>
-          </a:p>
-        </p:txBody>
-      </p:sp>
-    </p:spTree>
-    <p:extLst>
-      <p:ext uri="{BB962C8B-B14F-4D97-AF65-F5344CB8AC3E}">
-        <p14:creationId xmlns:p14="http://schemas.microsoft.com/office/powerpoint/2010/main" val="3622070387"/>
-      </p:ext>
-    </p:extLst>
-  </p:cSld>
-  <p:clrMapOvr>
-    <a:masterClrMapping/>
-  </p:clrMapOvr>
-  <p:timing>
-    <p:tnLst>
-      <p:par>
-        <p:cTn id="1" dur="indefinite" restart="never" nodeType="tmRoot"/>
-      </p:par>
-    </p:tnLst>
-  </p:timing>
-</p:sld>
-</file>
-
-<file path=ppt/slides/slide3.xml><?xml version="1.0" encoding="utf-8"?>
-<p:sld xmlns:a="http://schemas.openxmlformats.org/drawingml/2006/main" xmlns:r="http://schemas.openxmlformats.org/officeDocument/2006/relationships" xmlns:p="http://schemas.openxmlformats.org/presentationml/2006/main">
-  <p:cSld>
-    <p:spTree>
-      <p:nvGrpSpPr>
-        <p:cNvPr id="1" name=""/>
-        <p:cNvGrpSpPr/>
-        <p:nvPr/>
-      </p:nvGrpSpPr>
-      <p:grpSpPr>
-        <a:xfrm>
-          <a:off x="0" y="0"/>
-          <a:ext cx="0" cy="0"/>
-          <a:chOff x="0" y="0"/>
-          <a:chExt cx="0" cy="0"/>
-        </a:xfrm>
-      </p:grpSpPr>
-      <p:sp>
-        <p:nvSpPr>
           <p:cNvPr id="2" name="日付プレースホルダー 1"/>
           <p:cNvSpPr>
             <a:spLocks noGrp="1"/>
@@ -25350,7 +24697,7 @@
                 <a:latin typeface="Times New Roman" panose="02020603050405020304" pitchFamily="18" charset="0"/>
                 <a:cs typeface="Times New Roman" panose="02020603050405020304" pitchFamily="18" charset="0"/>
               </a:rPr>
-              <a:t>3</a:t>
+              <a:t>2</a:t>
             </a:fld>
             <a:endParaRPr kumimoji="1" lang="ja-JP" altLang="en-US">
               <a:latin typeface="Times New Roman" panose="02020603050405020304" pitchFamily="18" charset="0"/>
@@ -26217,6 +25564,404 @@
 </p:sld>
 </file>
 
+<file path=ppt/slides/slide3.xml><?xml version="1.0" encoding="utf-8"?>
+<p:sld xmlns:a="http://schemas.openxmlformats.org/drawingml/2006/main" xmlns:r="http://schemas.openxmlformats.org/officeDocument/2006/relationships" xmlns:p="http://schemas.openxmlformats.org/presentationml/2006/main">
+  <p:cSld>
+    <p:spTree>
+      <p:nvGrpSpPr>
+        <p:cNvPr id="1" name=""/>
+        <p:cNvGrpSpPr/>
+        <p:nvPr/>
+      </p:nvGrpSpPr>
+      <p:grpSpPr>
+        <a:xfrm>
+          <a:off x="0" y="0"/>
+          <a:ext cx="0" cy="0"/>
+          <a:chOff x="0" y="0"/>
+          <a:chExt cx="0" cy="0"/>
+        </a:xfrm>
+      </p:grpSpPr>
+      <p:sp>
+        <p:nvSpPr>
+          <p:cNvPr id="2" name="日付プレースホルダー 1"/>
+          <p:cNvSpPr>
+            <a:spLocks noGrp="1"/>
+          </p:cNvSpPr>
+          <p:nvPr>
+            <p:ph type="dt" sz="half" idx="10"/>
+          </p:nvPr>
+        </p:nvSpPr>
+        <p:spPr/>
+        <p:txBody>
+          <a:bodyPr/>
+          <a:lstStyle/>
+          <a:p>
+            <a:r>
+              <a:rPr kumimoji="1" lang="en-US" altLang="ja-JP" smtClean="0">
+                <a:latin typeface="Times New Roman" panose="02020603050405020304" pitchFamily="18" charset="0"/>
+                <a:cs typeface="Times New Roman" panose="02020603050405020304" pitchFamily="18" charset="0"/>
+              </a:rPr>
+              <a:t>2014/02/05</a:t>
+            </a:r>
+            <a:endParaRPr kumimoji="1" lang="ja-JP" altLang="en-US">
+              <a:latin typeface="Times New Roman" panose="02020603050405020304" pitchFamily="18" charset="0"/>
+              <a:cs typeface="Times New Roman" panose="02020603050405020304" pitchFamily="18" charset="0"/>
+            </a:endParaRPr>
+          </a:p>
+        </p:txBody>
+      </p:sp>
+      <p:sp>
+        <p:nvSpPr>
+          <p:cNvPr id="3" name="フッター プレースホルダー 2"/>
+          <p:cNvSpPr>
+            <a:spLocks noGrp="1"/>
+          </p:cNvSpPr>
+          <p:nvPr>
+            <p:ph type="ftr" sz="quarter" idx="11"/>
+          </p:nvPr>
+        </p:nvSpPr>
+        <p:spPr/>
+        <p:txBody>
+          <a:bodyPr/>
+          <a:lstStyle/>
+          <a:p>
+            <a:pPr algn="ctr">
+              <a:tabLst>
+                <a:tab pos="1979613" algn="l"/>
+              </a:tabLst>
+            </a:pPr>
+            <a:r>
+              <a:rPr lang="en-US" altLang="ja-JP" dirty="0">
+                <a:latin typeface="Times New Roman" panose="02020603050405020304" pitchFamily="18" charset="0"/>
+                <a:cs typeface="Times New Roman" panose="02020603050405020304" pitchFamily="18" charset="0"/>
+              </a:rPr>
+              <a:t>Development and Effectiveness Measurement </a:t>
+            </a:r>
+          </a:p>
+          <a:p>
+            <a:pPr algn="ctr">
+              <a:tabLst>
+                <a:tab pos="1979613" algn="l"/>
+              </a:tabLst>
+            </a:pPr>
+            <a:r>
+              <a:rPr lang="en-US" altLang="ja-JP" dirty="0">
+                <a:latin typeface="Times New Roman" panose="02020603050405020304" pitchFamily="18" charset="0"/>
+                <a:cs typeface="Times New Roman" panose="02020603050405020304" pitchFamily="18" charset="0"/>
+              </a:rPr>
+              <a:t>of the Game for Project Management </a:t>
+            </a:r>
+            <a:r>
+              <a:rPr lang="en-US" altLang="ja-JP" dirty="0" smtClean="0">
+                <a:latin typeface="Times New Roman" panose="02020603050405020304" pitchFamily="18" charset="0"/>
+                <a:cs typeface="Times New Roman" panose="02020603050405020304" pitchFamily="18" charset="0"/>
+              </a:rPr>
+              <a:t>Training</a:t>
+            </a:r>
+            <a:endParaRPr lang="en-US" altLang="ja-JP" dirty="0">
+              <a:latin typeface="Times New Roman" panose="02020603050405020304" pitchFamily="18" charset="0"/>
+              <a:cs typeface="Times New Roman" panose="02020603050405020304" pitchFamily="18" charset="0"/>
+            </a:endParaRPr>
+          </a:p>
+        </p:txBody>
+      </p:sp>
+      <p:sp>
+        <p:nvSpPr>
+          <p:cNvPr id="4" name="スライド番号プレースホルダー 3"/>
+          <p:cNvSpPr>
+            <a:spLocks noGrp="1"/>
+          </p:cNvSpPr>
+          <p:nvPr>
+            <p:ph type="sldNum" sz="quarter" idx="12"/>
+          </p:nvPr>
+        </p:nvSpPr>
+        <p:spPr/>
+        <p:txBody>
+          <a:bodyPr/>
+          <a:lstStyle/>
+          <a:p>
+            <a:fld id="{9FE19D7D-A506-4FEE-8BBF-7E3644FFC5C2}" type="slidenum">
+              <a:rPr kumimoji="1" lang="ja-JP" altLang="en-US" smtClean="0">
+                <a:latin typeface="Times New Roman" panose="02020603050405020304" pitchFamily="18" charset="0"/>
+                <a:cs typeface="Times New Roman" panose="02020603050405020304" pitchFamily="18" charset="0"/>
+              </a:rPr>
+              <a:t>3</a:t>
+            </a:fld>
+            <a:endParaRPr kumimoji="1" lang="ja-JP" altLang="en-US">
+              <a:latin typeface="Times New Roman" panose="02020603050405020304" pitchFamily="18" charset="0"/>
+              <a:cs typeface="Times New Roman" panose="02020603050405020304" pitchFamily="18" charset="0"/>
+            </a:endParaRPr>
+          </a:p>
+        </p:txBody>
+      </p:sp>
+      <p:sp>
+        <p:nvSpPr>
+          <p:cNvPr id="5" name="Title 1"/>
+          <p:cNvSpPr txBox="1">
+            <a:spLocks/>
+          </p:cNvSpPr>
+          <p:nvPr/>
+        </p:nvSpPr>
+        <p:spPr>
+          <a:xfrm>
+            <a:off x="457200" y="914400"/>
+            <a:ext cx="4648200" cy="642392"/>
+          </a:xfrm>
+          <a:prstGeom prst="rect">
+            <a:avLst/>
+          </a:prstGeom>
+        </p:spPr>
+        <p:txBody>
+          <a:bodyPr vert="horz" lIns="91440" tIns="45720" rIns="91440" bIns="45720" rtlCol="0" anchor="t">
+            <a:normAutofit/>
+          </a:bodyPr>
+          <a:lstStyle>
+            <a:lvl1pPr algn="l" defTabSz="914400" rtl="0" eaLnBrk="1" latinLnBrk="0" hangingPunct="1">
+              <a:spcBef>
+                <a:spcPct val="0"/>
+              </a:spcBef>
+              <a:buNone/>
+              <a:defRPr kumimoji="0" lang="ja-JP" sz="2800" kern="1200">
+                <a:solidFill>
+                  <a:schemeClr val="tx1"/>
+                </a:solidFill>
+                <a:latin typeface="Georgia" pitchFamily="18" charset="0"/>
+                <a:ea typeface="+mj-ea"/>
+                <a:cs typeface="+mj-cs"/>
+              </a:defRPr>
+            </a:lvl1pPr>
+          </a:lstStyle>
+          <a:p>
+            <a:r>
+              <a:rPr kumimoji="1" lang="ja-JP" altLang="en-US" sz="3200" b="1" dirty="0">
+                <a:latin typeface="+mj-ea"/>
+              </a:rPr>
+              <a:t>目的</a:t>
+            </a:r>
+          </a:p>
+        </p:txBody>
+      </p:sp>
+      <p:sp>
+        <p:nvSpPr>
+          <p:cNvPr id="6" name="テキスト ボックス 5"/>
+          <p:cNvSpPr txBox="1"/>
+          <p:nvPr/>
+        </p:nvSpPr>
+        <p:spPr>
+          <a:xfrm>
+            <a:off x="0" y="1681644"/>
+            <a:ext cx="9144000" cy="523220"/>
+          </a:xfrm>
+          <a:prstGeom prst="rect">
+            <a:avLst/>
+          </a:prstGeom>
+          <a:noFill/>
+        </p:spPr>
+        <p:txBody>
+          <a:bodyPr wrap="square" rtlCol="0">
+            <a:spAutoFit/>
+          </a:bodyPr>
+          <a:lstStyle/>
+          <a:p>
+            <a:pPr algn="ctr"/>
+            <a:r>
+              <a:rPr kumimoji="1" lang="en-US" altLang="ja-JP" sz="2800" b="1" dirty="0" smtClean="0">
+                <a:solidFill>
+                  <a:schemeClr val="accent5"/>
+                </a:solidFill>
+                <a:latin typeface="ＭＳ 明朝" panose="02020609040205080304" pitchFamily="17" charset="-128"/>
+                <a:ea typeface="ＭＳ 明朝" panose="02020609040205080304" pitchFamily="17" charset="-128"/>
+                <a:cs typeface="Times New Roman" pitchFamily="18" charset="0"/>
+              </a:rPr>
+              <a:t>『</a:t>
+            </a:r>
+            <a:r>
+              <a:rPr kumimoji="1" lang="ja-JP" altLang="en-US" sz="2800" b="1" dirty="0" smtClean="0">
+                <a:solidFill>
+                  <a:schemeClr val="accent5"/>
+                </a:solidFill>
+                <a:latin typeface="ＭＳ 明朝" panose="02020609040205080304" pitchFamily="17" charset="-128"/>
+                <a:ea typeface="ＭＳ 明朝" panose="02020609040205080304" pitchFamily="17" charset="-128"/>
+                <a:cs typeface="Times New Roman" pitchFamily="18" charset="0"/>
+              </a:rPr>
+              <a:t>プロジェクトマネジメント＋ゲーミフィケーション</a:t>
+            </a:r>
+            <a:r>
+              <a:rPr kumimoji="1" lang="en-US" altLang="ja-JP" sz="2800" b="1" dirty="0" smtClean="0">
+                <a:solidFill>
+                  <a:schemeClr val="accent5"/>
+                </a:solidFill>
+                <a:latin typeface="ＭＳ 明朝" panose="02020609040205080304" pitchFamily="17" charset="-128"/>
+                <a:ea typeface="ＭＳ 明朝" panose="02020609040205080304" pitchFamily="17" charset="-128"/>
+                <a:cs typeface="Times New Roman" pitchFamily="18" charset="0"/>
+              </a:rPr>
+              <a:t>』</a:t>
+            </a:r>
+            <a:endParaRPr kumimoji="1" lang="ja-JP" altLang="en-US" sz="2800" b="1" dirty="0">
+              <a:solidFill>
+                <a:schemeClr val="accent5"/>
+              </a:solidFill>
+              <a:latin typeface="ＭＳ 明朝" panose="02020609040205080304" pitchFamily="17" charset="-128"/>
+              <a:ea typeface="ＭＳ 明朝" panose="02020609040205080304" pitchFamily="17" charset="-128"/>
+              <a:cs typeface="Times New Roman" pitchFamily="18" charset="0"/>
+            </a:endParaRPr>
+          </a:p>
+        </p:txBody>
+      </p:sp>
+      <p:sp>
+        <p:nvSpPr>
+          <p:cNvPr id="12" name="円/楕円 11"/>
+          <p:cNvSpPr/>
+          <p:nvPr/>
+        </p:nvSpPr>
+        <p:spPr>
+          <a:xfrm>
+            <a:off x="2044237" y="4218428"/>
+            <a:ext cx="5055521" cy="981794"/>
+          </a:xfrm>
+          <a:prstGeom prst="ellipse">
+            <a:avLst/>
+          </a:prstGeom>
+        </p:spPr>
+        <p:style>
+          <a:lnRef idx="1">
+            <a:schemeClr val="accent4"/>
+          </a:lnRef>
+          <a:fillRef idx="2">
+            <a:schemeClr val="accent4"/>
+          </a:fillRef>
+          <a:effectRef idx="1">
+            <a:schemeClr val="accent4"/>
+          </a:effectRef>
+          <a:fontRef idx="minor">
+            <a:schemeClr val="dk1"/>
+          </a:fontRef>
+        </p:style>
+        <p:txBody>
+          <a:bodyPr rtlCol="0" anchor="ctr"/>
+          <a:lstStyle/>
+          <a:p>
+            <a:pPr algn="ctr"/>
+            <a:r>
+              <a:rPr lang="ja-JP" altLang="en-US" dirty="0" smtClean="0">
+                <a:solidFill>
+                  <a:schemeClr val="tx1"/>
+                </a:solidFill>
+                <a:latin typeface="ＭＳ 明朝" panose="02020609040205080304" pitchFamily="17" charset="-128"/>
+                <a:ea typeface="ＭＳ 明朝" panose="02020609040205080304" pitchFamily="17" charset="-128"/>
+                <a:cs typeface="Times New Roman" pitchFamily="18" charset="0"/>
+              </a:rPr>
+              <a:t>見積もりを良くする</a:t>
+            </a:r>
+            <a:endParaRPr lang="en-US" altLang="ja-JP" dirty="0" smtClean="0">
+              <a:solidFill>
+                <a:schemeClr val="tx1"/>
+              </a:solidFill>
+              <a:latin typeface="ＭＳ 明朝" panose="02020609040205080304" pitchFamily="17" charset="-128"/>
+              <a:ea typeface="ＭＳ 明朝" panose="02020609040205080304" pitchFamily="17" charset="-128"/>
+              <a:cs typeface="Times New Roman" pitchFamily="18" charset="0"/>
+            </a:endParaRPr>
+          </a:p>
+        </p:txBody>
+      </p:sp>
+      <p:sp>
+        <p:nvSpPr>
+          <p:cNvPr id="13" name="円/楕円 12"/>
+          <p:cNvSpPr/>
+          <p:nvPr/>
+        </p:nvSpPr>
+        <p:spPr>
+          <a:xfrm>
+            <a:off x="2044238" y="3140968"/>
+            <a:ext cx="5055521" cy="981794"/>
+          </a:xfrm>
+          <a:prstGeom prst="ellipse">
+            <a:avLst/>
+          </a:prstGeom>
+        </p:spPr>
+        <p:style>
+          <a:lnRef idx="1">
+            <a:schemeClr val="accent4"/>
+          </a:lnRef>
+          <a:fillRef idx="2">
+            <a:schemeClr val="accent4"/>
+          </a:fillRef>
+          <a:effectRef idx="1">
+            <a:schemeClr val="accent4"/>
+          </a:effectRef>
+          <a:fontRef idx="minor">
+            <a:schemeClr val="dk1"/>
+          </a:fontRef>
+        </p:style>
+        <p:txBody>
+          <a:bodyPr rtlCol="0" anchor="ctr"/>
+          <a:lstStyle/>
+          <a:p>
+            <a:pPr algn="ctr"/>
+            <a:r>
+              <a:rPr lang="ja-JP" altLang="en-US" dirty="0" smtClean="0">
+                <a:solidFill>
+                  <a:schemeClr val="tx1"/>
+                </a:solidFill>
+                <a:latin typeface="ＭＳ 明朝" panose="02020609040205080304" pitchFamily="17" charset="-128"/>
+                <a:ea typeface="ＭＳ 明朝" panose="02020609040205080304" pitchFamily="17" charset="-128"/>
+                <a:cs typeface="Times New Roman" pitchFamily="18" charset="0"/>
+              </a:rPr>
+              <a:t>プロジェクトマネジメント</a:t>
+            </a:r>
+            <a:endParaRPr lang="en-US" altLang="ja-JP" dirty="0" smtClean="0">
+              <a:solidFill>
+                <a:schemeClr val="tx1"/>
+              </a:solidFill>
+              <a:latin typeface="ＭＳ 明朝" panose="02020609040205080304" pitchFamily="17" charset="-128"/>
+              <a:ea typeface="ＭＳ 明朝" panose="02020609040205080304" pitchFamily="17" charset="-128"/>
+              <a:cs typeface="Times New Roman" pitchFamily="18" charset="0"/>
+            </a:endParaRPr>
+          </a:p>
+          <a:p>
+            <a:pPr algn="ctr"/>
+            <a:r>
+              <a:rPr lang="ja-JP" altLang="en-US" dirty="0" smtClean="0">
+                <a:solidFill>
+                  <a:schemeClr val="tx1"/>
+                </a:solidFill>
+                <a:latin typeface="ＭＳ 明朝" panose="02020609040205080304" pitchFamily="17" charset="-128"/>
+                <a:ea typeface="ＭＳ 明朝" panose="02020609040205080304" pitchFamily="17" charset="-128"/>
+                <a:cs typeface="Times New Roman" pitchFamily="18" charset="0"/>
+              </a:rPr>
+              <a:t>について理解を深める</a:t>
+            </a:r>
+            <a:endParaRPr kumimoji="1" lang="ja-JP" altLang="en-US" dirty="0">
+              <a:solidFill>
+                <a:schemeClr val="tx1"/>
+              </a:solidFill>
+              <a:latin typeface="ＭＳ 明朝" panose="02020609040205080304" pitchFamily="17" charset="-128"/>
+              <a:ea typeface="ＭＳ 明朝" panose="02020609040205080304" pitchFamily="17" charset="-128"/>
+              <a:cs typeface="Times New Roman" pitchFamily="18" charset="0"/>
+            </a:endParaRPr>
+          </a:p>
+        </p:txBody>
+      </p:sp>
+    </p:spTree>
+    <p:extLst>
+      <p:ext uri="{BB962C8B-B14F-4D97-AF65-F5344CB8AC3E}">
+        <p14:creationId xmlns:p14="http://schemas.microsoft.com/office/powerpoint/2010/main" val="3598121973"/>
+      </p:ext>
+    </p:extLst>
+  </p:cSld>
+  <p:clrMapOvr>
+    <a:masterClrMapping/>
+  </p:clrMapOvr>
+  <p:timing>
+    <p:tnLst>
+      <p:par>
+        <p:cTn id="1" dur="indefinite" restart="never" nodeType="tmRoot"/>
+      </p:par>
+    </p:tnLst>
+  </p:timing>
+</p:sld>
+</file>
+
 <file path=ppt/slides/slide4.xml><?xml version="1.0" encoding="utf-8"?>
 <p:sld xmlns:a="http://schemas.openxmlformats.org/drawingml/2006/main" xmlns:r="http://schemas.openxmlformats.org/officeDocument/2006/relationships" xmlns:p="http://schemas.openxmlformats.org/presentationml/2006/main">
   <p:cSld>
@@ -26389,212 +26134,8 @@
               <a:rPr kumimoji="1" lang="ja-JP" altLang="en-US" sz="3200" b="1" dirty="0">
                 <a:latin typeface="+mj-ea"/>
               </a:rPr>
-              <a:t>目的</a:t>
-            </a:r>
-          </a:p>
-        </p:txBody>
-      </p:sp>
-      <p:sp>
-        <p:nvSpPr>
-          <p:cNvPr id="6" name="テキスト ボックス 5"/>
-          <p:cNvSpPr txBox="1"/>
-          <p:nvPr/>
-        </p:nvSpPr>
-        <p:spPr>
-          <a:xfrm>
-            <a:off x="0" y="1681644"/>
-            <a:ext cx="9144000" cy="523220"/>
-          </a:xfrm>
-          <a:prstGeom prst="rect">
-            <a:avLst/>
-          </a:prstGeom>
-          <a:noFill/>
-        </p:spPr>
-        <p:txBody>
-          <a:bodyPr wrap="square" rtlCol="0">
-            <a:spAutoFit/>
-          </a:bodyPr>
-          <a:lstStyle/>
-          <a:p>
-            <a:pPr algn="ctr"/>
-            <a:r>
-              <a:rPr kumimoji="1" lang="en-US" altLang="ja-JP" sz="2800" b="1" dirty="0" smtClean="0">
-                <a:solidFill>
-                  <a:schemeClr val="accent5"/>
-                </a:solidFill>
-                <a:latin typeface="ＭＳ 明朝" panose="02020609040205080304" pitchFamily="17" charset="-128"/>
-                <a:ea typeface="ＭＳ 明朝" panose="02020609040205080304" pitchFamily="17" charset="-128"/>
-                <a:cs typeface="Times New Roman" pitchFamily="18" charset="0"/>
-              </a:rPr>
-              <a:t>『</a:t>
-            </a:r>
-            <a:r>
-              <a:rPr kumimoji="1" lang="ja-JP" altLang="en-US" sz="2800" b="1" dirty="0" smtClean="0">
-                <a:solidFill>
-                  <a:schemeClr val="accent5"/>
-                </a:solidFill>
-                <a:latin typeface="ＭＳ 明朝" panose="02020609040205080304" pitchFamily="17" charset="-128"/>
-                <a:ea typeface="ＭＳ 明朝" panose="02020609040205080304" pitchFamily="17" charset="-128"/>
-                <a:cs typeface="Times New Roman" pitchFamily="18" charset="0"/>
-              </a:rPr>
-              <a:t>プロジェクトマネジメント＋ゲーミフィケーション</a:t>
-            </a:r>
-            <a:r>
-              <a:rPr kumimoji="1" lang="en-US" altLang="ja-JP" sz="2800" b="1" dirty="0" smtClean="0">
-                <a:solidFill>
-                  <a:schemeClr val="accent5"/>
-                </a:solidFill>
-                <a:latin typeface="ＭＳ 明朝" panose="02020609040205080304" pitchFamily="17" charset="-128"/>
-                <a:ea typeface="ＭＳ 明朝" panose="02020609040205080304" pitchFamily="17" charset="-128"/>
-                <a:cs typeface="Times New Roman" pitchFamily="18" charset="0"/>
-              </a:rPr>
-              <a:t>』</a:t>
-            </a:r>
-            <a:endParaRPr kumimoji="1" lang="ja-JP" altLang="en-US" sz="2800" b="1" dirty="0">
-              <a:solidFill>
-                <a:schemeClr val="accent5"/>
-              </a:solidFill>
-              <a:latin typeface="ＭＳ 明朝" panose="02020609040205080304" pitchFamily="17" charset="-128"/>
-              <a:ea typeface="ＭＳ 明朝" panose="02020609040205080304" pitchFamily="17" charset="-128"/>
-              <a:cs typeface="Times New Roman" pitchFamily="18" charset="0"/>
-            </a:endParaRPr>
-          </a:p>
-        </p:txBody>
-      </p:sp>
-      <p:sp>
-        <p:nvSpPr>
-          <p:cNvPr id="7" name="角丸四角形 6"/>
-          <p:cNvSpPr/>
-          <p:nvPr/>
-        </p:nvSpPr>
-        <p:spPr>
-          <a:xfrm>
-            <a:off x="2411760" y="2276872"/>
-            <a:ext cx="4320480" cy="1080120"/>
-          </a:xfrm>
-          <a:prstGeom prst="roundRect">
-            <a:avLst/>
-          </a:prstGeom>
-        </p:spPr>
-        <p:style>
-          <a:lnRef idx="1">
-            <a:schemeClr val="accent6"/>
-          </a:lnRef>
-          <a:fillRef idx="2">
-            <a:schemeClr val="accent6"/>
-          </a:fillRef>
-          <a:effectRef idx="1">
-            <a:schemeClr val="accent6"/>
-          </a:effectRef>
-          <a:fontRef idx="minor">
-            <a:schemeClr val="dk1"/>
-          </a:fontRef>
-        </p:style>
-        <p:txBody>
-          <a:bodyPr rtlCol="0" anchor="ctr"/>
-          <a:lstStyle/>
-          <a:p>
-            <a:pPr algn="ctr"/>
-            <a:r>
-              <a:rPr lang="ja-JP" altLang="en-US" sz="2000" dirty="0" smtClean="0">
-                <a:latin typeface="ＭＳ 明朝" panose="02020609040205080304" pitchFamily="17" charset="-128"/>
-                <a:ea typeface="ＭＳ 明朝" panose="02020609040205080304" pitchFamily="17" charset="-128"/>
-                <a:cs typeface="Times New Roman" pitchFamily="18" charset="0"/>
-              </a:rPr>
-              <a:t>プロジェクトマネジメントを</a:t>
-            </a:r>
-            <a:endParaRPr lang="en-US" altLang="ja-JP" sz="2000" dirty="0" smtClean="0">
-              <a:latin typeface="ＭＳ 明朝" panose="02020609040205080304" pitchFamily="17" charset="-128"/>
-              <a:ea typeface="ＭＳ 明朝" panose="02020609040205080304" pitchFamily="17" charset="-128"/>
-              <a:cs typeface="Times New Roman" pitchFamily="18" charset="0"/>
-            </a:endParaRPr>
-          </a:p>
-          <a:p>
-            <a:pPr algn="ctr"/>
-            <a:r>
-              <a:rPr lang="ja-JP" altLang="en-US" sz="2000" dirty="0" smtClean="0">
-                <a:latin typeface="ＭＳ 明朝" panose="02020609040205080304" pitchFamily="17" charset="-128"/>
-                <a:ea typeface="ＭＳ 明朝" panose="02020609040205080304" pitchFamily="17" charset="-128"/>
-                <a:cs typeface="Times New Roman" pitchFamily="18" charset="0"/>
-              </a:rPr>
-              <a:t>学習するための</a:t>
-            </a:r>
-            <a:r>
-              <a:rPr lang="ja-JP" altLang="en-US" sz="2000" dirty="0">
-                <a:latin typeface="ＭＳ 明朝" panose="02020609040205080304" pitchFamily="17" charset="-128"/>
-                <a:ea typeface="ＭＳ 明朝" panose="02020609040205080304" pitchFamily="17" charset="-128"/>
-                <a:cs typeface="Times New Roman" pitchFamily="18" charset="0"/>
-              </a:rPr>
-              <a:t>ゲーム</a:t>
-            </a:r>
-            <a:r>
-              <a:rPr lang="ja-JP" altLang="en-US" sz="2000" dirty="0" smtClean="0">
-                <a:latin typeface="ＭＳ 明朝" panose="02020609040205080304" pitchFamily="17" charset="-128"/>
-                <a:ea typeface="ＭＳ 明朝" panose="02020609040205080304" pitchFamily="17" charset="-128"/>
-                <a:cs typeface="Times New Roman" pitchFamily="18" charset="0"/>
-              </a:rPr>
-              <a:t>の提案</a:t>
-            </a:r>
-            <a:endParaRPr lang="en-US" altLang="ja-JP" sz="2000" dirty="0" smtClean="0">
-              <a:latin typeface="ＭＳ 明朝" panose="02020609040205080304" pitchFamily="17" charset="-128"/>
-              <a:ea typeface="ＭＳ 明朝" panose="02020609040205080304" pitchFamily="17" charset="-128"/>
-              <a:cs typeface="Times New Roman" pitchFamily="18" charset="0"/>
-            </a:endParaRPr>
-          </a:p>
-        </p:txBody>
-      </p:sp>
-      <p:sp>
-        <p:nvSpPr>
-          <p:cNvPr id="8" name="下矢印 7"/>
-          <p:cNvSpPr/>
-          <p:nvPr/>
-        </p:nvSpPr>
-        <p:spPr>
-          <a:xfrm>
-            <a:off x="4283968" y="3442217"/>
-            <a:ext cx="576064" cy="538355"/>
-          </a:xfrm>
-          <a:prstGeom prst="downArrow">
-            <a:avLst/>
-          </a:prstGeom>
-          <a:solidFill>
-            <a:srgbClr val="00B050">
-              <a:alpha val="75000"/>
-            </a:srgbClr>
-          </a:solidFill>
-          <a:ln>
-            <a:noFill/>
-          </a:ln>
-        </p:spPr>
-        <p:style>
-          <a:lnRef idx="2">
-            <a:schemeClr val="accent1">
-              <a:shade val="50000"/>
-            </a:schemeClr>
-          </a:lnRef>
-          <a:fillRef idx="1">
-            <a:schemeClr val="accent1"/>
-          </a:fillRef>
-          <a:effectRef idx="0">
-            <a:schemeClr val="accent1"/>
-          </a:effectRef>
-          <a:fontRef idx="minor">
-            <a:schemeClr val="lt1"/>
-          </a:fontRef>
-        </p:style>
-        <p:txBody>
-          <a:bodyPr rtlCol="0" anchor="ctr"/>
-          <a:lstStyle/>
-          <a:p>
-            <a:pPr algn="ctr"/>
-            <a:endParaRPr kumimoji="1" lang="ja-JP" altLang="en-US" sz="1400">
-              <a:solidFill>
-                <a:schemeClr val="tx1"/>
-              </a:solidFill>
-              <a:latin typeface="ＭＳ 明朝" panose="02020609040205080304" pitchFamily="17" charset="-128"/>
-              <a:ea typeface="ＭＳ 明朝" panose="02020609040205080304" pitchFamily="17" charset="-128"/>
-              <a:cs typeface="Times New Roman" pitchFamily="18" charset="0"/>
-            </a:endParaRPr>
+              <a:t>手法</a:t>
+            </a:r>
           </a:p>
         </p:txBody>
       </p:sp>
@@ -26606,8 +26147,8 @@
         </p:nvSpPr>
         <p:spPr>
           <a:xfrm>
-            <a:off x="2252784" y="5125170"/>
-            <a:ext cx="4638431" cy="981794"/>
+            <a:off x="2044237" y="4218428"/>
+            <a:ext cx="5055521" cy="981794"/>
           </a:xfrm>
           <a:prstGeom prst="ellipse">
             <a:avLst/>
@@ -26641,7 +26182,73 @@
                 <a:ea typeface="ＭＳ 明朝" panose="02020609040205080304" pitchFamily="17" charset="-128"/>
                 <a:cs typeface="Times New Roman" pitchFamily="18" charset="0"/>
               </a:rPr>
-              <a:t>見積もりを良くする</a:t>
+              <a:t>類似プロジェクトの実施による</a:t>
+            </a:r>
+            <a:endParaRPr lang="en-US" altLang="ja-JP" dirty="0" smtClean="0">
+              <a:solidFill>
+                <a:schemeClr val="tx1"/>
+              </a:solidFill>
+              <a:latin typeface="ＭＳ 明朝" panose="02020609040205080304" pitchFamily="17" charset="-128"/>
+              <a:ea typeface="ＭＳ 明朝" panose="02020609040205080304" pitchFamily="17" charset="-128"/>
+              <a:cs typeface="Times New Roman" pitchFamily="18" charset="0"/>
+            </a:endParaRPr>
+          </a:p>
+          <a:p>
+            <a:pPr algn="ctr"/>
+            <a:r>
+              <a:rPr lang="ja-JP" altLang="en-US" dirty="0">
+                <a:solidFill>
+                  <a:schemeClr val="tx1"/>
+                </a:solidFill>
+                <a:latin typeface="ＭＳ 明朝" panose="02020609040205080304" pitchFamily="17" charset="-128"/>
+                <a:ea typeface="ＭＳ 明朝" panose="02020609040205080304" pitchFamily="17" charset="-128"/>
+                <a:cs typeface="Times New Roman" pitchFamily="18" charset="0"/>
+              </a:rPr>
+              <a:t>類推</a:t>
+            </a:r>
+            <a:r>
+              <a:rPr lang="ja-JP" altLang="en-US" dirty="0" smtClean="0">
+                <a:solidFill>
+                  <a:schemeClr val="tx1"/>
+                </a:solidFill>
+                <a:latin typeface="ＭＳ 明朝" panose="02020609040205080304" pitchFamily="17" charset="-128"/>
+                <a:ea typeface="ＭＳ 明朝" panose="02020609040205080304" pitchFamily="17" charset="-128"/>
+                <a:cs typeface="Times New Roman" pitchFamily="18" charset="0"/>
+              </a:rPr>
+              <a:t>見積もりの精度上昇</a:t>
+            </a:r>
+            <a:endParaRPr lang="en-US" altLang="ja-JP" dirty="0" smtClean="0">
+              <a:solidFill>
+                <a:schemeClr val="tx1"/>
+              </a:solidFill>
+              <a:latin typeface="ＭＳ 明朝" panose="02020609040205080304" pitchFamily="17" charset="-128"/>
+              <a:ea typeface="ＭＳ 明朝" panose="02020609040205080304" pitchFamily="17" charset="-128"/>
+              <a:cs typeface="Times New Roman" pitchFamily="18" charset="0"/>
+            </a:endParaRPr>
+          </a:p>
+          <a:p>
+            <a:pPr algn="ctr"/>
+            <a:r>
+              <a:rPr lang="ja-JP" altLang="en-US" dirty="0">
+                <a:solidFill>
+                  <a:schemeClr val="tx1"/>
+                </a:solidFill>
+                <a:latin typeface="ＭＳ 明朝" panose="02020609040205080304" pitchFamily="17" charset="-128"/>
+                <a:ea typeface="ＭＳ 明朝" panose="02020609040205080304" pitchFamily="17" charset="-128"/>
+                <a:cs typeface="Times New Roman" pitchFamily="18" charset="0"/>
+              </a:rPr>
+              <a:t>実</a:t>
+            </a:r>
+            <a:r>
+              <a:rPr lang="ja-JP" altLang="en-US" dirty="0" smtClean="0">
+                <a:solidFill>
+                  <a:schemeClr val="tx1"/>
+                </a:solidFill>
+                <a:latin typeface="ＭＳ 明朝" panose="02020609040205080304" pitchFamily="17" charset="-128"/>
+                <a:ea typeface="ＭＳ 明朝" panose="02020609040205080304" pitchFamily="17" charset="-128"/>
+                <a:cs typeface="Times New Roman" pitchFamily="18" charset="0"/>
+              </a:rPr>
+              <a:t>コストの低減</a:t>
             </a:r>
             <a:endParaRPr lang="en-US" altLang="ja-JP" dirty="0" smtClean="0">
               <a:solidFill>
@@ -26662,8 +26269,8 @@
         </p:nvSpPr>
         <p:spPr>
           <a:xfrm>
-            <a:off x="2252783" y="4029202"/>
-            <a:ext cx="4638431" cy="981794"/>
+            <a:off x="2044238" y="3140968"/>
+            <a:ext cx="5055521" cy="981794"/>
           </a:xfrm>
           <a:prstGeom prst="ellipse">
             <a:avLst/>
@@ -26697,7 +26304,7 @@
                 <a:ea typeface="ＭＳ 明朝" panose="02020609040205080304" pitchFamily="17" charset="-128"/>
                 <a:cs typeface="Times New Roman" pitchFamily="18" charset="0"/>
               </a:rPr>
-              <a:t>プロジェクトマネジメントに</a:t>
+              <a:t>プロジェクトマネジメントの</a:t>
             </a:r>
             <a:endParaRPr lang="en-US" altLang="ja-JP" dirty="0" smtClean="0">
               <a:solidFill>
@@ -26719,7 +26326,18 @@
                 <a:ea typeface="ＭＳ 明朝" panose="02020609040205080304" pitchFamily="17" charset="-128"/>
                 <a:cs typeface="Times New Roman" pitchFamily="18" charset="0"/>
               </a:rPr>
-              <a:t>ついての理解を深める</a:t>
+              <a:t>要素を</a:t>
+            </a:r>
+            <a:r>
+              <a:rPr lang="ja-JP" altLang="en-US" dirty="0" smtClean="0">
+                <a:solidFill>
+                  <a:schemeClr val="tx1"/>
+                </a:solidFill>
+                <a:latin typeface="ＭＳ 明朝" panose="02020609040205080304" pitchFamily="17" charset="-128"/>
+                <a:ea typeface="ＭＳ 明朝" panose="02020609040205080304" pitchFamily="17" charset="-128"/>
+                <a:cs typeface="Times New Roman" pitchFamily="18" charset="0"/>
+              </a:rPr>
+              <a:t>含むゲームの制作</a:t>
             </a:r>
             <a:endParaRPr kumimoji="1" lang="ja-JP" altLang="en-US" dirty="0">
               <a:solidFill>
@@ -26732,10 +26350,173 @@
           </a:p>
         </p:txBody>
       </p:sp>
+      <p:sp>
+        <p:nvSpPr>
+          <p:cNvPr id="17" name="テキスト ボックス 16"/>
+          <p:cNvSpPr txBox="1"/>
+          <p:nvPr/>
+        </p:nvSpPr>
+        <p:spPr>
+          <a:xfrm>
+            <a:off x="0" y="1681644"/>
+            <a:ext cx="9144000" cy="523220"/>
+          </a:xfrm>
+          <a:prstGeom prst="rect">
+            <a:avLst/>
+          </a:prstGeom>
+          <a:noFill/>
+        </p:spPr>
+        <p:txBody>
+          <a:bodyPr wrap="square" rtlCol="0">
+            <a:spAutoFit/>
+          </a:bodyPr>
+          <a:lstStyle/>
+          <a:p>
+            <a:pPr algn="ctr"/>
+            <a:r>
+              <a:rPr kumimoji="1" lang="en-US" altLang="ja-JP" sz="2800" b="1" dirty="0" smtClean="0">
+                <a:solidFill>
+                  <a:schemeClr val="accent5"/>
+                </a:solidFill>
+                <a:latin typeface="ＭＳ 明朝" panose="02020609040205080304" pitchFamily="17" charset="-128"/>
+                <a:ea typeface="ＭＳ 明朝" panose="02020609040205080304" pitchFamily="17" charset="-128"/>
+                <a:cs typeface="Times New Roman" pitchFamily="18" charset="0"/>
+              </a:rPr>
+              <a:t>『</a:t>
+            </a:r>
+            <a:r>
+              <a:rPr kumimoji="1" lang="ja-JP" altLang="en-US" sz="2800" b="1" dirty="0" smtClean="0">
+                <a:solidFill>
+                  <a:schemeClr val="accent5"/>
+                </a:solidFill>
+                <a:latin typeface="ＭＳ 明朝" panose="02020609040205080304" pitchFamily="17" charset="-128"/>
+                <a:ea typeface="ＭＳ 明朝" panose="02020609040205080304" pitchFamily="17" charset="-128"/>
+                <a:cs typeface="Times New Roman" pitchFamily="18" charset="0"/>
+              </a:rPr>
+              <a:t>プロジェクトマネジメント＋ゲーミフィケーション</a:t>
+            </a:r>
+            <a:r>
+              <a:rPr kumimoji="1" lang="en-US" altLang="ja-JP" sz="2800" b="1" dirty="0" smtClean="0">
+                <a:solidFill>
+                  <a:schemeClr val="accent5"/>
+                </a:solidFill>
+                <a:latin typeface="ＭＳ 明朝" panose="02020609040205080304" pitchFamily="17" charset="-128"/>
+                <a:ea typeface="ＭＳ 明朝" panose="02020609040205080304" pitchFamily="17" charset="-128"/>
+                <a:cs typeface="Times New Roman" pitchFamily="18" charset="0"/>
+              </a:rPr>
+              <a:t>』</a:t>
+            </a:r>
+            <a:endParaRPr kumimoji="1" lang="ja-JP" altLang="en-US" sz="2800" b="1" dirty="0">
+              <a:solidFill>
+                <a:schemeClr val="accent5"/>
+              </a:solidFill>
+              <a:latin typeface="ＭＳ 明朝" panose="02020609040205080304" pitchFamily="17" charset="-128"/>
+              <a:ea typeface="ＭＳ 明朝" panose="02020609040205080304" pitchFamily="17" charset="-128"/>
+              <a:cs typeface="Times New Roman" pitchFamily="18" charset="0"/>
+            </a:endParaRPr>
+          </a:p>
+        </p:txBody>
+      </p:sp>
+      <p:sp>
+        <p:nvSpPr>
+          <p:cNvPr id="6" name="正方形/長方形 5"/>
+          <p:cNvSpPr/>
+          <p:nvPr/>
+        </p:nvSpPr>
+        <p:spPr>
+          <a:xfrm>
+            <a:off x="3419869" y="2204864"/>
+            <a:ext cx="2304256" cy="792088"/>
+          </a:xfrm>
+          <a:prstGeom prst="rect">
+            <a:avLst/>
+          </a:prstGeom>
+        </p:spPr>
+        <p:style>
+          <a:lnRef idx="1">
+            <a:schemeClr val="accent6"/>
+          </a:lnRef>
+          <a:fillRef idx="2">
+            <a:schemeClr val="accent6"/>
+          </a:fillRef>
+          <a:effectRef idx="1">
+            <a:schemeClr val="accent6"/>
+          </a:effectRef>
+          <a:fontRef idx="minor">
+            <a:schemeClr val="dk1"/>
+          </a:fontRef>
+        </p:style>
+        <p:txBody>
+          <a:bodyPr rtlCol="0" anchor="ctr"/>
+          <a:lstStyle/>
+          <a:p>
+            <a:pPr algn="ctr"/>
+            <a:r>
+              <a:rPr kumimoji="1" lang="ja-JP" altLang="en-US" dirty="0" smtClean="0">
+                <a:latin typeface="ＭＳ 明朝" panose="02020609040205080304" pitchFamily="17" charset="-128"/>
+                <a:ea typeface="ＭＳ 明朝" panose="02020609040205080304" pitchFamily="17" charset="-128"/>
+              </a:rPr>
+              <a:t>学習方法の提案</a:t>
+            </a:r>
+            <a:endParaRPr kumimoji="1" lang="ja-JP" altLang="en-US" dirty="0">
+              <a:latin typeface="ＭＳ 明朝" panose="02020609040205080304" pitchFamily="17" charset="-128"/>
+              <a:ea typeface="ＭＳ 明朝" panose="02020609040205080304" pitchFamily="17" charset="-128"/>
+            </a:endParaRPr>
+          </a:p>
+        </p:txBody>
+      </p:sp>
+      <p:sp>
+        <p:nvSpPr>
+          <p:cNvPr id="13" name="正方形/長方形 12"/>
+          <p:cNvSpPr/>
+          <p:nvPr/>
+        </p:nvSpPr>
+        <p:spPr>
+          <a:xfrm>
+            <a:off x="3419872" y="5373216"/>
+            <a:ext cx="2304256" cy="792088"/>
+          </a:xfrm>
+          <a:prstGeom prst="rect">
+            <a:avLst/>
+          </a:prstGeom>
+        </p:spPr>
+        <p:style>
+          <a:lnRef idx="1">
+            <a:schemeClr val="accent6"/>
+          </a:lnRef>
+          <a:fillRef idx="2">
+            <a:schemeClr val="accent6"/>
+          </a:fillRef>
+          <a:effectRef idx="1">
+            <a:schemeClr val="accent6"/>
+          </a:effectRef>
+          <a:fontRef idx="minor">
+            <a:schemeClr val="dk1"/>
+          </a:fontRef>
+        </p:style>
+        <p:txBody>
+          <a:bodyPr rtlCol="0" anchor="ctr"/>
+          <a:lstStyle/>
+          <a:p>
+            <a:pPr algn="ctr"/>
+            <a:r>
+              <a:rPr lang="ja-JP" altLang="en-US" dirty="0">
+                <a:latin typeface="ＭＳ 明朝" panose="02020609040205080304" pitchFamily="17" charset="-128"/>
+                <a:ea typeface="ＭＳ 明朝" panose="02020609040205080304" pitchFamily="17" charset="-128"/>
+              </a:rPr>
+              <a:t>実験</a:t>
+            </a:r>
+            <a:endParaRPr kumimoji="1" lang="ja-JP" altLang="en-US" dirty="0">
+              <a:latin typeface="ＭＳ 明朝" panose="02020609040205080304" pitchFamily="17" charset="-128"/>
+              <a:ea typeface="ＭＳ 明朝" panose="02020609040205080304" pitchFamily="17" charset="-128"/>
+            </a:endParaRPr>
+          </a:p>
+        </p:txBody>
+      </p:sp>
     </p:spTree>
     <p:extLst>
       <p:ext uri="{BB962C8B-B14F-4D97-AF65-F5344CB8AC3E}">
-        <p14:creationId xmlns:p14="http://schemas.microsoft.com/office/powerpoint/2010/main" val="3598121973"/>
+        <p14:creationId xmlns:p14="http://schemas.microsoft.com/office/powerpoint/2010/main" val="529798364"/>
       </p:ext>
     </p:extLst>
   </p:cSld>
@@ -26874,607 +26655,6 @@
                 <a:cs typeface="Times New Roman" panose="02020603050405020304" pitchFamily="18" charset="0"/>
               </a:rPr>
               <a:t>5</a:t>
-            </a:fld>
-            <a:endParaRPr kumimoji="1" lang="ja-JP" altLang="en-US">
-              <a:latin typeface="Times New Roman" panose="02020603050405020304" pitchFamily="18" charset="0"/>
-              <a:cs typeface="Times New Roman" panose="02020603050405020304" pitchFamily="18" charset="0"/>
-            </a:endParaRPr>
-          </a:p>
-        </p:txBody>
-      </p:sp>
-      <p:sp>
-        <p:nvSpPr>
-          <p:cNvPr id="5" name="Title 1"/>
-          <p:cNvSpPr txBox="1">
-            <a:spLocks/>
-          </p:cNvSpPr>
-          <p:nvPr/>
-        </p:nvSpPr>
-        <p:spPr>
-          <a:xfrm>
-            <a:off x="457200" y="914400"/>
-            <a:ext cx="4648200" cy="642392"/>
-          </a:xfrm>
-          <a:prstGeom prst="rect">
-            <a:avLst/>
-          </a:prstGeom>
-        </p:spPr>
-        <p:txBody>
-          <a:bodyPr vert="horz" lIns="91440" tIns="45720" rIns="91440" bIns="45720" rtlCol="0" anchor="t">
-            <a:normAutofit/>
-          </a:bodyPr>
-          <a:lstStyle>
-            <a:lvl1pPr algn="l" defTabSz="914400" rtl="0" eaLnBrk="1" latinLnBrk="0" hangingPunct="1">
-              <a:spcBef>
-                <a:spcPct val="0"/>
-              </a:spcBef>
-              <a:buNone/>
-              <a:defRPr kumimoji="0" lang="ja-JP" sz="2800" kern="1200">
-                <a:solidFill>
-                  <a:schemeClr val="tx1"/>
-                </a:solidFill>
-                <a:latin typeface="Georgia" pitchFamily="18" charset="0"/>
-                <a:ea typeface="+mj-ea"/>
-                <a:cs typeface="+mj-cs"/>
-              </a:defRPr>
-            </a:lvl1pPr>
-          </a:lstStyle>
-          <a:p>
-            <a:r>
-              <a:rPr kumimoji="1" lang="ja-JP" altLang="en-US" sz="3200" b="1" dirty="0">
-                <a:latin typeface="+mj-ea"/>
-              </a:rPr>
-              <a:t>手法</a:t>
-            </a:r>
-          </a:p>
-        </p:txBody>
-      </p:sp>
-      <p:sp>
-        <p:nvSpPr>
-          <p:cNvPr id="8" name="角丸四角形 7"/>
-          <p:cNvSpPr/>
-          <p:nvPr/>
-        </p:nvSpPr>
-        <p:spPr>
-          <a:xfrm>
-            <a:off x="2411760" y="2276872"/>
-            <a:ext cx="4320480" cy="1080120"/>
-          </a:xfrm>
-          <a:prstGeom prst="roundRect">
-            <a:avLst/>
-          </a:prstGeom>
-        </p:spPr>
-        <p:style>
-          <a:lnRef idx="1">
-            <a:schemeClr val="accent6"/>
-          </a:lnRef>
-          <a:fillRef idx="2">
-            <a:schemeClr val="accent6"/>
-          </a:fillRef>
-          <a:effectRef idx="1">
-            <a:schemeClr val="accent6"/>
-          </a:effectRef>
-          <a:fontRef idx="minor">
-            <a:schemeClr val="dk1"/>
-          </a:fontRef>
-        </p:style>
-        <p:txBody>
-          <a:bodyPr rtlCol="0" anchor="ctr"/>
-          <a:lstStyle/>
-          <a:p>
-            <a:pPr algn="ctr"/>
-            <a:r>
-              <a:rPr lang="ja-JP" altLang="en-US" sz="2000" dirty="0" smtClean="0">
-                <a:latin typeface="ＭＳ 明朝" panose="02020609040205080304" pitchFamily="17" charset="-128"/>
-                <a:ea typeface="ＭＳ 明朝" panose="02020609040205080304" pitchFamily="17" charset="-128"/>
-                <a:cs typeface="Times New Roman" pitchFamily="18" charset="0"/>
-              </a:rPr>
-              <a:t>プロジェクトマネジメントを</a:t>
-            </a:r>
-            <a:endParaRPr lang="en-US" altLang="ja-JP" sz="2000" dirty="0" smtClean="0">
-              <a:latin typeface="ＭＳ 明朝" panose="02020609040205080304" pitchFamily="17" charset="-128"/>
-              <a:ea typeface="ＭＳ 明朝" panose="02020609040205080304" pitchFamily="17" charset="-128"/>
-              <a:cs typeface="Times New Roman" pitchFamily="18" charset="0"/>
-            </a:endParaRPr>
-          </a:p>
-          <a:p>
-            <a:pPr algn="ctr"/>
-            <a:r>
-              <a:rPr lang="ja-JP" altLang="en-US" sz="2000" dirty="0" smtClean="0">
-                <a:latin typeface="ＭＳ 明朝" panose="02020609040205080304" pitchFamily="17" charset="-128"/>
-                <a:ea typeface="ＭＳ 明朝" panose="02020609040205080304" pitchFamily="17" charset="-128"/>
-                <a:cs typeface="Times New Roman" pitchFamily="18" charset="0"/>
-              </a:rPr>
-              <a:t>学習するための</a:t>
-            </a:r>
-            <a:r>
-              <a:rPr lang="ja-JP" altLang="en-US" sz="2000" dirty="0">
-                <a:latin typeface="ＭＳ 明朝" panose="02020609040205080304" pitchFamily="17" charset="-128"/>
-                <a:ea typeface="ＭＳ 明朝" panose="02020609040205080304" pitchFamily="17" charset="-128"/>
-                <a:cs typeface="Times New Roman" pitchFamily="18" charset="0"/>
-              </a:rPr>
-              <a:t>ゲーム</a:t>
-            </a:r>
-            <a:r>
-              <a:rPr lang="ja-JP" altLang="en-US" sz="2000" dirty="0" smtClean="0">
-                <a:latin typeface="ＭＳ 明朝" panose="02020609040205080304" pitchFamily="17" charset="-128"/>
-                <a:ea typeface="ＭＳ 明朝" panose="02020609040205080304" pitchFamily="17" charset="-128"/>
-                <a:cs typeface="Times New Roman" pitchFamily="18" charset="0"/>
-              </a:rPr>
-              <a:t>の提案</a:t>
-            </a:r>
-            <a:endParaRPr lang="en-US" altLang="ja-JP" sz="2000" dirty="0" smtClean="0">
-              <a:latin typeface="ＭＳ 明朝" panose="02020609040205080304" pitchFamily="17" charset="-128"/>
-              <a:ea typeface="ＭＳ 明朝" panose="02020609040205080304" pitchFamily="17" charset="-128"/>
-              <a:cs typeface="Times New Roman" pitchFamily="18" charset="0"/>
-            </a:endParaRPr>
-          </a:p>
-        </p:txBody>
-      </p:sp>
-      <p:sp>
-        <p:nvSpPr>
-          <p:cNvPr id="10" name="円/楕円 9"/>
-          <p:cNvSpPr/>
-          <p:nvPr/>
-        </p:nvSpPr>
-        <p:spPr>
-          <a:xfrm>
-            <a:off x="2044237" y="5108842"/>
-            <a:ext cx="5055521" cy="981794"/>
-          </a:xfrm>
-          <a:prstGeom prst="ellipse">
-            <a:avLst/>
-          </a:prstGeom>
-        </p:spPr>
-        <p:style>
-          <a:lnRef idx="1">
-            <a:schemeClr val="accent4"/>
-          </a:lnRef>
-          <a:fillRef idx="2">
-            <a:schemeClr val="accent4"/>
-          </a:fillRef>
-          <a:effectRef idx="1">
-            <a:schemeClr val="accent4"/>
-          </a:effectRef>
-          <a:fontRef idx="minor">
-            <a:schemeClr val="dk1"/>
-          </a:fontRef>
-        </p:style>
-        <p:txBody>
-          <a:bodyPr rtlCol="0" anchor="ctr"/>
-          <a:lstStyle/>
-          <a:p>
-            <a:pPr algn="ctr"/>
-            <a:r>
-              <a:rPr lang="ja-JP" altLang="en-US" dirty="0" smtClean="0">
-                <a:solidFill>
-                  <a:schemeClr val="tx1"/>
-                </a:solidFill>
-                <a:latin typeface="ＭＳ 明朝" panose="02020609040205080304" pitchFamily="17" charset="-128"/>
-                <a:ea typeface="ＭＳ 明朝" panose="02020609040205080304" pitchFamily="17" charset="-128"/>
-                <a:cs typeface="Times New Roman" pitchFamily="18" charset="0"/>
-              </a:rPr>
-              <a:t>類似プロジェクトの実施による</a:t>
-            </a:r>
-            <a:endParaRPr lang="en-US" altLang="ja-JP" dirty="0" smtClean="0">
-              <a:solidFill>
-                <a:schemeClr val="tx1"/>
-              </a:solidFill>
-              <a:latin typeface="ＭＳ 明朝" panose="02020609040205080304" pitchFamily="17" charset="-128"/>
-              <a:ea typeface="ＭＳ 明朝" panose="02020609040205080304" pitchFamily="17" charset="-128"/>
-              <a:cs typeface="Times New Roman" pitchFamily="18" charset="0"/>
-            </a:endParaRPr>
-          </a:p>
-          <a:p>
-            <a:pPr algn="ctr"/>
-            <a:r>
-              <a:rPr lang="ja-JP" altLang="en-US" dirty="0">
-                <a:solidFill>
-                  <a:schemeClr val="tx1"/>
-                </a:solidFill>
-                <a:latin typeface="ＭＳ 明朝" panose="02020609040205080304" pitchFamily="17" charset="-128"/>
-                <a:ea typeface="ＭＳ 明朝" panose="02020609040205080304" pitchFamily="17" charset="-128"/>
-                <a:cs typeface="Times New Roman" pitchFamily="18" charset="0"/>
-              </a:rPr>
-              <a:t>類推</a:t>
-            </a:r>
-            <a:r>
-              <a:rPr lang="ja-JP" altLang="en-US" dirty="0" smtClean="0">
-                <a:solidFill>
-                  <a:schemeClr val="tx1"/>
-                </a:solidFill>
-                <a:latin typeface="ＭＳ 明朝" panose="02020609040205080304" pitchFamily="17" charset="-128"/>
-                <a:ea typeface="ＭＳ 明朝" panose="02020609040205080304" pitchFamily="17" charset="-128"/>
-                <a:cs typeface="Times New Roman" pitchFamily="18" charset="0"/>
-              </a:rPr>
-              <a:t>見積もりの精度上昇</a:t>
-            </a:r>
-            <a:endParaRPr lang="en-US" altLang="ja-JP" dirty="0" smtClean="0">
-              <a:solidFill>
-                <a:schemeClr val="tx1"/>
-              </a:solidFill>
-              <a:latin typeface="ＭＳ 明朝" panose="02020609040205080304" pitchFamily="17" charset="-128"/>
-              <a:ea typeface="ＭＳ 明朝" panose="02020609040205080304" pitchFamily="17" charset="-128"/>
-              <a:cs typeface="Times New Roman" pitchFamily="18" charset="0"/>
-            </a:endParaRPr>
-          </a:p>
-          <a:p>
-            <a:pPr algn="ctr"/>
-            <a:r>
-              <a:rPr lang="ja-JP" altLang="en-US" dirty="0">
-                <a:solidFill>
-                  <a:schemeClr val="tx1"/>
-                </a:solidFill>
-                <a:latin typeface="ＭＳ 明朝" panose="02020609040205080304" pitchFamily="17" charset="-128"/>
-                <a:ea typeface="ＭＳ 明朝" panose="02020609040205080304" pitchFamily="17" charset="-128"/>
-                <a:cs typeface="Times New Roman" pitchFamily="18" charset="0"/>
-              </a:rPr>
-              <a:t>実</a:t>
-            </a:r>
-            <a:r>
-              <a:rPr lang="ja-JP" altLang="en-US" dirty="0" smtClean="0">
-                <a:solidFill>
-                  <a:schemeClr val="tx1"/>
-                </a:solidFill>
-                <a:latin typeface="ＭＳ 明朝" panose="02020609040205080304" pitchFamily="17" charset="-128"/>
-                <a:ea typeface="ＭＳ 明朝" panose="02020609040205080304" pitchFamily="17" charset="-128"/>
-                <a:cs typeface="Times New Roman" pitchFamily="18" charset="0"/>
-              </a:rPr>
-              <a:t>コストの低減</a:t>
-            </a:r>
-            <a:endParaRPr lang="en-US" altLang="ja-JP" dirty="0" smtClean="0">
-              <a:solidFill>
-                <a:schemeClr val="tx1"/>
-              </a:solidFill>
-              <a:latin typeface="ＭＳ 明朝" panose="02020609040205080304" pitchFamily="17" charset="-128"/>
-              <a:ea typeface="ＭＳ 明朝" panose="02020609040205080304" pitchFamily="17" charset="-128"/>
-              <a:cs typeface="Times New Roman" pitchFamily="18" charset="0"/>
-            </a:endParaRPr>
-          </a:p>
-        </p:txBody>
-      </p:sp>
-      <p:sp>
-        <p:nvSpPr>
-          <p:cNvPr id="11" name="円/楕円 10"/>
-          <p:cNvSpPr/>
-          <p:nvPr/>
-        </p:nvSpPr>
-        <p:spPr>
-          <a:xfrm>
-            <a:off x="2044238" y="4031382"/>
-            <a:ext cx="5055521" cy="981794"/>
-          </a:xfrm>
-          <a:prstGeom prst="ellipse">
-            <a:avLst/>
-          </a:prstGeom>
-        </p:spPr>
-        <p:style>
-          <a:lnRef idx="1">
-            <a:schemeClr val="accent4"/>
-          </a:lnRef>
-          <a:fillRef idx="2">
-            <a:schemeClr val="accent4"/>
-          </a:fillRef>
-          <a:effectRef idx="1">
-            <a:schemeClr val="accent4"/>
-          </a:effectRef>
-          <a:fontRef idx="minor">
-            <a:schemeClr val="dk1"/>
-          </a:fontRef>
-        </p:style>
-        <p:txBody>
-          <a:bodyPr rtlCol="0" anchor="ctr"/>
-          <a:lstStyle/>
-          <a:p>
-            <a:pPr algn="ctr"/>
-            <a:r>
-              <a:rPr lang="ja-JP" altLang="en-US" dirty="0" smtClean="0">
-                <a:solidFill>
-                  <a:schemeClr val="tx1"/>
-                </a:solidFill>
-                <a:latin typeface="ＭＳ 明朝" panose="02020609040205080304" pitchFamily="17" charset="-128"/>
-                <a:ea typeface="ＭＳ 明朝" panose="02020609040205080304" pitchFamily="17" charset="-128"/>
-                <a:cs typeface="Times New Roman" pitchFamily="18" charset="0"/>
-              </a:rPr>
-              <a:t>プロジェクトマネジメントの</a:t>
-            </a:r>
-            <a:endParaRPr lang="en-US" altLang="ja-JP" dirty="0" smtClean="0">
-              <a:solidFill>
-                <a:schemeClr val="tx1"/>
-              </a:solidFill>
-              <a:latin typeface="ＭＳ 明朝" panose="02020609040205080304" pitchFamily="17" charset="-128"/>
-              <a:ea typeface="ＭＳ 明朝" panose="02020609040205080304" pitchFamily="17" charset="-128"/>
-              <a:cs typeface="Times New Roman" pitchFamily="18" charset="0"/>
-            </a:endParaRPr>
-          </a:p>
-          <a:p>
-            <a:pPr algn="ctr"/>
-            <a:r>
-              <a:rPr lang="ja-JP" altLang="en-US" dirty="0" smtClean="0">
-                <a:solidFill>
-                  <a:schemeClr val="tx1"/>
-                </a:solidFill>
-                <a:latin typeface="ＭＳ 明朝" panose="02020609040205080304" pitchFamily="17" charset="-128"/>
-                <a:ea typeface="ＭＳ 明朝" panose="02020609040205080304" pitchFamily="17" charset="-128"/>
-                <a:cs typeface="Times New Roman" pitchFamily="18" charset="0"/>
-              </a:rPr>
-              <a:t>要素を含むゲームの制作</a:t>
-            </a:r>
-            <a:endParaRPr kumimoji="1" lang="ja-JP" altLang="en-US" dirty="0">
-              <a:solidFill>
-                <a:schemeClr val="tx1"/>
-              </a:solidFill>
-              <a:latin typeface="ＭＳ 明朝" panose="02020609040205080304" pitchFamily="17" charset="-128"/>
-              <a:ea typeface="ＭＳ 明朝" panose="02020609040205080304" pitchFamily="17" charset="-128"/>
-              <a:cs typeface="Times New Roman" pitchFamily="18" charset="0"/>
-            </a:endParaRPr>
-          </a:p>
-        </p:txBody>
-      </p:sp>
-      <p:sp>
-        <p:nvSpPr>
-          <p:cNvPr id="12" name="下矢印 11"/>
-          <p:cNvSpPr/>
-          <p:nvPr/>
-        </p:nvSpPr>
-        <p:spPr>
-          <a:xfrm>
-            <a:off x="4283968" y="3442217"/>
-            <a:ext cx="576064" cy="538355"/>
-          </a:xfrm>
-          <a:prstGeom prst="downArrow">
-            <a:avLst/>
-          </a:prstGeom>
-          <a:solidFill>
-            <a:srgbClr val="00B050">
-              <a:alpha val="75000"/>
-            </a:srgbClr>
-          </a:solidFill>
-          <a:ln>
-            <a:noFill/>
-          </a:ln>
-        </p:spPr>
-        <p:style>
-          <a:lnRef idx="2">
-            <a:schemeClr val="accent1">
-              <a:shade val="50000"/>
-            </a:schemeClr>
-          </a:lnRef>
-          <a:fillRef idx="1">
-            <a:schemeClr val="accent1"/>
-          </a:fillRef>
-          <a:effectRef idx="0">
-            <a:schemeClr val="accent1"/>
-          </a:effectRef>
-          <a:fontRef idx="minor">
-            <a:schemeClr val="lt1"/>
-          </a:fontRef>
-        </p:style>
-        <p:txBody>
-          <a:bodyPr rtlCol="0" anchor="ctr"/>
-          <a:lstStyle/>
-          <a:p>
-            <a:pPr algn="ctr"/>
-            <a:endParaRPr kumimoji="1" lang="ja-JP" altLang="en-US" sz="1400">
-              <a:solidFill>
-                <a:schemeClr val="tx1"/>
-              </a:solidFill>
-              <a:latin typeface="ＭＳ 明朝" panose="02020609040205080304" pitchFamily="17" charset="-128"/>
-              <a:ea typeface="ＭＳ 明朝" panose="02020609040205080304" pitchFamily="17" charset="-128"/>
-              <a:cs typeface="Times New Roman" pitchFamily="18" charset="0"/>
-            </a:endParaRPr>
-          </a:p>
-        </p:txBody>
-      </p:sp>
-      <p:sp>
-        <p:nvSpPr>
-          <p:cNvPr id="17" name="テキスト ボックス 16"/>
-          <p:cNvSpPr txBox="1"/>
-          <p:nvPr/>
-        </p:nvSpPr>
-        <p:spPr>
-          <a:xfrm>
-            <a:off x="0" y="1681644"/>
-            <a:ext cx="9144000" cy="523220"/>
-          </a:xfrm>
-          <a:prstGeom prst="rect">
-            <a:avLst/>
-          </a:prstGeom>
-          <a:noFill/>
-        </p:spPr>
-        <p:txBody>
-          <a:bodyPr wrap="square" rtlCol="0">
-            <a:spAutoFit/>
-          </a:bodyPr>
-          <a:lstStyle/>
-          <a:p>
-            <a:pPr algn="ctr"/>
-            <a:r>
-              <a:rPr kumimoji="1" lang="en-US" altLang="ja-JP" sz="2800" b="1" dirty="0" smtClean="0">
-                <a:solidFill>
-                  <a:schemeClr val="accent5"/>
-                </a:solidFill>
-                <a:latin typeface="ＭＳ 明朝" panose="02020609040205080304" pitchFamily="17" charset="-128"/>
-                <a:ea typeface="ＭＳ 明朝" panose="02020609040205080304" pitchFamily="17" charset="-128"/>
-                <a:cs typeface="Times New Roman" pitchFamily="18" charset="0"/>
-              </a:rPr>
-              <a:t>『</a:t>
-            </a:r>
-            <a:r>
-              <a:rPr kumimoji="1" lang="ja-JP" altLang="en-US" sz="2800" b="1" dirty="0" smtClean="0">
-                <a:solidFill>
-                  <a:schemeClr val="accent5"/>
-                </a:solidFill>
-                <a:latin typeface="ＭＳ 明朝" panose="02020609040205080304" pitchFamily="17" charset="-128"/>
-                <a:ea typeface="ＭＳ 明朝" panose="02020609040205080304" pitchFamily="17" charset="-128"/>
-                <a:cs typeface="Times New Roman" pitchFamily="18" charset="0"/>
-              </a:rPr>
-              <a:t>プロジェクトマネジメント＋ゲーミフィケーション</a:t>
-            </a:r>
-            <a:r>
-              <a:rPr kumimoji="1" lang="en-US" altLang="ja-JP" sz="2800" b="1" dirty="0" smtClean="0">
-                <a:solidFill>
-                  <a:schemeClr val="accent5"/>
-                </a:solidFill>
-                <a:latin typeface="ＭＳ 明朝" panose="02020609040205080304" pitchFamily="17" charset="-128"/>
-                <a:ea typeface="ＭＳ 明朝" panose="02020609040205080304" pitchFamily="17" charset="-128"/>
-                <a:cs typeface="Times New Roman" pitchFamily="18" charset="0"/>
-              </a:rPr>
-              <a:t>』</a:t>
-            </a:r>
-            <a:endParaRPr kumimoji="1" lang="ja-JP" altLang="en-US" sz="2800" b="1" dirty="0">
-              <a:solidFill>
-                <a:schemeClr val="accent5"/>
-              </a:solidFill>
-              <a:latin typeface="ＭＳ 明朝" panose="02020609040205080304" pitchFamily="17" charset="-128"/>
-              <a:ea typeface="ＭＳ 明朝" panose="02020609040205080304" pitchFamily="17" charset="-128"/>
-              <a:cs typeface="Times New Roman" pitchFamily="18" charset="0"/>
-            </a:endParaRPr>
-          </a:p>
-        </p:txBody>
-      </p:sp>
-    </p:spTree>
-    <p:extLst>
-      <p:ext uri="{BB962C8B-B14F-4D97-AF65-F5344CB8AC3E}">
-        <p14:creationId xmlns:p14="http://schemas.microsoft.com/office/powerpoint/2010/main" val="529798364"/>
-      </p:ext>
-    </p:extLst>
-  </p:cSld>
-  <p:clrMapOvr>
-    <a:masterClrMapping/>
-  </p:clrMapOvr>
-  <p:timing>
-    <p:tnLst>
-      <p:par>
-        <p:cTn id="1" dur="indefinite" restart="never" nodeType="tmRoot"/>
-      </p:par>
-    </p:tnLst>
-  </p:timing>
-</p:sld>
-</file>
-
-<file path=ppt/slides/slide6.xml><?xml version="1.0" encoding="utf-8"?>
-<p:sld xmlns:a="http://schemas.openxmlformats.org/drawingml/2006/main" xmlns:r="http://schemas.openxmlformats.org/officeDocument/2006/relationships" xmlns:p="http://schemas.openxmlformats.org/presentationml/2006/main">
-  <p:cSld>
-    <p:spTree>
-      <p:nvGrpSpPr>
-        <p:cNvPr id="1" name=""/>
-        <p:cNvGrpSpPr/>
-        <p:nvPr/>
-      </p:nvGrpSpPr>
-      <p:grpSpPr>
-        <a:xfrm>
-          <a:off x="0" y="0"/>
-          <a:ext cx="0" cy="0"/>
-          <a:chOff x="0" y="0"/>
-          <a:chExt cx="0" cy="0"/>
-        </a:xfrm>
-      </p:grpSpPr>
-      <p:sp>
-        <p:nvSpPr>
-          <p:cNvPr id="2" name="日付プレースホルダー 1"/>
-          <p:cNvSpPr>
-            <a:spLocks noGrp="1"/>
-          </p:cNvSpPr>
-          <p:nvPr>
-            <p:ph type="dt" sz="half" idx="10"/>
-          </p:nvPr>
-        </p:nvSpPr>
-        <p:spPr/>
-        <p:txBody>
-          <a:bodyPr/>
-          <a:lstStyle/>
-          <a:p>
-            <a:r>
-              <a:rPr kumimoji="1" lang="en-US" altLang="ja-JP" smtClean="0">
-                <a:latin typeface="Times New Roman" panose="02020603050405020304" pitchFamily="18" charset="0"/>
-                <a:cs typeface="Times New Roman" panose="02020603050405020304" pitchFamily="18" charset="0"/>
-              </a:rPr>
-              <a:t>2014/02/05</a:t>
-            </a:r>
-            <a:endParaRPr kumimoji="1" lang="ja-JP" altLang="en-US">
-              <a:latin typeface="Times New Roman" panose="02020603050405020304" pitchFamily="18" charset="0"/>
-              <a:cs typeface="Times New Roman" panose="02020603050405020304" pitchFamily="18" charset="0"/>
-            </a:endParaRPr>
-          </a:p>
-        </p:txBody>
-      </p:sp>
-      <p:sp>
-        <p:nvSpPr>
-          <p:cNvPr id="3" name="フッター プレースホルダー 2"/>
-          <p:cNvSpPr>
-            <a:spLocks noGrp="1"/>
-          </p:cNvSpPr>
-          <p:nvPr>
-            <p:ph type="ftr" sz="quarter" idx="11"/>
-          </p:nvPr>
-        </p:nvSpPr>
-        <p:spPr/>
-        <p:txBody>
-          <a:bodyPr/>
-          <a:lstStyle/>
-          <a:p>
-            <a:pPr algn="ctr">
-              <a:tabLst>
-                <a:tab pos="1979613" algn="l"/>
-              </a:tabLst>
-            </a:pPr>
-            <a:r>
-              <a:rPr lang="en-US" altLang="ja-JP" dirty="0">
-                <a:latin typeface="Times New Roman" panose="02020603050405020304" pitchFamily="18" charset="0"/>
-                <a:cs typeface="Times New Roman" panose="02020603050405020304" pitchFamily="18" charset="0"/>
-              </a:rPr>
-              <a:t>Development and Effectiveness Measurement </a:t>
-            </a:r>
-          </a:p>
-          <a:p>
-            <a:pPr algn="ctr">
-              <a:tabLst>
-                <a:tab pos="1979613" algn="l"/>
-              </a:tabLst>
-            </a:pPr>
-            <a:r>
-              <a:rPr lang="en-US" altLang="ja-JP" dirty="0">
-                <a:latin typeface="Times New Roman" panose="02020603050405020304" pitchFamily="18" charset="0"/>
-                <a:cs typeface="Times New Roman" panose="02020603050405020304" pitchFamily="18" charset="0"/>
-              </a:rPr>
-              <a:t>of the Game for Project Management </a:t>
-            </a:r>
-            <a:r>
-              <a:rPr lang="en-US" altLang="ja-JP" dirty="0" smtClean="0">
-                <a:latin typeface="Times New Roman" panose="02020603050405020304" pitchFamily="18" charset="0"/>
-                <a:cs typeface="Times New Roman" panose="02020603050405020304" pitchFamily="18" charset="0"/>
-              </a:rPr>
-              <a:t>Training</a:t>
-            </a:r>
-            <a:endParaRPr lang="en-US" altLang="ja-JP" dirty="0">
-              <a:latin typeface="Times New Roman" panose="02020603050405020304" pitchFamily="18" charset="0"/>
-              <a:cs typeface="Times New Roman" panose="02020603050405020304" pitchFamily="18" charset="0"/>
-            </a:endParaRPr>
-          </a:p>
-        </p:txBody>
-      </p:sp>
-      <p:sp>
-        <p:nvSpPr>
-          <p:cNvPr id="4" name="スライド番号プレースホルダー 3"/>
-          <p:cNvSpPr>
-            <a:spLocks noGrp="1"/>
-          </p:cNvSpPr>
-          <p:nvPr>
-            <p:ph type="sldNum" sz="quarter" idx="12"/>
-          </p:nvPr>
-        </p:nvSpPr>
-        <p:spPr/>
-        <p:txBody>
-          <a:bodyPr/>
-          <a:lstStyle/>
-          <a:p>
-            <a:fld id="{9FE19D7D-A506-4FEE-8BBF-7E3644FFC5C2}" type="slidenum">
-              <a:rPr kumimoji="1" lang="ja-JP" altLang="en-US" smtClean="0">
-                <a:latin typeface="Times New Roman" panose="02020603050405020304" pitchFamily="18" charset="0"/>
-                <a:cs typeface="Times New Roman" panose="02020603050405020304" pitchFamily="18" charset="0"/>
-              </a:rPr>
-              <a:t>6</a:t>
             </a:fld>
             <a:endParaRPr kumimoji="1" lang="ja-JP" altLang="en-US">
               <a:latin typeface="Times New Roman" panose="02020603050405020304" pitchFamily="18" charset="0"/>
@@ -27775,7 +26955,7 @@
         </p:nvSpPr>
         <p:spPr>
           <a:xfrm>
-            <a:off x="1580320" y="3861048"/>
+            <a:off x="1940359" y="4149080"/>
             <a:ext cx="2534985" cy="936104"/>
           </a:xfrm>
           <a:prstGeom prst="ellipse">
@@ -27864,7 +27044,7 @@
         </p:nvSpPr>
         <p:spPr>
           <a:xfrm>
-            <a:off x="5021999" y="3861048"/>
+            <a:off x="4676663" y="4149080"/>
             <a:ext cx="2534985" cy="936104"/>
           </a:xfrm>
           <a:prstGeom prst="ellipse">
@@ -27936,95 +27116,6 @@
             </a:r>
             <a:r>
               <a:rPr lang="ja-JP" altLang="en-US" dirty="0">
-                <a:solidFill>
-                  <a:schemeClr val="tx1"/>
-                </a:solidFill>
-                <a:latin typeface="Times New Roman" panose="02020603050405020304" pitchFamily="18" charset="0"/>
-                <a:ea typeface="ＭＳ 明朝" panose="02020609040205080304" pitchFamily="17" charset="-128"/>
-                <a:cs typeface="Times New Roman" panose="02020603050405020304" pitchFamily="18" charset="0"/>
-              </a:rPr>
-              <a:t>つ</a:t>
-            </a:r>
-            <a:endParaRPr kumimoji="1" lang="ja-JP" altLang="en-US" dirty="0">
-              <a:solidFill>
-                <a:schemeClr val="tx1"/>
-              </a:solidFill>
-              <a:latin typeface="Times New Roman" panose="02020603050405020304" pitchFamily="18" charset="0"/>
-              <a:ea typeface="ＭＳ 明朝" panose="02020609040205080304" pitchFamily="17" charset="-128"/>
-              <a:cs typeface="Times New Roman" panose="02020603050405020304" pitchFamily="18" charset="0"/>
-            </a:endParaRPr>
-          </a:p>
-        </p:txBody>
-      </p:sp>
-      <p:sp>
-        <p:nvSpPr>
-          <p:cNvPr id="13" name="円/楕円 12"/>
-          <p:cNvSpPr/>
-          <p:nvPr/>
-        </p:nvSpPr>
-        <p:spPr>
-          <a:xfrm>
-            <a:off x="3308310" y="4725144"/>
-            <a:ext cx="2534985" cy="936104"/>
-          </a:xfrm>
-          <a:prstGeom prst="ellipse">
-            <a:avLst/>
-          </a:prstGeom>
-        </p:spPr>
-        <p:style>
-          <a:lnRef idx="1">
-            <a:schemeClr val="accent5"/>
-          </a:lnRef>
-          <a:fillRef idx="2">
-            <a:schemeClr val="accent5"/>
-          </a:fillRef>
-          <a:effectRef idx="1">
-            <a:schemeClr val="accent5"/>
-          </a:effectRef>
-          <a:fontRef idx="minor">
-            <a:schemeClr val="dk1"/>
-          </a:fontRef>
-        </p:style>
-        <p:txBody>
-          <a:bodyPr rtlCol="0" anchor="ctr"/>
-          <a:lstStyle/>
-          <a:p>
-            <a:pPr algn="ctr"/>
-            <a:r>
-              <a:rPr lang="ja-JP" altLang="en-US" dirty="0" smtClean="0">
-                <a:solidFill>
-                  <a:schemeClr val="tx1"/>
-                </a:solidFill>
-                <a:latin typeface="Times New Roman" panose="02020603050405020304" pitchFamily="18" charset="0"/>
-                <a:ea typeface="ＭＳ 明朝" panose="02020609040205080304" pitchFamily="17" charset="-128"/>
-                <a:cs typeface="Times New Roman" panose="02020603050405020304" pitchFamily="18" charset="0"/>
-              </a:rPr>
-              <a:t>目標</a:t>
-            </a:r>
-            <a:endParaRPr kumimoji="1" lang="en-US" altLang="ja-JP" dirty="0" smtClean="0">
-              <a:solidFill>
-                <a:schemeClr val="tx1"/>
-              </a:solidFill>
-              <a:latin typeface="Times New Roman" panose="02020603050405020304" pitchFamily="18" charset="0"/>
-              <a:ea typeface="ＭＳ 明朝" panose="02020609040205080304" pitchFamily="17" charset="-128"/>
-              <a:cs typeface="Times New Roman" panose="02020603050405020304" pitchFamily="18" charset="0"/>
-            </a:endParaRPr>
-          </a:p>
-          <a:p>
-            <a:pPr algn="ctr"/>
-            <a:r>
-              <a:rPr lang="en-US" altLang="ja-JP" dirty="0" smtClean="0">
-                <a:solidFill>
-                  <a:schemeClr val="tx1"/>
-                </a:solidFill>
-                <a:latin typeface="Times New Roman" panose="02020603050405020304" pitchFamily="18" charset="0"/>
-                <a:ea typeface="ＭＳ 明朝" panose="02020609040205080304" pitchFamily="17" charset="-128"/>
-                <a:cs typeface="Times New Roman" panose="02020603050405020304" pitchFamily="18" charset="0"/>
-              </a:rPr>
-              <a:t>3</a:t>
-            </a:r>
-            <a:r>
-              <a:rPr lang="ja-JP" altLang="en-US">
                 <a:solidFill>
                   <a:schemeClr val="tx1"/>
                 </a:solidFill>
@@ -28127,6 +27218,1174 @@
     <p:extLst>
       <p:ext uri="{BB962C8B-B14F-4D97-AF65-F5344CB8AC3E}">
         <p14:creationId xmlns:p14="http://schemas.microsoft.com/office/powerpoint/2010/main" val="529798364"/>
+      </p:ext>
+    </p:extLst>
+  </p:cSld>
+  <p:clrMapOvr>
+    <a:masterClrMapping/>
+  </p:clrMapOvr>
+  <p:timing>
+    <p:tnLst>
+      <p:par>
+        <p:cTn id="1" dur="indefinite" restart="never" nodeType="tmRoot"/>
+      </p:par>
+    </p:tnLst>
+  </p:timing>
+</p:sld>
+</file>
+
+<file path=ppt/slides/slide6.xml><?xml version="1.0" encoding="utf-8"?>
+<p:sld xmlns:a="http://schemas.openxmlformats.org/drawingml/2006/main" xmlns:r="http://schemas.openxmlformats.org/officeDocument/2006/relationships" xmlns:p="http://schemas.openxmlformats.org/presentationml/2006/main">
+  <p:cSld>
+    <p:spTree>
+      <p:nvGrpSpPr>
+        <p:cNvPr id="1" name=""/>
+        <p:cNvGrpSpPr/>
+        <p:nvPr/>
+      </p:nvGrpSpPr>
+      <p:grpSpPr>
+        <a:xfrm>
+          <a:off x="0" y="0"/>
+          <a:ext cx="0" cy="0"/>
+          <a:chOff x="0" y="0"/>
+          <a:chExt cx="0" cy="0"/>
+        </a:xfrm>
+      </p:grpSpPr>
+      <p:sp>
+        <p:nvSpPr>
+          <p:cNvPr id="2" name="日付プレースホルダー 1"/>
+          <p:cNvSpPr>
+            <a:spLocks noGrp="1"/>
+          </p:cNvSpPr>
+          <p:nvPr>
+            <p:ph type="dt" sz="half" idx="10"/>
+          </p:nvPr>
+        </p:nvSpPr>
+        <p:spPr/>
+        <p:txBody>
+          <a:bodyPr/>
+          <a:lstStyle/>
+          <a:p>
+            <a:r>
+              <a:rPr kumimoji="1" lang="en-US" altLang="ja-JP" smtClean="0">
+                <a:latin typeface="Times New Roman" panose="02020603050405020304" pitchFamily="18" charset="0"/>
+                <a:cs typeface="Times New Roman" panose="02020603050405020304" pitchFamily="18" charset="0"/>
+              </a:rPr>
+              <a:t>2014/02/05</a:t>
+            </a:r>
+            <a:endParaRPr kumimoji="1" lang="ja-JP" altLang="en-US">
+              <a:latin typeface="Times New Roman" panose="02020603050405020304" pitchFamily="18" charset="0"/>
+              <a:cs typeface="Times New Roman" panose="02020603050405020304" pitchFamily="18" charset="0"/>
+            </a:endParaRPr>
+          </a:p>
+        </p:txBody>
+      </p:sp>
+      <p:sp>
+        <p:nvSpPr>
+          <p:cNvPr id="3" name="フッター プレースホルダー 2"/>
+          <p:cNvSpPr>
+            <a:spLocks noGrp="1"/>
+          </p:cNvSpPr>
+          <p:nvPr>
+            <p:ph type="ftr" sz="quarter" idx="11"/>
+          </p:nvPr>
+        </p:nvSpPr>
+        <p:spPr/>
+        <p:txBody>
+          <a:bodyPr/>
+          <a:lstStyle/>
+          <a:p>
+            <a:pPr algn="ctr">
+              <a:tabLst>
+                <a:tab pos="1979613" algn="l"/>
+              </a:tabLst>
+            </a:pPr>
+            <a:r>
+              <a:rPr lang="en-US" altLang="ja-JP" dirty="0">
+                <a:latin typeface="Times New Roman" panose="02020603050405020304" pitchFamily="18" charset="0"/>
+                <a:cs typeface="Times New Roman" panose="02020603050405020304" pitchFamily="18" charset="0"/>
+              </a:rPr>
+              <a:t>Development and Effectiveness Measurement </a:t>
+            </a:r>
+          </a:p>
+          <a:p>
+            <a:pPr algn="ctr">
+              <a:tabLst>
+                <a:tab pos="1979613" algn="l"/>
+              </a:tabLst>
+            </a:pPr>
+            <a:r>
+              <a:rPr lang="en-US" altLang="ja-JP" dirty="0">
+                <a:latin typeface="Times New Roman" panose="02020603050405020304" pitchFamily="18" charset="0"/>
+                <a:cs typeface="Times New Roman" panose="02020603050405020304" pitchFamily="18" charset="0"/>
+              </a:rPr>
+              <a:t>of the Game for Project Management </a:t>
+            </a:r>
+            <a:r>
+              <a:rPr lang="en-US" altLang="ja-JP" dirty="0" smtClean="0">
+                <a:latin typeface="Times New Roman" panose="02020603050405020304" pitchFamily="18" charset="0"/>
+                <a:cs typeface="Times New Roman" panose="02020603050405020304" pitchFamily="18" charset="0"/>
+              </a:rPr>
+              <a:t>Training</a:t>
+            </a:r>
+            <a:endParaRPr lang="en-US" altLang="ja-JP" dirty="0">
+              <a:latin typeface="Times New Roman" panose="02020603050405020304" pitchFamily="18" charset="0"/>
+              <a:cs typeface="Times New Roman" panose="02020603050405020304" pitchFamily="18" charset="0"/>
+            </a:endParaRPr>
+          </a:p>
+        </p:txBody>
+      </p:sp>
+      <p:sp>
+        <p:nvSpPr>
+          <p:cNvPr id="4" name="スライド番号プレースホルダー 3"/>
+          <p:cNvSpPr>
+            <a:spLocks noGrp="1"/>
+          </p:cNvSpPr>
+          <p:nvPr>
+            <p:ph type="sldNum" sz="quarter" idx="12"/>
+          </p:nvPr>
+        </p:nvSpPr>
+        <p:spPr/>
+        <p:txBody>
+          <a:bodyPr/>
+          <a:lstStyle/>
+          <a:p>
+            <a:fld id="{9FE19D7D-A506-4FEE-8BBF-7E3644FFC5C2}" type="slidenum">
+              <a:rPr kumimoji="1" lang="ja-JP" altLang="en-US" smtClean="0">
+                <a:latin typeface="Times New Roman" panose="02020603050405020304" pitchFamily="18" charset="0"/>
+                <a:cs typeface="Times New Roman" panose="02020603050405020304" pitchFamily="18" charset="0"/>
+              </a:rPr>
+              <a:t>6</a:t>
+            </a:fld>
+            <a:endParaRPr kumimoji="1" lang="ja-JP" altLang="en-US">
+              <a:latin typeface="Times New Roman" panose="02020603050405020304" pitchFamily="18" charset="0"/>
+              <a:cs typeface="Times New Roman" panose="02020603050405020304" pitchFamily="18" charset="0"/>
+            </a:endParaRPr>
+          </a:p>
+        </p:txBody>
+      </p:sp>
+      <p:sp>
+        <p:nvSpPr>
+          <p:cNvPr id="5" name="Title 1"/>
+          <p:cNvSpPr txBox="1">
+            <a:spLocks/>
+          </p:cNvSpPr>
+          <p:nvPr/>
+        </p:nvSpPr>
+        <p:spPr>
+          <a:xfrm>
+            <a:off x="457200" y="914400"/>
+            <a:ext cx="4648200" cy="642392"/>
+          </a:xfrm>
+          <a:prstGeom prst="rect">
+            <a:avLst/>
+          </a:prstGeom>
+        </p:spPr>
+        <p:txBody>
+          <a:bodyPr vert="horz" lIns="91440" tIns="45720" rIns="91440" bIns="45720" rtlCol="0" anchor="t">
+            <a:normAutofit/>
+          </a:bodyPr>
+          <a:lstStyle>
+            <a:lvl1pPr algn="l" defTabSz="914400" rtl="0" eaLnBrk="1" latinLnBrk="0" hangingPunct="1">
+              <a:spcBef>
+                <a:spcPct val="0"/>
+              </a:spcBef>
+              <a:buNone/>
+              <a:defRPr kumimoji="0" lang="ja-JP" sz="2800" kern="1200">
+                <a:solidFill>
+                  <a:schemeClr val="tx1"/>
+                </a:solidFill>
+                <a:latin typeface="Georgia" pitchFamily="18" charset="0"/>
+                <a:ea typeface="+mj-ea"/>
+                <a:cs typeface="+mj-cs"/>
+              </a:defRPr>
+            </a:lvl1pPr>
+          </a:lstStyle>
+          <a:p>
+            <a:r>
+              <a:rPr kumimoji="1" lang="ja-JP" altLang="en-US" sz="3200" b="1" dirty="0" smtClean="0">
+                <a:latin typeface="+mj-ea"/>
+              </a:rPr>
+              <a:t>ゲームの流れ</a:t>
+            </a:r>
+            <a:endParaRPr kumimoji="1" lang="ja-JP" altLang="en-US" sz="3200" b="1" dirty="0">
+              <a:latin typeface="+mj-ea"/>
+            </a:endParaRPr>
+          </a:p>
+        </p:txBody>
+      </p:sp>
+      <p:sp>
+        <p:nvSpPr>
+          <p:cNvPr id="11" name="正方形/長方形 10"/>
+          <p:cNvSpPr/>
+          <p:nvPr/>
+        </p:nvSpPr>
+        <p:spPr>
+          <a:xfrm>
+            <a:off x="403700" y="2636912"/>
+            <a:ext cx="1656184" cy="573715"/>
+          </a:xfrm>
+          <a:prstGeom prst="rect">
+            <a:avLst/>
+          </a:prstGeom>
+          <a:noFill/>
+          <a:ln w="25400">
+            <a:solidFill>
+              <a:schemeClr val="tx1"/>
+            </a:solidFill>
+          </a:ln>
+        </p:spPr>
+        <p:style>
+          <a:lnRef idx="2">
+            <a:schemeClr val="accent1">
+              <a:shade val="50000"/>
+            </a:schemeClr>
+          </a:lnRef>
+          <a:fillRef idx="1">
+            <a:schemeClr val="accent1"/>
+          </a:fillRef>
+          <a:effectRef idx="0">
+            <a:schemeClr val="accent1"/>
+          </a:effectRef>
+          <a:fontRef idx="minor">
+            <a:schemeClr val="lt1"/>
+          </a:fontRef>
+        </p:style>
+        <p:txBody>
+          <a:bodyPr rtlCol="0" anchor="ctr"/>
+          <a:lstStyle/>
+          <a:p>
+            <a:pPr algn="ctr"/>
+            <a:r>
+              <a:rPr kumimoji="1" lang="ja-JP" altLang="en-US" sz="1600" dirty="0" smtClean="0">
+                <a:solidFill>
+                  <a:schemeClr val="tx1"/>
+                </a:solidFill>
+                <a:latin typeface="ＭＳ 明朝" panose="02020609040205080304" pitchFamily="17" charset="-128"/>
+                <a:ea typeface="ＭＳ 明朝" panose="02020609040205080304" pitchFamily="17" charset="-128"/>
+              </a:rPr>
+              <a:t>都市の解放</a:t>
+            </a:r>
+            <a:endParaRPr kumimoji="1" lang="en-US" altLang="ja-JP" sz="1600" dirty="0" smtClean="0">
+              <a:solidFill>
+                <a:schemeClr val="tx1"/>
+              </a:solidFill>
+              <a:latin typeface="ＭＳ 明朝" panose="02020609040205080304" pitchFamily="17" charset="-128"/>
+              <a:ea typeface="ＭＳ 明朝" panose="02020609040205080304" pitchFamily="17" charset="-128"/>
+            </a:endParaRPr>
+          </a:p>
+          <a:p>
+            <a:pPr algn="ctr"/>
+            <a:r>
+              <a:rPr lang="ja-JP" altLang="en-US" sz="1600" dirty="0">
+                <a:solidFill>
+                  <a:schemeClr val="tx1"/>
+                </a:solidFill>
+                <a:latin typeface="ＭＳ 明朝" panose="02020609040205080304" pitchFamily="17" charset="-128"/>
+                <a:ea typeface="ＭＳ 明朝" panose="02020609040205080304" pitchFamily="17" charset="-128"/>
+              </a:rPr>
+              <a:t>都市</a:t>
+            </a:r>
+            <a:r>
+              <a:rPr lang="ja-JP" altLang="en-US" sz="1600" dirty="0" smtClean="0">
+                <a:solidFill>
+                  <a:schemeClr val="tx1"/>
+                </a:solidFill>
+                <a:latin typeface="ＭＳ 明朝" panose="02020609040205080304" pitchFamily="17" charset="-128"/>
+                <a:ea typeface="ＭＳ 明朝" panose="02020609040205080304" pitchFamily="17" charset="-128"/>
+              </a:rPr>
+              <a:t>の修復</a:t>
+            </a:r>
+            <a:endParaRPr kumimoji="1" lang="ja-JP" altLang="en-US" sz="1600" dirty="0">
+              <a:solidFill>
+                <a:schemeClr val="tx1"/>
+              </a:solidFill>
+              <a:latin typeface="ＭＳ 明朝" panose="02020609040205080304" pitchFamily="17" charset="-128"/>
+              <a:ea typeface="ＭＳ 明朝" panose="02020609040205080304" pitchFamily="17" charset="-128"/>
+            </a:endParaRPr>
+          </a:p>
+        </p:txBody>
+      </p:sp>
+      <p:sp>
+        <p:nvSpPr>
+          <p:cNvPr id="12" name="正方形/長方形 11"/>
+          <p:cNvSpPr/>
+          <p:nvPr/>
+        </p:nvSpPr>
+        <p:spPr>
+          <a:xfrm>
+            <a:off x="2068048" y="2636913"/>
+            <a:ext cx="1656184" cy="573714"/>
+          </a:xfrm>
+          <a:prstGeom prst="rect">
+            <a:avLst/>
+          </a:prstGeom>
+          <a:noFill/>
+          <a:ln w="25400">
+            <a:solidFill>
+              <a:schemeClr val="tx1"/>
+            </a:solidFill>
+          </a:ln>
+        </p:spPr>
+        <p:style>
+          <a:lnRef idx="2">
+            <a:schemeClr val="accent1">
+              <a:shade val="50000"/>
+            </a:schemeClr>
+          </a:lnRef>
+          <a:fillRef idx="1">
+            <a:schemeClr val="accent1"/>
+          </a:fillRef>
+          <a:effectRef idx="0">
+            <a:schemeClr val="accent1"/>
+          </a:effectRef>
+          <a:fontRef idx="minor">
+            <a:schemeClr val="lt1"/>
+          </a:fontRef>
+        </p:style>
+        <p:txBody>
+          <a:bodyPr rtlCol="0" anchor="ctr"/>
+          <a:lstStyle/>
+          <a:p>
+            <a:pPr algn="ctr"/>
+            <a:r>
+              <a:rPr lang="ja-JP" altLang="en-US" sz="1600" dirty="0">
+                <a:solidFill>
+                  <a:schemeClr val="tx1"/>
+                </a:solidFill>
+                <a:latin typeface="ＭＳ 明朝" panose="02020609040205080304" pitchFamily="17" charset="-128"/>
+                <a:ea typeface="ＭＳ 明朝" panose="02020609040205080304" pitchFamily="17" charset="-128"/>
+              </a:rPr>
+              <a:t>都市の解放</a:t>
+            </a:r>
+            <a:endParaRPr lang="en-US" altLang="ja-JP" sz="1600" dirty="0">
+              <a:solidFill>
+                <a:schemeClr val="tx1"/>
+              </a:solidFill>
+              <a:latin typeface="ＭＳ 明朝" panose="02020609040205080304" pitchFamily="17" charset="-128"/>
+              <a:ea typeface="ＭＳ 明朝" panose="02020609040205080304" pitchFamily="17" charset="-128"/>
+            </a:endParaRPr>
+          </a:p>
+          <a:p>
+            <a:pPr algn="ctr"/>
+            <a:r>
+              <a:rPr lang="ja-JP" altLang="en-US" sz="1600" dirty="0">
+                <a:solidFill>
+                  <a:schemeClr val="tx1"/>
+                </a:solidFill>
+                <a:latin typeface="ＭＳ 明朝" panose="02020609040205080304" pitchFamily="17" charset="-128"/>
+                <a:ea typeface="ＭＳ 明朝" panose="02020609040205080304" pitchFamily="17" charset="-128"/>
+              </a:rPr>
+              <a:t>都市の修復</a:t>
+            </a:r>
+            <a:endParaRPr lang="ja-JP" altLang="en-US" sz="1600" dirty="0">
+              <a:solidFill>
+                <a:schemeClr val="tx1"/>
+              </a:solidFill>
+              <a:latin typeface="ＭＳ 明朝" panose="02020609040205080304" pitchFamily="17" charset="-128"/>
+              <a:ea typeface="ＭＳ 明朝" panose="02020609040205080304" pitchFamily="17" charset="-128"/>
+            </a:endParaRPr>
+          </a:p>
+        </p:txBody>
+      </p:sp>
+      <p:sp>
+        <p:nvSpPr>
+          <p:cNvPr id="13" name="正方形/長方形 12"/>
+          <p:cNvSpPr/>
+          <p:nvPr/>
+        </p:nvSpPr>
+        <p:spPr>
+          <a:xfrm>
+            <a:off x="3732396" y="2636913"/>
+            <a:ext cx="1656184" cy="570924"/>
+          </a:xfrm>
+          <a:prstGeom prst="rect">
+            <a:avLst/>
+          </a:prstGeom>
+          <a:noFill/>
+          <a:ln w="25400">
+            <a:solidFill>
+              <a:schemeClr val="tx1"/>
+            </a:solidFill>
+          </a:ln>
+        </p:spPr>
+        <p:style>
+          <a:lnRef idx="2">
+            <a:schemeClr val="accent1">
+              <a:shade val="50000"/>
+            </a:schemeClr>
+          </a:lnRef>
+          <a:fillRef idx="1">
+            <a:schemeClr val="accent1"/>
+          </a:fillRef>
+          <a:effectRef idx="0">
+            <a:schemeClr val="accent1"/>
+          </a:effectRef>
+          <a:fontRef idx="minor">
+            <a:schemeClr val="lt1"/>
+          </a:fontRef>
+        </p:style>
+        <p:txBody>
+          <a:bodyPr rtlCol="0" anchor="ctr"/>
+          <a:lstStyle/>
+          <a:p>
+            <a:pPr algn="ctr"/>
+            <a:r>
+              <a:rPr lang="ja-JP" altLang="en-US" sz="1600" dirty="0">
+                <a:solidFill>
+                  <a:schemeClr val="tx1"/>
+                </a:solidFill>
+                <a:latin typeface="ＭＳ 明朝" panose="02020609040205080304" pitchFamily="17" charset="-128"/>
+                <a:ea typeface="ＭＳ 明朝" panose="02020609040205080304" pitchFamily="17" charset="-128"/>
+              </a:rPr>
+              <a:t>都市の解放</a:t>
+            </a:r>
+            <a:endParaRPr lang="en-US" altLang="ja-JP" sz="1600" dirty="0">
+              <a:solidFill>
+                <a:schemeClr val="tx1"/>
+              </a:solidFill>
+              <a:latin typeface="ＭＳ 明朝" panose="02020609040205080304" pitchFamily="17" charset="-128"/>
+              <a:ea typeface="ＭＳ 明朝" panose="02020609040205080304" pitchFamily="17" charset="-128"/>
+            </a:endParaRPr>
+          </a:p>
+          <a:p>
+            <a:pPr algn="ctr"/>
+            <a:r>
+              <a:rPr lang="ja-JP" altLang="en-US" sz="1600" dirty="0">
+                <a:solidFill>
+                  <a:schemeClr val="tx1"/>
+                </a:solidFill>
+                <a:latin typeface="ＭＳ 明朝" panose="02020609040205080304" pitchFamily="17" charset="-128"/>
+                <a:ea typeface="ＭＳ 明朝" panose="02020609040205080304" pitchFamily="17" charset="-128"/>
+              </a:rPr>
+              <a:t>都市の修復</a:t>
+            </a:r>
+            <a:endParaRPr lang="ja-JP" altLang="en-US" sz="1600" dirty="0">
+              <a:solidFill>
+                <a:schemeClr val="tx1"/>
+              </a:solidFill>
+              <a:latin typeface="ＭＳ 明朝" panose="02020609040205080304" pitchFamily="17" charset="-128"/>
+              <a:ea typeface="ＭＳ 明朝" panose="02020609040205080304" pitchFamily="17" charset="-128"/>
+            </a:endParaRPr>
+          </a:p>
+        </p:txBody>
+      </p:sp>
+      <p:sp>
+        <p:nvSpPr>
+          <p:cNvPr id="14" name="正方形/長方形 13"/>
+          <p:cNvSpPr/>
+          <p:nvPr/>
+        </p:nvSpPr>
+        <p:spPr>
+          <a:xfrm>
+            <a:off x="5396744" y="2636913"/>
+            <a:ext cx="1656184" cy="573274"/>
+          </a:xfrm>
+          <a:prstGeom prst="rect">
+            <a:avLst/>
+          </a:prstGeom>
+          <a:noFill/>
+          <a:ln w="25400">
+            <a:solidFill>
+              <a:schemeClr val="tx1"/>
+            </a:solidFill>
+          </a:ln>
+        </p:spPr>
+        <p:style>
+          <a:lnRef idx="2">
+            <a:schemeClr val="accent1">
+              <a:shade val="50000"/>
+            </a:schemeClr>
+          </a:lnRef>
+          <a:fillRef idx="1">
+            <a:schemeClr val="accent1"/>
+          </a:fillRef>
+          <a:effectRef idx="0">
+            <a:schemeClr val="accent1"/>
+          </a:effectRef>
+          <a:fontRef idx="minor">
+            <a:schemeClr val="lt1"/>
+          </a:fontRef>
+        </p:style>
+        <p:txBody>
+          <a:bodyPr rtlCol="0" anchor="ctr"/>
+          <a:lstStyle/>
+          <a:p>
+            <a:pPr algn="ctr"/>
+            <a:r>
+              <a:rPr lang="ja-JP" altLang="en-US" sz="1600" dirty="0">
+                <a:solidFill>
+                  <a:schemeClr val="tx1"/>
+                </a:solidFill>
+                <a:latin typeface="ＭＳ 明朝" panose="02020609040205080304" pitchFamily="17" charset="-128"/>
+                <a:ea typeface="ＭＳ 明朝" panose="02020609040205080304" pitchFamily="17" charset="-128"/>
+              </a:rPr>
+              <a:t>都市の解放</a:t>
+            </a:r>
+            <a:endParaRPr lang="en-US" altLang="ja-JP" sz="1600" dirty="0">
+              <a:solidFill>
+                <a:schemeClr val="tx1"/>
+              </a:solidFill>
+              <a:latin typeface="ＭＳ 明朝" panose="02020609040205080304" pitchFamily="17" charset="-128"/>
+              <a:ea typeface="ＭＳ 明朝" panose="02020609040205080304" pitchFamily="17" charset="-128"/>
+            </a:endParaRPr>
+          </a:p>
+          <a:p>
+            <a:pPr algn="ctr"/>
+            <a:r>
+              <a:rPr lang="ja-JP" altLang="en-US" sz="1600" dirty="0">
+                <a:solidFill>
+                  <a:schemeClr val="tx1"/>
+                </a:solidFill>
+                <a:latin typeface="ＭＳ 明朝" panose="02020609040205080304" pitchFamily="17" charset="-128"/>
+                <a:ea typeface="ＭＳ 明朝" panose="02020609040205080304" pitchFamily="17" charset="-128"/>
+              </a:rPr>
+              <a:t>都市の修復</a:t>
+            </a:r>
+            <a:endParaRPr lang="ja-JP" altLang="en-US" sz="1600" dirty="0">
+              <a:solidFill>
+                <a:schemeClr val="tx1"/>
+              </a:solidFill>
+              <a:latin typeface="ＭＳ 明朝" panose="02020609040205080304" pitchFamily="17" charset="-128"/>
+              <a:ea typeface="ＭＳ 明朝" panose="02020609040205080304" pitchFamily="17" charset="-128"/>
+            </a:endParaRPr>
+          </a:p>
+        </p:txBody>
+      </p:sp>
+      <p:sp>
+        <p:nvSpPr>
+          <p:cNvPr id="15" name="正方形/長方形 14"/>
+          <p:cNvSpPr/>
+          <p:nvPr/>
+        </p:nvSpPr>
+        <p:spPr>
+          <a:xfrm>
+            <a:off x="7059624" y="2636913"/>
+            <a:ext cx="1656184" cy="573714"/>
+          </a:xfrm>
+          <a:prstGeom prst="rect">
+            <a:avLst/>
+          </a:prstGeom>
+          <a:noFill/>
+          <a:ln w="25400">
+            <a:solidFill>
+              <a:schemeClr val="tx1"/>
+            </a:solidFill>
+          </a:ln>
+        </p:spPr>
+        <p:style>
+          <a:lnRef idx="2">
+            <a:schemeClr val="accent1">
+              <a:shade val="50000"/>
+            </a:schemeClr>
+          </a:lnRef>
+          <a:fillRef idx="1">
+            <a:schemeClr val="accent1"/>
+          </a:fillRef>
+          <a:effectRef idx="0">
+            <a:schemeClr val="accent1"/>
+          </a:effectRef>
+          <a:fontRef idx="minor">
+            <a:schemeClr val="lt1"/>
+          </a:fontRef>
+        </p:style>
+        <p:txBody>
+          <a:bodyPr rtlCol="0" anchor="ctr"/>
+          <a:lstStyle/>
+          <a:p>
+            <a:pPr algn="ctr"/>
+            <a:r>
+              <a:rPr lang="ja-JP" altLang="en-US" sz="1600" dirty="0">
+                <a:solidFill>
+                  <a:schemeClr val="tx1"/>
+                </a:solidFill>
+                <a:latin typeface="ＭＳ 明朝" panose="02020609040205080304" pitchFamily="17" charset="-128"/>
+                <a:ea typeface="ＭＳ 明朝" panose="02020609040205080304" pitchFamily="17" charset="-128"/>
+              </a:rPr>
+              <a:t>都市の解放</a:t>
+            </a:r>
+            <a:endParaRPr lang="en-US" altLang="ja-JP" sz="1600" dirty="0">
+              <a:solidFill>
+                <a:schemeClr val="tx1"/>
+              </a:solidFill>
+              <a:latin typeface="ＭＳ 明朝" panose="02020609040205080304" pitchFamily="17" charset="-128"/>
+              <a:ea typeface="ＭＳ 明朝" panose="02020609040205080304" pitchFamily="17" charset="-128"/>
+            </a:endParaRPr>
+          </a:p>
+          <a:p>
+            <a:pPr algn="ctr"/>
+            <a:r>
+              <a:rPr lang="ja-JP" altLang="en-US" sz="1600" dirty="0">
+                <a:solidFill>
+                  <a:schemeClr val="tx1"/>
+                </a:solidFill>
+                <a:latin typeface="ＭＳ 明朝" panose="02020609040205080304" pitchFamily="17" charset="-128"/>
+                <a:ea typeface="ＭＳ 明朝" panose="02020609040205080304" pitchFamily="17" charset="-128"/>
+              </a:rPr>
+              <a:t>都市の修復</a:t>
+            </a:r>
+            <a:endParaRPr lang="ja-JP" altLang="en-US" sz="1600" dirty="0">
+              <a:solidFill>
+                <a:schemeClr val="tx1"/>
+              </a:solidFill>
+              <a:latin typeface="ＭＳ 明朝" panose="02020609040205080304" pitchFamily="17" charset="-128"/>
+              <a:ea typeface="ＭＳ 明朝" panose="02020609040205080304" pitchFamily="17" charset="-128"/>
+            </a:endParaRPr>
+          </a:p>
+        </p:txBody>
+      </p:sp>
+      <p:sp>
+        <p:nvSpPr>
+          <p:cNvPr id="17" name="テキスト ボックス 16"/>
+          <p:cNvSpPr txBox="1"/>
+          <p:nvPr/>
+        </p:nvSpPr>
+        <p:spPr>
+          <a:xfrm>
+            <a:off x="403700" y="4005064"/>
+            <a:ext cx="5748928" cy="307777"/>
+          </a:xfrm>
+          <a:prstGeom prst="rect">
+            <a:avLst/>
+          </a:prstGeom>
+          <a:noFill/>
+          <a:ln w="25400" cap="rnd">
+            <a:solidFill>
+              <a:schemeClr val="tx1"/>
+            </a:solidFill>
+            <a:prstDash val="solid"/>
+            <a:round/>
+          </a:ln>
+        </p:spPr>
+        <p:txBody>
+          <a:bodyPr wrap="square" rtlCol="0">
+            <a:spAutoFit/>
+          </a:bodyPr>
+          <a:lstStyle/>
+          <a:p>
+            <a:pPr algn="ctr"/>
+            <a:r>
+              <a:rPr kumimoji="1" lang="ja-JP" altLang="en-US" sz="1400" dirty="0" smtClean="0">
+                <a:latin typeface="ＭＳ 明朝" panose="02020609040205080304" pitchFamily="17" charset="-128"/>
+                <a:ea typeface="ＭＳ 明朝" panose="02020609040205080304" pitchFamily="17" charset="-128"/>
+              </a:rPr>
+              <a:t>意思決定（数字の強化，マークの変更，人員追加，ハプニング対策）</a:t>
+            </a:r>
+            <a:endParaRPr kumimoji="1" lang="ja-JP" altLang="en-US" sz="1400" dirty="0">
+              <a:latin typeface="ＭＳ 明朝" panose="02020609040205080304" pitchFamily="17" charset="-128"/>
+              <a:ea typeface="ＭＳ 明朝" panose="02020609040205080304" pitchFamily="17" charset="-128"/>
+            </a:endParaRPr>
+          </a:p>
+        </p:txBody>
+      </p:sp>
+      <p:cxnSp>
+        <p:nvCxnSpPr>
+          <p:cNvPr id="19" name="直線矢印コネクタ 18"/>
+          <p:cNvCxnSpPr>
+            <a:stCxn id="17" idx="1"/>
+          </p:cNvCxnSpPr>
+          <p:nvPr/>
+        </p:nvCxnSpPr>
+        <p:spPr>
+          <a:xfrm flipV="1">
+            <a:off x="403700" y="3210627"/>
+            <a:ext cx="0" cy="948326"/>
+          </a:xfrm>
+          <a:prstGeom prst="straightConnector1">
+            <a:avLst/>
+          </a:prstGeom>
+          <a:ln w="25400">
+            <a:solidFill>
+              <a:schemeClr val="tx1"/>
+            </a:solidFill>
+            <a:tailEnd type="arrow"/>
+          </a:ln>
+        </p:spPr>
+        <p:style>
+          <a:lnRef idx="1">
+            <a:schemeClr val="accent1"/>
+          </a:lnRef>
+          <a:fillRef idx="0">
+            <a:schemeClr val="accent1"/>
+          </a:fillRef>
+          <a:effectRef idx="0">
+            <a:schemeClr val="accent1"/>
+          </a:effectRef>
+          <a:fontRef idx="minor">
+            <a:schemeClr val="tx1"/>
+          </a:fontRef>
+        </p:style>
+      </p:cxnSp>
+      <p:cxnSp>
+        <p:nvCxnSpPr>
+          <p:cNvPr id="38" name="直線矢印コネクタ 37"/>
+          <p:cNvCxnSpPr/>
+          <p:nvPr/>
+        </p:nvCxnSpPr>
+        <p:spPr>
+          <a:xfrm flipV="1">
+            <a:off x="5396744" y="3210627"/>
+            <a:ext cx="0" cy="332961"/>
+          </a:xfrm>
+          <a:prstGeom prst="straightConnector1">
+            <a:avLst/>
+          </a:prstGeom>
+          <a:ln w="25400">
+            <a:solidFill>
+              <a:schemeClr val="tx1"/>
+            </a:solidFill>
+            <a:tailEnd type="arrow"/>
+          </a:ln>
+        </p:spPr>
+        <p:style>
+          <a:lnRef idx="1">
+            <a:schemeClr val="accent1"/>
+          </a:lnRef>
+          <a:fillRef idx="0">
+            <a:schemeClr val="accent1"/>
+          </a:fillRef>
+          <a:effectRef idx="0">
+            <a:schemeClr val="accent1"/>
+          </a:effectRef>
+          <a:fontRef idx="minor">
+            <a:schemeClr val="tx1"/>
+          </a:fontRef>
+        </p:style>
+      </p:cxnSp>
+      <p:sp>
+        <p:nvSpPr>
+          <p:cNvPr id="40" name="テキスト ボックス 39"/>
+          <p:cNvSpPr txBox="1"/>
+          <p:nvPr/>
+        </p:nvSpPr>
+        <p:spPr>
+          <a:xfrm>
+            <a:off x="5396744" y="3543588"/>
+            <a:ext cx="1479512" cy="307777"/>
+          </a:xfrm>
+          <a:prstGeom prst="rect">
+            <a:avLst/>
+          </a:prstGeom>
+          <a:noFill/>
+          <a:ln w="25400" cap="rnd">
+            <a:solidFill>
+              <a:schemeClr val="tx1"/>
+            </a:solidFill>
+            <a:prstDash val="solid"/>
+            <a:round/>
+          </a:ln>
+        </p:spPr>
+        <p:txBody>
+          <a:bodyPr wrap="square" rtlCol="0">
+            <a:spAutoFit/>
+          </a:bodyPr>
+          <a:lstStyle/>
+          <a:p>
+            <a:pPr algn="ctr"/>
+            <a:r>
+              <a:rPr kumimoji="1" lang="ja-JP" altLang="en-US" sz="1400" dirty="0" smtClean="0">
+                <a:latin typeface="ＭＳ 明朝" panose="02020609040205080304" pitchFamily="17" charset="-128"/>
+                <a:ea typeface="ＭＳ 明朝" panose="02020609040205080304" pitchFamily="17" charset="-128"/>
+              </a:rPr>
+              <a:t>ハプニング発生</a:t>
+            </a:r>
+            <a:endParaRPr kumimoji="1" lang="ja-JP" altLang="en-US" sz="1400" dirty="0">
+              <a:latin typeface="ＭＳ 明朝" panose="02020609040205080304" pitchFamily="17" charset="-128"/>
+              <a:ea typeface="ＭＳ 明朝" panose="02020609040205080304" pitchFamily="17" charset="-128"/>
+            </a:endParaRPr>
+          </a:p>
+        </p:txBody>
+      </p:sp>
+      <p:pic>
+        <p:nvPicPr>
+          <p:cNvPr id="1027" name="Picture 3" descr="C:\Users\Htet\AppData\Local\Microsoft\Windows\Temporary Internet Files\Content.IE5\5EN1SQKJ\MC900431537[1].png"/>
+          <p:cNvPicPr>
+            <a:picLocks noChangeAspect="1" noChangeArrowheads="1"/>
+          </p:cNvPicPr>
+          <p:nvPr/>
+        </p:nvPicPr>
+        <p:blipFill>
+          <a:blip r:embed="rId2">
+            <a:extLst>
+              <a:ext uri="{28A0092B-C50C-407E-A947-70E740481C1C}">
+                <a14:useLocalDpi xmlns:a14="http://schemas.microsoft.com/office/drawing/2010/main" val="0"/>
+              </a:ext>
+            </a:extLst>
+          </a:blip>
+          <a:srcRect/>
+          <a:stretch>
+            <a:fillRect/>
+          </a:stretch>
+        </p:blipFill>
+        <p:spPr bwMode="auto">
+          <a:xfrm>
+            <a:off x="619724" y="1540312"/>
+            <a:ext cx="1224136" cy="1040516"/>
+          </a:xfrm>
+          <a:prstGeom prst="rect">
+            <a:avLst/>
+          </a:prstGeom>
+          <a:noFill/>
+          <a:extLst>
+            <a:ext uri="{909E8E84-426E-40DD-AFC4-6F175D3DCCD1}">
+              <a14:hiddenFill xmlns:a14="http://schemas.microsoft.com/office/drawing/2010/main">
+                <a:solidFill>
+                  <a:srgbClr val="FFFFFF"/>
+                </a:solidFill>
+              </a14:hiddenFill>
+            </a:ext>
+          </a:extLst>
+        </p:spPr>
+      </p:pic>
+      <p:pic>
+        <p:nvPicPr>
+          <p:cNvPr id="1028" name="Picture 4" descr="C:\Users\Htet\AppData\Local\Microsoft\Windows\Temporary Internet Files\Content.IE5\NEPQSBIN\dglxasset[1].aspx"/>
+          <p:cNvPicPr>
+            <a:picLocks noChangeAspect="1" noChangeArrowheads="1"/>
+          </p:cNvPicPr>
+          <p:nvPr/>
+        </p:nvPicPr>
+        <p:blipFill>
+          <a:blip r:embed="rId3" cstate="print">
+            <a:extLst>
+              <a:ext uri="{28A0092B-C50C-407E-A947-70E740481C1C}">
+                <a14:useLocalDpi xmlns:a14="http://schemas.microsoft.com/office/drawing/2010/main" val="0"/>
+              </a:ext>
+            </a:extLst>
+          </a:blip>
+          <a:srcRect/>
+          <a:stretch>
+            <a:fillRect/>
+          </a:stretch>
+        </p:blipFill>
+        <p:spPr bwMode="auto">
+          <a:xfrm>
+            <a:off x="7351141" y="3543588"/>
+            <a:ext cx="1073150" cy="1073150"/>
+          </a:xfrm>
+          <a:prstGeom prst="rect">
+            <a:avLst/>
+          </a:prstGeom>
+          <a:noFill/>
+          <a:extLst>
+            <a:ext uri="{909E8E84-426E-40DD-AFC4-6F175D3DCCD1}">
+              <a14:hiddenFill xmlns:a14="http://schemas.microsoft.com/office/drawing/2010/main">
+                <a:solidFill>
+                  <a:srgbClr val="FFFFFF"/>
+                </a:solidFill>
+              </a14:hiddenFill>
+            </a:ext>
+          </a:extLst>
+        </p:spPr>
+      </p:pic>
+      <p:sp>
+        <p:nvSpPr>
+          <p:cNvPr id="46" name="円/楕円 45"/>
+          <p:cNvSpPr/>
+          <p:nvPr/>
+        </p:nvSpPr>
+        <p:spPr>
+          <a:xfrm>
+            <a:off x="403700" y="5085184"/>
+            <a:ext cx="2534985" cy="936104"/>
+          </a:xfrm>
+          <a:prstGeom prst="ellipse">
+            <a:avLst/>
+          </a:prstGeom>
+        </p:spPr>
+        <p:style>
+          <a:lnRef idx="1">
+            <a:schemeClr val="accent5"/>
+          </a:lnRef>
+          <a:fillRef idx="2">
+            <a:schemeClr val="accent5"/>
+          </a:fillRef>
+          <a:effectRef idx="1">
+            <a:schemeClr val="accent5"/>
+          </a:effectRef>
+          <a:fontRef idx="minor">
+            <a:schemeClr val="dk1"/>
+          </a:fontRef>
+        </p:style>
+        <p:txBody>
+          <a:bodyPr rtlCol="0" anchor="ctr"/>
+          <a:lstStyle/>
+          <a:p>
+            <a:pPr algn="ctr"/>
+            <a:r>
+              <a:rPr lang="ja-JP" altLang="en-US" dirty="0" smtClean="0">
+                <a:solidFill>
+                  <a:schemeClr val="tx1"/>
+                </a:solidFill>
+                <a:latin typeface="Times New Roman" panose="02020603050405020304" pitchFamily="18" charset="0"/>
+                <a:ea typeface="ＭＳ 明朝" panose="02020609040205080304" pitchFamily="17" charset="-128"/>
+                <a:cs typeface="Times New Roman" panose="02020603050405020304" pitchFamily="18" charset="0"/>
+              </a:rPr>
+              <a:t>目標ターン</a:t>
+            </a:r>
+            <a:endParaRPr kumimoji="1" lang="en-US" altLang="ja-JP" dirty="0" smtClean="0">
+              <a:solidFill>
+                <a:schemeClr val="tx1"/>
+              </a:solidFill>
+              <a:latin typeface="Times New Roman" panose="02020603050405020304" pitchFamily="18" charset="0"/>
+              <a:ea typeface="ＭＳ 明朝" panose="02020609040205080304" pitchFamily="17" charset="-128"/>
+              <a:cs typeface="Times New Roman" panose="02020603050405020304" pitchFamily="18" charset="0"/>
+            </a:endParaRPr>
+          </a:p>
+          <a:p>
+            <a:pPr algn="ctr"/>
+            <a:r>
+              <a:rPr lang="en-US" altLang="ja-JP" dirty="0" smtClean="0">
+                <a:solidFill>
+                  <a:schemeClr val="tx1"/>
+                </a:solidFill>
+                <a:latin typeface="Times New Roman" panose="02020603050405020304" pitchFamily="18" charset="0"/>
+                <a:ea typeface="ＭＳ 明朝" panose="02020609040205080304" pitchFamily="17" charset="-128"/>
+                <a:cs typeface="Times New Roman" panose="02020603050405020304" pitchFamily="18" charset="0"/>
+              </a:rPr>
+              <a:t>22</a:t>
+            </a:r>
+            <a:r>
+              <a:rPr lang="ja-JP" altLang="en-US" dirty="0" smtClean="0">
+                <a:solidFill>
+                  <a:schemeClr val="tx1"/>
+                </a:solidFill>
+                <a:latin typeface="Times New Roman" panose="02020603050405020304" pitchFamily="18" charset="0"/>
+                <a:ea typeface="ＭＳ 明朝" panose="02020609040205080304" pitchFamily="17" charset="-128"/>
+                <a:cs typeface="Times New Roman" panose="02020603050405020304" pitchFamily="18" charset="0"/>
+              </a:rPr>
+              <a:t>ターン</a:t>
+            </a:r>
+            <a:endParaRPr kumimoji="1" lang="ja-JP" altLang="en-US" dirty="0">
+              <a:solidFill>
+                <a:schemeClr val="tx1"/>
+              </a:solidFill>
+              <a:latin typeface="Times New Roman" panose="02020603050405020304" pitchFamily="18" charset="0"/>
+              <a:ea typeface="ＭＳ 明朝" panose="02020609040205080304" pitchFamily="17" charset="-128"/>
+              <a:cs typeface="Times New Roman" panose="02020603050405020304" pitchFamily="18" charset="0"/>
+            </a:endParaRPr>
+          </a:p>
+        </p:txBody>
+      </p:sp>
+      <p:sp>
+        <p:nvSpPr>
+          <p:cNvPr id="47" name="円/楕円 46"/>
+          <p:cNvSpPr/>
+          <p:nvPr/>
+        </p:nvSpPr>
+        <p:spPr>
+          <a:xfrm>
+            <a:off x="6180823" y="5085184"/>
+            <a:ext cx="2534985" cy="936104"/>
+          </a:xfrm>
+          <a:prstGeom prst="ellipse">
+            <a:avLst/>
+          </a:prstGeom>
+        </p:spPr>
+        <p:style>
+          <a:lnRef idx="1">
+            <a:schemeClr val="accent5"/>
+          </a:lnRef>
+          <a:fillRef idx="2">
+            <a:schemeClr val="accent5"/>
+          </a:fillRef>
+          <a:effectRef idx="1">
+            <a:schemeClr val="accent5"/>
+          </a:effectRef>
+          <a:fontRef idx="minor">
+            <a:schemeClr val="dk1"/>
+          </a:fontRef>
+        </p:style>
+        <p:txBody>
+          <a:bodyPr rtlCol="0" anchor="ctr"/>
+          <a:lstStyle/>
+          <a:p>
+            <a:pPr algn="ctr"/>
+            <a:r>
+              <a:rPr kumimoji="1" lang="ja-JP" altLang="en-US" dirty="0" smtClean="0">
+                <a:solidFill>
+                  <a:schemeClr val="tx1"/>
+                </a:solidFill>
+                <a:latin typeface="Times New Roman" panose="02020603050405020304" pitchFamily="18" charset="0"/>
+                <a:ea typeface="ＭＳ 明朝" panose="02020609040205080304" pitchFamily="17" charset="-128"/>
+                <a:cs typeface="Times New Roman" panose="02020603050405020304" pitchFamily="18" charset="0"/>
+              </a:rPr>
+              <a:t>目標損害度</a:t>
+            </a:r>
+            <a:endParaRPr kumimoji="1" lang="en-US" altLang="ja-JP" dirty="0" smtClean="0">
+              <a:solidFill>
+                <a:schemeClr val="tx1"/>
+              </a:solidFill>
+              <a:latin typeface="Times New Roman" panose="02020603050405020304" pitchFamily="18" charset="0"/>
+              <a:ea typeface="ＭＳ 明朝" panose="02020609040205080304" pitchFamily="17" charset="-128"/>
+              <a:cs typeface="Times New Roman" panose="02020603050405020304" pitchFamily="18" charset="0"/>
+            </a:endParaRPr>
+          </a:p>
+          <a:p>
+            <a:pPr algn="ctr"/>
+            <a:r>
+              <a:rPr lang="en-US" altLang="ja-JP" dirty="0" smtClean="0">
+                <a:solidFill>
+                  <a:schemeClr val="tx1"/>
+                </a:solidFill>
+                <a:latin typeface="Times New Roman" panose="02020603050405020304" pitchFamily="18" charset="0"/>
+                <a:ea typeface="ＭＳ 明朝" panose="02020609040205080304" pitchFamily="17" charset="-128"/>
+                <a:cs typeface="Times New Roman" panose="02020603050405020304" pitchFamily="18" charset="0"/>
+              </a:rPr>
+              <a:t>1</a:t>
+            </a:r>
+            <a:r>
+              <a:rPr lang="en-US" altLang="ja-JP" dirty="0" smtClean="0">
+                <a:solidFill>
+                  <a:schemeClr val="tx1"/>
+                </a:solidFill>
+                <a:latin typeface="Times New Roman" panose="02020603050405020304" pitchFamily="18" charset="0"/>
+                <a:ea typeface="ＭＳ 明朝" panose="02020609040205080304" pitchFamily="17" charset="-128"/>
+                <a:cs typeface="Times New Roman" panose="02020603050405020304" pitchFamily="18" charset="0"/>
+              </a:rPr>
+              <a:t>0</a:t>
+            </a:r>
+            <a:r>
+              <a:rPr lang="ja-JP" altLang="en-US" dirty="0" smtClean="0">
+                <a:solidFill>
+                  <a:schemeClr val="tx1"/>
+                </a:solidFill>
+                <a:latin typeface="Times New Roman" panose="02020603050405020304" pitchFamily="18" charset="0"/>
+                <a:ea typeface="ＭＳ 明朝" panose="02020609040205080304" pitchFamily="17" charset="-128"/>
+                <a:cs typeface="Times New Roman" panose="02020603050405020304" pitchFamily="18" charset="0"/>
+              </a:rPr>
+              <a:t>％</a:t>
+            </a:r>
+            <a:endParaRPr kumimoji="1" lang="ja-JP" altLang="en-US" dirty="0">
+              <a:solidFill>
+                <a:schemeClr val="tx1"/>
+              </a:solidFill>
+              <a:latin typeface="Times New Roman" panose="02020603050405020304" pitchFamily="18" charset="0"/>
+              <a:ea typeface="ＭＳ 明朝" panose="02020609040205080304" pitchFamily="17" charset="-128"/>
+              <a:cs typeface="Times New Roman" panose="02020603050405020304" pitchFamily="18" charset="0"/>
+            </a:endParaRPr>
+          </a:p>
+        </p:txBody>
+      </p:sp>
+      <p:sp>
+        <p:nvSpPr>
+          <p:cNvPr id="48" name="円/楕円 47"/>
+          <p:cNvSpPr/>
+          <p:nvPr/>
+        </p:nvSpPr>
+        <p:spPr>
+          <a:xfrm>
+            <a:off x="3292995" y="5085184"/>
+            <a:ext cx="2534985" cy="936104"/>
+          </a:xfrm>
+          <a:prstGeom prst="ellipse">
+            <a:avLst/>
+          </a:prstGeom>
+        </p:spPr>
+        <p:style>
+          <a:lnRef idx="1">
+            <a:schemeClr val="accent5"/>
+          </a:lnRef>
+          <a:fillRef idx="2">
+            <a:schemeClr val="accent5"/>
+          </a:fillRef>
+          <a:effectRef idx="1">
+            <a:schemeClr val="accent5"/>
+          </a:effectRef>
+          <a:fontRef idx="minor">
+            <a:schemeClr val="dk1"/>
+          </a:fontRef>
+        </p:style>
+        <p:txBody>
+          <a:bodyPr rtlCol="0" anchor="ctr"/>
+          <a:lstStyle/>
+          <a:p>
+            <a:pPr algn="ctr"/>
+            <a:r>
+              <a:rPr lang="ja-JP" altLang="en-US" dirty="0" smtClean="0">
+                <a:solidFill>
+                  <a:schemeClr val="tx1"/>
+                </a:solidFill>
+                <a:latin typeface="Times New Roman" panose="02020603050405020304" pitchFamily="18" charset="0"/>
+                <a:ea typeface="ＭＳ 明朝" panose="02020609040205080304" pitchFamily="17" charset="-128"/>
+                <a:cs typeface="Times New Roman" panose="02020603050405020304" pitchFamily="18" charset="0"/>
+              </a:rPr>
+              <a:t>目標金額</a:t>
+            </a:r>
+            <a:endParaRPr kumimoji="1" lang="en-US" altLang="ja-JP" dirty="0" smtClean="0">
+              <a:solidFill>
+                <a:schemeClr val="tx1"/>
+              </a:solidFill>
+              <a:latin typeface="Times New Roman" panose="02020603050405020304" pitchFamily="18" charset="0"/>
+              <a:ea typeface="ＭＳ 明朝" panose="02020609040205080304" pitchFamily="17" charset="-128"/>
+              <a:cs typeface="Times New Roman" panose="02020603050405020304" pitchFamily="18" charset="0"/>
+            </a:endParaRPr>
+          </a:p>
+          <a:p>
+            <a:pPr algn="ctr"/>
+            <a:r>
+              <a:rPr lang="en-US" altLang="ja-JP" dirty="0">
+                <a:solidFill>
+                  <a:schemeClr val="tx1"/>
+                </a:solidFill>
+                <a:latin typeface="Times New Roman" panose="02020603050405020304" pitchFamily="18" charset="0"/>
+                <a:ea typeface="ＭＳ 明朝" panose="02020609040205080304" pitchFamily="17" charset="-128"/>
+                <a:cs typeface="Times New Roman" panose="02020603050405020304" pitchFamily="18" charset="0"/>
+              </a:rPr>
+              <a:t>32000</a:t>
+            </a:r>
+            <a:r>
+              <a:rPr lang="ja-JP" altLang="en-US" dirty="0">
+                <a:solidFill>
+                  <a:schemeClr val="tx1"/>
+                </a:solidFill>
+                <a:latin typeface="Times New Roman" panose="02020603050405020304" pitchFamily="18" charset="0"/>
+                <a:ea typeface="ＭＳ 明朝" panose="02020609040205080304" pitchFamily="17" charset="-128"/>
+                <a:cs typeface="Times New Roman" panose="02020603050405020304" pitchFamily="18" charset="0"/>
+              </a:rPr>
+              <a:t>円</a:t>
+            </a:r>
+            <a:endParaRPr kumimoji="1" lang="ja-JP" altLang="en-US" dirty="0">
+              <a:solidFill>
+                <a:schemeClr val="tx1"/>
+              </a:solidFill>
+              <a:latin typeface="Times New Roman" panose="02020603050405020304" pitchFamily="18" charset="0"/>
+              <a:ea typeface="ＭＳ 明朝" panose="02020609040205080304" pitchFamily="17" charset="-128"/>
+              <a:cs typeface="Times New Roman" panose="02020603050405020304" pitchFamily="18" charset="0"/>
+            </a:endParaRPr>
+          </a:p>
+        </p:txBody>
+      </p:sp>
+      <p:sp>
+        <p:nvSpPr>
+          <p:cNvPr id="43" name="テキスト ボックス 42"/>
+          <p:cNvSpPr txBox="1"/>
+          <p:nvPr/>
+        </p:nvSpPr>
+        <p:spPr>
+          <a:xfrm>
+            <a:off x="9972600" y="4509120"/>
+            <a:ext cx="184731" cy="369332"/>
+          </a:xfrm>
+          <a:prstGeom prst="rect">
+            <a:avLst/>
+          </a:prstGeom>
+          <a:noFill/>
+        </p:spPr>
+        <p:txBody>
+          <a:bodyPr wrap="none" rtlCol="0">
+            <a:spAutoFit/>
+          </a:bodyPr>
+          <a:lstStyle/>
+          <a:p>
+            <a:endParaRPr kumimoji="1" lang="ja-JP" altLang="en-US" dirty="0"/>
+          </a:p>
+        </p:txBody>
+      </p:sp>
+    </p:spTree>
+    <p:extLst>
+      <p:ext uri="{BB962C8B-B14F-4D97-AF65-F5344CB8AC3E}">
+        <p14:creationId xmlns:p14="http://schemas.microsoft.com/office/powerpoint/2010/main" val="1163793883"/>
       </p:ext>
     </p:extLst>
   </p:cSld>
@@ -28312,10 +28571,16 @@
           </a:lstStyle>
           <a:p>
             <a:r>
+              <a:rPr kumimoji="1" lang="en-US" altLang="ja-JP" sz="3200" b="1" dirty="0" smtClean="0">
+                <a:latin typeface="+mj-ea"/>
+              </a:rPr>
+              <a:t>PM</a:t>
+            </a:r>
+            <a:r>
               <a:rPr kumimoji="1" lang="ja-JP" altLang="en-US" sz="3200" b="1" dirty="0" smtClean="0">
                 <a:latin typeface="+mj-ea"/>
               </a:rPr>
-              <a:t>ゲームの流れ</a:t>
+              <a:t>との関連性</a:t>
             </a:r>
             <a:endParaRPr kumimoji="1" lang="ja-JP" altLang="en-US" sz="3200" b="1" dirty="0">
               <a:latin typeface="+mj-ea"/>
@@ -28323,356 +28588,394 @@
           </a:p>
         </p:txBody>
       </p:sp>
-      <p:sp>
-        <p:nvSpPr>
-          <p:cNvPr id="6" name="正方形/長方形 5"/>
-          <p:cNvSpPr/>
-          <p:nvPr/>
-        </p:nvSpPr>
-        <p:spPr>
-          <a:xfrm>
-            <a:off x="395536" y="1988840"/>
-            <a:ext cx="8352928" cy="504056"/>
-          </a:xfrm>
-          <a:prstGeom prst="rect">
-            <a:avLst/>
-          </a:prstGeom>
-        </p:spPr>
-        <p:style>
-          <a:lnRef idx="1">
-            <a:schemeClr val="accent5"/>
-          </a:lnRef>
-          <a:fillRef idx="2">
-            <a:schemeClr val="accent5"/>
-          </a:fillRef>
-          <a:effectRef idx="1">
-            <a:schemeClr val="accent5"/>
-          </a:effectRef>
-          <a:fontRef idx="minor">
-            <a:schemeClr val="dk1"/>
-          </a:fontRef>
-        </p:style>
-        <p:txBody>
-          <a:bodyPr rtlCol="0" anchor="ctr"/>
-          <a:lstStyle/>
-          <a:p>
-            <a:pPr algn="ctr"/>
-            <a:r>
-              <a:rPr kumimoji="1" lang="ja-JP" altLang="en-US" dirty="0" smtClean="0">
-                <a:solidFill>
-                  <a:schemeClr val="tx1"/>
-                </a:solidFill>
-                <a:latin typeface="Times New Roman" panose="02020603050405020304" pitchFamily="18" charset="0"/>
-                <a:ea typeface="ＭＳ 明朝" panose="02020609040205080304" pitchFamily="17" charset="-128"/>
-                <a:cs typeface="Times New Roman" panose="02020603050405020304" pitchFamily="18" charset="0"/>
-              </a:rPr>
-              <a:t>開始前：ルールの説明，数字札の配布，予算の設定</a:t>
-            </a:r>
-            <a:endParaRPr kumimoji="1" lang="ja-JP" altLang="en-US" dirty="0">
-              <a:solidFill>
-                <a:schemeClr val="tx1"/>
-              </a:solidFill>
-              <a:latin typeface="Times New Roman" panose="02020603050405020304" pitchFamily="18" charset="0"/>
-              <a:ea typeface="ＭＳ 明朝" panose="02020609040205080304" pitchFamily="17" charset="-128"/>
-              <a:cs typeface="Times New Roman" panose="02020603050405020304" pitchFamily="18" charset="0"/>
-            </a:endParaRPr>
-          </a:p>
-        </p:txBody>
-      </p:sp>
-      <p:sp>
-        <p:nvSpPr>
-          <p:cNvPr id="7" name="正方形/長方形 6"/>
-          <p:cNvSpPr/>
-          <p:nvPr/>
-        </p:nvSpPr>
-        <p:spPr>
-          <a:xfrm>
-            <a:off x="395536" y="2852936"/>
-            <a:ext cx="8352928" cy="504056"/>
-          </a:xfrm>
-          <a:prstGeom prst="rect">
-            <a:avLst/>
-          </a:prstGeom>
-        </p:spPr>
-        <p:style>
-          <a:lnRef idx="1">
-            <a:schemeClr val="accent5"/>
-          </a:lnRef>
-          <a:fillRef idx="2">
-            <a:schemeClr val="accent5"/>
-          </a:fillRef>
-          <a:effectRef idx="1">
-            <a:schemeClr val="accent5"/>
-          </a:effectRef>
-          <a:fontRef idx="minor">
-            <a:schemeClr val="dk1"/>
-          </a:fontRef>
-        </p:style>
-        <p:txBody>
-          <a:bodyPr rtlCol="0" anchor="ctr"/>
-          <a:lstStyle/>
-          <a:p>
-            <a:pPr algn="ctr"/>
-            <a:r>
-              <a:rPr lang="ja-JP" altLang="en-US" dirty="0" smtClean="0">
-                <a:solidFill>
-                  <a:schemeClr val="tx1"/>
-                </a:solidFill>
-                <a:latin typeface="Times New Roman" panose="02020603050405020304" pitchFamily="18" charset="0"/>
-                <a:ea typeface="ＭＳ 明朝" panose="02020609040205080304" pitchFamily="17" charset="-128"/>
-                <a:cs typeface="Times New Roman" panose="02020603050405020304" pitchFamily="18" charset="0"/>
-              </a:rPr>
-              <a:t>毎ターン：都市の解放，都市の修復</a:t>
-            </a:r>
-            <a:endParaRPr kumimoji="1" lang="ja-JP" altLang="en-US" dirty="0">
-              <a:solidFill>
-                <a:schemeClr val="tx1"/>
-              </a:solidFill>
-              <a:latin typeface="Times New Roman" panose="02020603050405020304" pitchFamily="18" charset="0"/>
-              <a:ea typeface="ＭＳ 明朝" panose="02020609040205080304" pitchFamily="17" charset="-128"/>
-              <a:cs typeface="Times New Roman" panose="02020603050405020304" pitchFamily="18" charset="0"/>
-            </a:endParaRPr>
-          </a:p>
-        </p:txBody>
-      </p:sp>
-      <p:sp>
-        <p:nvSpPr>
-          <p:cNvPr id="8" name="正方形/長方形 7"/>
-          <p:cNvSpPr/>
-          <p:nvPr/>
-        </p:nvSpPr>
-        <p:spPr>
-          <a:xfrm>
-            <a:off x="395536" y="3717032"/>
-            <a:ext cx="8352928" cy="504056"/>
-          </a:xfrm>
-          <a:prstGeom prst="rect">
-            <a:avLst/>
-          </a:prstGeom>
-        </p:spPr>
-        <p:style>
-          <a:lnRef idx="1">
-            <a:schemeClr val="accent5"/>
-          </a:lnRef>
-          <a:fillRef idx="2">
-            <a:schemeClr val="accent5"/>
-          </a:fillRef>
-          <a:effectRef idx="1">
-            <a:schemeClr val="accent5"/>
-          </a:effectRef>
-          <a:fontRef idx="minor">
-            <a:schemeClr val="dk1"/>
-          </a:fontRef>
-        </p:style>
-        <p:txBody>
-          <a:bodyPr rtlCol="0" anchor="ctr"/>
-          <a:lstStyle/>
-          <a:p>
-            <a:pPr algn="ctr"/>
-            <a:r>
-              <a:rPr lang="en-US" altLang="ja-JP" dirty="0">
-                <a:solidFill>
-                  <a:schemeClr val="tx1"/>
-                </a:solidFill>
-                <a:latin typeface="Times New Roman" panose="02020603050405020304" pitchFamily="18" charset="0"/>
-                <a:ea typeface="ＭＳ 明朝" panose="02020609040205080304" pitchFamily="17" charset="-128"/>
-                <a:cs typeface="Times New Roman" panose="02020603050405020304" pitchFamily="18" charset="0"/>
-              </a:rPr>
-              <a:t>3</a:t>
-            </a:r>
-            <a:r>
-              <a:rPr lang="ja-JP" altLang="en-US" dirty="0" smtClean="0">
-                <a:solidFill>
-                  <a:schemeClr val="tx1"/>
-                </a:solidFill>
-                <a:latin typeface="Times New Roman" panose="02020603050405020304" pitchFamily="18" charset="0"/>
-                <a:ea typeface="ＭＳ 明朝" panose="02020609040205080304" pitchFamily="17" charset="-128"/>
-                <a:cs typeface="Times New Roman" panose="02020603050405020304" pitchFamily="18" charset="0"/>
-              </a:rPr>
-              <a:t>ターン毎：</a:t>
-            </a:r>
-            <a:r>
-              <a:rPr lang="ja-JP" altLang="en-US" dirty="0">
-                <a:solidFill>
-                  <a:schemeClr val="tx1"/>
-                </a:solidFill>
-                <a:latin typeface="Times New Roman" panose="02020603050405020304" pitchFamily="18" charset="0"/>
-                <a:ea typeface="ＭＳ 明朝" panose="02020609040205080304" pitchFamily="17" charset="-128"/>
-                <a:cs typeface="Times New Roman" panose="02020603050405020304" pitchFamily="18" charset="0"/>
-              </a:rPr>
-              <a:t>怪我などのハプニングが</a:t>
-            </a:r>
-            <a:r>
-              <a:rPr lang="ja-JP" altLang="en-US" dirty="0" smtClean="0">
-                <a:solidFill>
-                  <a:schemeClr val="tx1"/>
-                </a:solidFill>
-                <a:latin typeface="Times New Roman" panose="02020603050405020304" pitchFamily="18" charset="0"/>
-                <a:ea typeface="ＭＳ 明朝" panose="02020609040205080304" pitchFamily="17" charset="-128"/>
-                <a:cs typeface="Times New Roman" panose="02020603050405020304" pitchFamily="18" charset="0"/>
-              </a:rPr>
-              <a:t>発生</a:t>
-            </a:r>
-            <a:endParaRPr lang="ja-JP" altLang="en-US" dirty="0">
-              <a:solidFill>
-                <a:schemeClr val="tx1"/>
-              </a:solidFill>
-              <a:latin typeface="Times New Roman" panose="02020603050405020304" pitchFamily="18" charset="0"/>
-              <a:ea typeface="ＭＳ 明朝" panose="02020609040205080304" pitchFamily="17" charset="-128"/>
-              <a:cs typeface="Times New Roman" panose="02020603050405020304" pitchFamily="18" charset="0"/>
-            </a:endParaRPr>
-          </a:p>
-        </p:txBody>
-      </p:sp>
-      <p:sp>
-        <p:nvSpPr>
-          <p:cNvPr id="9" name="正方形/長方形 8"/>
-          <p:cNvSpPr/>
-          <p:nvPr/>
-        </p:nvSpPr>
-        <p:spPr>
-          <a:xfrm>
-            <a:off x="395536" y="4581128"/>
-            <a:ext cx="8352928" cy="504056"/>
-          </a:xfrm>
-          <a:prstGeom prst="rect">
-            <a:avLst/>
-          </a:prstGeom>
-        </p:spPr>
-        <p:style>
-          <a:lnRef idx="1">
-            <a:schemeClr val="accent5"/>
-          </a:lnRef>
-          <a:fillRef idx="2">
-            <a:schemeClr val="accent5"/>
-          </a:fillRef>
-          <a:effectRef idx="1">
-            <a:schemeClr val="accent5"/>
-          </a:effectRef>
-          <a:fontRef idx="minor">
-            <a:schemeClr val="dk1"/>
-          </a:fontRef>
-        </p:style>
-        <p:txBody>
-          <a:bodyPr rtlCol="0" anchor="ctr"/>
-          <a:lstStyle/>
-          <a:p>
-            <a:pPr algn="ctr"/>
-            <a:r>
-              <a:rPr kumimoji="1" lang="en-US" altLang="ja-JP" dirty="0" smtClean="0">
-                <a:solidFill>
-                  <a:schemeClr val="tx1"/>
-                </a:solidFill>
-                <a:latin typeface="Times New Roman" panose="02020603050405020304" pitchFamily="18" charset="0"/>
-                <a:ea typeface="ＭＳ 明朝" panose="02020609040205080304" pitchFamily="17" charset="-128"/>
-                <a:cs typeface="Times New Roman" panose="02020603050405020304" pitchFamily="18" charset="0"/>
-              </a:rPr>
-              <a:t>5</a:t>
-            </a:r>
-            <a:r>
-              <a:rPr kumimoji="1" lang="ja-JP" altLang="en-US" dirty="0" smtClean="0">
-                <a:solidFill>
-                  <a:schemeClr val="tx1"/>
-                </a:solidFill>
-                <a:latin typeface="Times New Roman" panose="02020603050405020304" pitchFamily="18" charset="0"/>
-                <a:ea typeface="ＭＳ 明朝" panose="02020609040205080304" pitchFamily="17" charset="-128"/>
-                <a:cs typeface="Times New Roman" panose="02020603050405020304" pitchFamily="18" charset="0"/>
-              </a:rPr>
-              <a:t>ターン毎：</a:t>
-            </a:r>
-            <a:r>
-              <a:rPr lang="ja-JP" altLang="en-US" dirty="0">
-                <a:solidFill>
-                  <a:schemeClr val="tx1"/>
-                </a:solidFill>
-                <a:latin typeface="Times New Roman" panose="02020603050405020304" pitchFamily="18" charset="0"/>
-                <a:ea typeface="ＭＳ 明朝" panose="02020609040205080304" pitchFamily="17" charset="-128"/>
-                <a:cs typeface="Times New Roman" panose="02020603050405020304" pitchFamily="18" charset="0"/>
-              </a:rPr>
-              <a:t>意思決定（数字強化，マーク変更，人員追加，傷薬購入</a:t>
-            </a:r>
-            <a:r>
-              <a:rPr lang="ja-JP" altLang="en-US" dirty="0" smtClean="0">
-                <a:solidFill>
-                  <a:schemeClr val="tx1"/>
-                </a:solidFill>
-                <a:latin typeface="Times New Roman" panose="02020603050405020304" pitchFamily="18" charset="0"/>
-                <a:ea typeface="ＭＳ 明朝" panose="02020609040205080304" pitchFamily="17" charset="-128"/>
-                <a:cs typeface="Times New Roman" panose="02020603050405020304" pitchFamily="18" charset="0"/>
-              </a:rPr>
-              <a:t>）</a:t>
-            </a:r>
-            <a:endParaRPr lang="ja-JP" altLang="en-US" dirty="0">
-              <a:solidFill>
-                <a:schemeClr val="tx1"/>
-              </a:solidFill>
-              <a:latin typeface="Times New Roman" panose="02020603050405020304" pitchFamily="18" charset="0"/>
-              <a:ea typeface="ＭＳ 明朝" panose="02020609040205080304" pitchFamily="17" charset="-128"/>
-              <a:cs typeface="Times New Roman" panose="02020603050405020304" pitchFamily="18" charset="0"/>
-            </a:endParaRPr>
-          </a:p>
-        </p:txBody>
-      </p:sp>
-      <p:sp>
-        <p:nvSpPr>
-          <p:cNvPr id="10" name="正方形/長方形 9"/>
-          <p:cNvSpPr/>
-          <p:nvPr/>
-        </p:nvSpPr>
-        <p:spPr>
-          <a:xfrm>
-            <a:off x="395536" y="5445224"/>
-            <a:ext cx="8352928" cy="504056"/>
-          </a:xfrm>
-          <a:prstGeom prst="rect">
-            <a:avLst/>
-          </a:prstGeom>
-        </p:spPr>
-        <p:style>
-          <a:lnRef idx="1">
-            <a:schemeClr val="accent5"/>
-          </a:lnRef>
-          <a:fillRef idx="2">
-            <a:schemeClr val="accent5"/>
-          </a:fillRef>
-          <a:effectRef idx="1">
-            <a:schemeClr val="accent5"/>
-          </a:effectRef>
-          <a:fontRef idx="minor">
-            <a:schemeClr val="dk1"/>
-          </a:fontRef>
-        </p:style>
-        <p:txBody>
-          <a:bodyPr rtlCol="0" anchor="ctr"/>
-          <a:lstStyle/>
-          <a:p>
-            <a:pPr algn="ctr"/>
-            <a:r>
-              <a:rPr kumimoji="1" lang="ja-JP" altLang="en-US" dirty="0" smtClean="0">
-                <a:solidFill>
-                  <a:schemeClr val="tx1"/>
-                </a:solidFill>
-                <a:latin typeface="Times New Roman" panose="02020603050405020304" pitchFamily="18" charset="0"/>
-                <a:ea typeface="ＭＳ 明朝" panose="02020609040205080304" pitchFamily="17" charset="-128"/>
-                <a:cs typeface="Times New Roman" panose="02020603050405020304" pitchFamily="18" charset="0"/>
-              </a:rPr>
-              <a:t>クリア後：目標の達成度から評価を行う</a:t>
-            </a:r>
-            <a:endParaRPr kumimoji="1" lang="ja-JP" altLang="en-US" dirty="0">
-              <a:solidFill>
-                <a:schemeClr val="tx1"/>
-              </a:solidFill>
-              <a:latin typeface="Times New Roman" panose="02020603050405020304" pitchFamily="18" charset="0"/>
-              <a:ea typeface="ＭＳ 明朝" panose="02020609040205080304" pitchFamily="17" charset="-128"/>
-              <a:cs typeface="Times New Roman" panose="02020603050405020304" pitchFamily="18" charset="0"/>
-            </a:endParaRPr>
-          </a:p>
-        </p:txBody>
-      </p:sp>
+      <p:graphicFrame>
+        <p:nvGraphicFramePr>
+          <p:cNvPr id="11" name="表 10"/>
+          <p:cNvGraphicFramePr>
+            <a:graphicFrameLocks noGrp="1"/>
+          </p:cNvGraphicFramePr>
+          <p:nvPr>
+            <p:extLst>
+              <p:ext uri="{D42A27DB-BD31-4B8C-83A1-F6EECF244321}">
+                <p14:modId xmlns:p14="http://schemas.microsoft.com/office/powerpoint/2010/main" val="3496598959"/>
+              </p:ext>
+            </p:extLst>
+          </p:nvPr>
+        </p:nvGraphicFramePr>
+        <p:xfrm>
+          <a:off x="251520" y="1628799"/>
+          <a:ext cx="8640960" cy="4320480"/>
+        </p:xfrm>
+        <a:graphic>
+          <a:graphicData uri="http://schemas.openxmlformats.org/drawingml/2006/table">
+            <a:tbl>
+              <a:tblPr firstRow="1" bandRow="1">
+                <a:tableStyleId>{5C22544A-7EE6-4342-B048-85BDC9FD1C3A}</a:tableStyleId>
+              </a:tblPr>
+              <a:tblGrid>
+                <a:gridCol w="3462852"/>
+                <a:gridCol w="5178108"/>
+              </a:tblGrid>
+              <a:tr h="540060">
+                <a:tc>
+                  <a:txBody>
+                    <a:bodyPr/>
+                    <a:lstStyle/>
+                    <a:p>
+                      <a:pPr algn="ctr"/>
+                      <a:r>
+                        <a:rPr kumimoji="1" lang="ja-JP" altLang="en-US" sz="2400" dirty="0" smtClean="0">
+                          <a:latin typeface="ＭＳ 明朝" panose="02020609040205080304" pitchFamily="17" charset="-128"/>
+                          <a:ea typeface="ＭＳ 明朝" panose="02020609040205080304" pitchFamily="17" charset="-128"/>
+                        </a:rPr>
+                        <a:t>知識エリア</a:t>
+                      </a:r>
+                      <a:endParaRPr kumimoji="1" lang="ja-JP" altLang="en-US" sz="2400" dirty="0">
+                        <a:latin typeface="ＭＳ 明朝" panose="02020609040205080304" pitchFamily="17" charset="-128"/>
+                        <a:ea typeface="ＭＳ 明朝" panose="02020609040205080304" pitchFamily="17" charset="-128"/>
+                      </a:endParaRPr>
+                    </a:p>
+                  </a:txBody>
+                  <a:tcPr/>
+                </a:tc>
+                <a:tc>
+                  <a:txBody>
+                    <a:bodyPr/>
+                    <a:lstStyle/>
+                    <a:p>
+                      <a:pPr algn="ctr"/>
+                      <a:r>
+                        <a:rPr kumimoji="1" lang="ja-JP" altLang="en-US" sz="2400" dirty="0" smtClean="0">
+                          <a:latin typeface="ＭＳ 明朝" panose="02020609040205080304" pitchFamily="17" charset="-128"/>
+                          <a:ea typeface="ＭＳ 明朝" panose="02020609040205080304" pitchFamily="17" charset="-128"/>
+                        </a:rPr>
+                        <a:t>関連性</a:t>
+                      </a:r>
+                      <a:endParaRPr kumimoji="1" lang="ja-JP" altLang="en-US" sz="2400" dirty="0">
+                        <a:latin typeface="ＭＳ 明朝" panose="02020609040205080304" pitchFamily="17" charset="-128"/>
+                        <a:ea typeface="ＭＳ 明朝" panose="02020609040205080304" pitchFamily="17" charset="-128"/>
+                      </a:endParaRPr>
+                    </a:p>
+                  </a:txBody>
+                  <a:tcPr/>
+                </a:tc>
+              </a:tr>
+              <a:tr h="540060">
+                <a:tc>
+                  <a:txBody>
+                    <a:bodyPr/>
+                    <a:lstStyle/>
+                    <a:p>
+                      <a:r>
+                        <a:rPr kumimoji="1" lang="ja-JP" altLang="en-US" sz="2400" dirty="0" smtClean="0">
+                          <a:latin typeface="ＭＳ 明朝" panose="02020609040205080304" pitchFamily="17" charset="-128"/>
+                          <a:ea typeface="ＭＳ 明朝" panose="02020609040205080304" pitchFamily="17" charset="-128"/>
+                        </a:rPr>
+                        <a:t>統合マネジメント</a:t>
+                      </a:r>
+                      <a:endParaRPr kumimoji="1" lang="ja-JP" altLang="en-US" sz="2400" dirty="0">
+                        <a:latin typeface="ＭＳ 明朝" panose="02020609040205080304" pitchFamily="17" charset="-128"/>
+                        <a:ea typeface="ＭＳ 明朝" panose="02020609040205080304" pitchFamily="17" charset="-128"/>
+                      </a:endParaRPr>
+                    </a:p>
+                  </a:txBody>
+                  <a:tcPr/>
+                </a:tc>
+                <a:tc>
+                  <a:txBody>
+                    <a:bodyPr/>
+                    <a:lstStyle/>
+                    <a:p>
+                      <a:r>
+                        <a:rPr kumimoji="1" lang="ja-JP" altLang="en-US" sz="2400" dirty="0" smtClean="0">
+                          <a:latin typeface="ＭＳ 明朝" panose="02020609040205080304" pitchFamily="17" charset="-128"/>
+                          <a:ea typeface="ＭＳ 明朝" panose="02020609040205080304" pitchFamily="17" charset="-128"/>
+                        </a:rPr>
+                        <a:t>全体を管理する</a:t>
+                      </a:r>
+                      <a:endParaRPr kumimoji="1" lang="ja-JP" altLang="en-US" sz="2400" dirty="0">
+                        <a:latin typeface="ＭＳ 明朝" panose="02020609040205080304" pitchFamily="17" charset="-128"/>
+                        <a:ea typeface="ＭＳ 明朝" panose="02020609040205080304" pitchFamily="17" charset="-128"/>
+                      </a:endParaRPr>
+                    </a:p>
+                  </a:txBody>
+                  <a:tcPr/>
+                </a:tc>
+              </a:tr>
+              <a:tr h="540060">
+                <a:tc>
+                  <a:txBody>
+                    <a:bodyPr/>
+                    <a:lstStyle/>
+                    <a:p>
+                      <a:r>
+                        <a:rPr kumimoji="1" lang="ja-JP" altLang="en-US" sz="2400" dirty="0" smtClean="0">
+                          <a:latin typeface="ＭＳ 明朝" panose="02020609040205080304" pitchFamily="17" charset="-128"/>
+                          <a:ea typeface="ＭＳ 明朝" panose="02020609040205080304" pitchFamily="17" charset="-128"/>
+                        </a:rPr>
+                        <a:t>スコープマネジメント</a:t>
+                      </a:r>
+                      <a:endParaRPr kumimoji="1" lang="ja-JP" altLang="en-US" sz="2400" dirty="0">
+                        <a:latin typeface="ＭＳ 明朝" panose="02020609040205080304" pitchFamily="17" charset="-128"/>
+                        <a:ea typeface="ＭＳ 明朝" panose="02020609040205080304" pitchFamily="17" charset="-128"/>
+                      </a:endParaRPr>
+                    </a:p>
+                  </a:txBody>
+                  <a:tcPr/>
+                </a:tc>
+                <a:tc>
+                  <a:txBody>
+                    <a:bodyPr/>
+                    <a:lstStyle/>
+                    <a:p>
+                      <a:r>
+                        <a:rPr kumimoji="1" lang="ja-JP" altLang="en-US" sz="2400" dirty="0" smtClean="0">
+                          <a:latin typeface="ＭＳ 明朝" panose="02020609040205080304" pitchFamily="17" charset="-128"/>
+                          <a:ea typeface="ＭＳ 明朝" panose="02020609040205080304" pitchFamily="17" charset="-128"/>
+                        </a:rPr>
+                        <a:t>都市をタスクとして見積もる</a:t>
+                      </a:r>
+                      <a:endParaRPr kumimoji="1" lang="ja-JP" altLang="en-US" sz="2400" dirty="0">
+                        <a:latin typeface="ＭＳ 明朝" panose="02020609040205080304" pitchFamily="17" charset="-128"/>
+                        <a:ea typeface="ＭＳ 明朝" panose="02020609040205080304" pitchFamily="17" charset="-128"/>
+                      </a:endParaRPr>
+                    </a:p>
+                  </a:txBody>
+                  <a:tcPr/>
+                </a:tc>
+              </a:tr>
+              <a:tr h="540060">
+                <a:tc>
+                  <a:txBody>
+                    <a:bodyPr/>
+                    <a:lstStyle/>
+                    <a:p>
+                      <a:r>
+                        <a:rPr kumimoji="1" lang="ja-JP" altLang="en-US" sz="2400" dirty="0" smtClean="0">
+                          <a:latin typeface="ＭＳ 明朝" panose="02020609040205080304" pitchFamily="17" charset="-128"/>
+                          <a:ea typeface="ＭＳ 明朝" panose="02020609040205080304" pitchFamily="17" charset="-128"/>
+                        </a:rPr>
+                        <a:t>タイムマネジメント</a:t>
+                      </a:r>
+                      <a:endParaRPr kumimoji="1" lang="ja-JP" altLang="en-US" sz="2400" dirty="0">
+                        <a:latin typeface="ＭＳ 明朝" panose="02020609040205080304" pitchFamily="17" charset="-128"/>
+                        <a:ea typeface="ＭＳ 明朝" panose="02020609040205080304" pitchFamily="17" charset="-128"/>
+                      </a:endParaRPr>
+                    </a:p>
+                  </a:txBody>
+                  <a:tcPr/>
+                </a:tc>
+                <a:tc>
+                  <a:txBody>
+                    <a:bodyPr/>
+                    <a:lstStyle/>
+                    <a:p>
+                      <a:r>
+                        <a:rPr kumimoji="1" lang="en-US" altLang="ja-JP" sz="2400" dirty="0" smtClean="0">
+                          <a:latin typeface="ＭＳ 明朝" panose="02020609040205080304" pitchFamily="17" charset="-128"/>
+                          <a:ea typeface="ＭＳ 明朝" panose="02020609040205080304" pitchFamily="17" charset="-128"/>
+                        </a:rPr>
+                        <a:t>EVM</a:t>
+                      </a:r>
+                      <a:r>
+                        <a:rPr kumimoji="1" lang="ja-JP" altLang="en-US" sz="2400" dirty="0" smtClean="0">
+                          <a:latin typeface="ＭＳ 明朝" panose="02020609040205080304" pitchFamily="17" charset="-128"/>
+                          <a:ea typeface="ＭＳ 明朝" panose="02020609040205080304" pitchFamily="17" charset="-128"/>
+                        </a:rPr>
+                        <a:t>を使い管理する</a:t>
+                      </a:r>
+                      <a:endParaRPr kumimoji="1" lang="ja-JP" altLang="en-US" sz="2400" dirty="0">
+                        <a:latin typeface="ＭＳ 明朝" panose="02020609040205080304" pitchFamily="17" charset="-128"/>
+                        <a:ea typeface="ＭＳ 明朝" panose="02020609040205080304" pitchFamily="17" charset="-128"/>
+                      </a:endParaRPr>
+                    </a:p>
+                  </a:txBody>
+                  <a:tcPr/>
+                </a:tc>
+              </a:tr>
+              <a:tr h="540060">
+                <a:tc>
+                  <a:txBody>
+                    <a:bodyPr/>
+                    <a:lstStyle/>
+                    <a:p>
+                      <a:r>
+                        <a:rPr kumimoji="1" lang="ja-JP" altLang="en-US" sz="2400" dirty="0" smtClean="0">
+                          <a:latin typeface="ＭＳ 明朝" panose="02020609040205080304" pitchFamily="17" charset="-128"/>
+                          <a:ea typeface="ＭＳ 明朝" panose="02020609040205080304" pitchFamily="17" charset="-128"/>
+                        </a:rPr>
+                        <a:t>コストマネジメント</a:t>
+                      </a:r>
+                      <a:endParaRPr kumimoji="1" lang="ja-JP" altLang="en-US" sz="2400" dirty="0">
+                        <a:latin typeface="ＭＳ 明朝" panose="02020609040205080304" pitchFamily="17" charset="-128"/>
+                        <a:ea typeface="ＭＳ 明朝" panose="02020609040205080304" pitchFamily="17" charset="-128"/>
+                      </a:endParaRPr>
+                    </a:p>
+                  </a:txBody>
+                  <a:tcPr/>
+                </a:tc>
+                <a:tc>
+                  <a:txBody>
+                    <a:bodyPr/>
+                    <a:lstStyle/>
+                    <a:p>
+                      <a:r>
+                        <a:rPr kumimoji="1" lang="en-US" altLang="ja-JP" sz="2400" dirty="0" smtClean="0">
+                          <a:latin typeface="ＭＳ 明朝" panose="02020609040205080304" pitchFamily="17" charset="-128"/>
+                          <a:ea typeface="ＭＳ 明朝" panose="02020609040205080304" pitchFamily="17" charset="-128"/>
+                        </a:rPr>
+                        <a:t>EVM</a:t>
+                      </a:r>
+                      <a:r>
+                        <a:rPr kumimoji="1" lang="ja-JP" altLang="en-US" sz="2400" dirty="0" smtClean="0">
+                          <a:latin typeface="ＭＳ 明朝" panose="02020609040205080304" pitchFamily="17" charset="-128"/>
+                          <a:ea typeface="ＭＳ 明朝" panose="02020609040205080304" pitchFamily="17" charset="-128"/>
+                        </a:rPr>
+                        <a:t>を使い管理する</a:t>
+                      </a:r>
+                      <a:endParaRPr kumimoji="1" lang="ja-JP" altLang="en-US" sz="2400" dirty="0">
+                        <a:latin typeface="ＭＳ 明朝" panose="02020609040205080304" pitchFamily="17" charset="-128"/>
+                        <a:ea typeface="ＭＳ 明朝" panose="02020609040205080304" pitchFamily="17" charset="-128"/>
+                      </a:endParaRPr>
+                    </a:p>
+                  </a:txBody>
+                  <a:tcPr/>
+                </a:tc>
+              </a:tr>
+              <a:tr h="540060">
+                <a:tc>
+                  <a:txBody>
+                    <a:bodyPr/>
+                    <a:lstStyle/>
+                    <a:p>
+                      <a:r>
+                        <a:rPr kumimoji="1" lang="ja-JP" altLang="en-US" sz="2400" dirty="0" smtClean="0">
+                          <a:latin typeface="ＭＳ 明朝" panose="02020609040205080304" pitchFamily="17" charset="-128"/>
+                          <a:ea typeface="ＭＳ 明朝" panose="02020609040205080304" pitchFamily="17" charset="-128"/>
+                        </a:rPr>
+                        <a:t>品質マネジメント</a:t>
+                      </a:r>
+                      <a:endParaRPr kumimoji="1" lang="en-US" altLang="ja-JP" sz="2400" dirty="0" smtClean="0">
+                        <a:latin typeface="ＭＳ 明朝" panose="02020609040205080304" pitchFamily="17" charset="-128"/>
+                        <a:ea typeface="ＭＳ 明朝" panose="02020609040205080304" pitchFamily="17" charset="-128"/>
+                      </a:endParaRPr>
+                    </a:p>
+                  </a:txBody>
+                  <a:tcPr/>
+                </a:tc>
+                <a:tc>
+                  <a:txBody>
+                    <a:bodyPr/>
+                    <a:lstStyle/>
+                    <a:p>
+                      <a:r>
+                        <a:rPr kumimoji="1" lang="ja-JP" altLang="en-US" sz="2400" dirty="0" smtClean="0">
+                          <a:latin typeface="ＭＳ 明朝" panose="02020609040205080304" pitchFamily="17" charset="-128"/>
+                          <a:ea typeface="ＭＳ 明朝" panose="02020609040205080304" pitchFamily="17" charset="-128"/>
+                        </a:rPr>
+                        <a:t>損害度を品質として管理する</a:t>
+                      </a:r>
+                      <a:endParaRPr kumimoji="1" lang="ja-JP" altLang="en-US" sz="2400" dirty="0">
+                        <a:latin typeface="ＭＳ 明朝" panose="02020609040205080304" pitchFamily="17" charset="-128"/>
+                        <a:ea typeface="ＭＳ 明朝" panose="02020609040205080304" pitchFamily="17" charset="-128"/>
+                      </a:endParaRPr>
+                    </a:p>
+                  </a:txBody>
+                  <a:tcPr/>
+                </a:tc>
+              </a:tr>
+              <a:tr h="540060">
+                <a:tc>
+                  <a:txBody>
+                    <a:bodyPr/>
+                    <a:lstStyle/>
+                    <a:p>
+                      <a:r>
+                        <a:rPr kumimoji="1" lang="ja-JP" altLang="en-US" sz="2400" dirty="0" smtClean="0">
+                          <a:latin typeface="ＭＳ 明朝" panose="02020609040205080304" pitchFamily="17" charset="-128"/>
+                          <a:ea typeface="ＭＳ 明朝" panose="02020609040205080304" pitchFamily="17" charset="-128"/>
+                        </a:rPr>
+                        <a:t>人的資源マネジメント</a:t>
+                      </a:r>
+                      <a:endParaRPr kumimoji="1" lang="ja-JP" altLang="en-US" sz="2400" dirty="0">
+                        <a:latin typeface="ＭＳ 明朝" panose="02020609040205080304" pitchFamily="17" charset="-128"/>
+                        <a:ea typeface="ＭＳ 明朝" panose="02020609040205080304" pitchFamily="17" charset="-128"/>
+                      </a:endParaRPr>
+                    </a:p>
+                  </a:txBody>
+                  <a:tcPr/>
+                </a:tc>
+                <a:tc>
+                  <a:txBody>
+                    <a:bodyPr/>
+                    <a:lstStyle/>
+                    <a:p>
+                      <a:r>
+                        <a:rPr kumimoji="1" lang="ja-JP" altLang="en-US" sz="2400" dirty="0" smtClean="0">
+                          <a:latin typeface="ＭＳ 明朝" panose="02020609040205080304" pitchFamily="17" charset="-128"/>
+                          <a:ea typeface="ＭＳ 明朝" panose="02020609040205080304" pitchFamily="17" charset="-128"/>
+                        </a:rPr>
+                        <a:t>仲間をメンバとして管理する</a:t>
+                      </a:r>
+                      <a:endParaRPr kumimoji="1" lang="ja-JP" altLang="en-US" sz="2400" dirty="0">
+                        <a:latin typeface="ＭＳ 明朝" panose="02020609040205080304" pitchFamily="17" charset="-128"/>
+                        <a:ea typeface="ＭＳ 明朝" panose="02020609040205080304" pitchFamily="17" charset="-128"/>
+                      </a:endParaRPr>
+                    </a:p>
+                  </a:txBody>
+                  <a:tcPr/>
+                </a:tc>
+              </a:tr>
+              <a:tr h="540060">
+                <a:tc>
+                  <a:txBody>
+                    <a:bodyPr/>
+                    <a:lstStyle/>
+                    <a:p>
+                      <a:r>
+                        <a:rPr kumimoji="1" lang="ja-JP" altLang="en-US" sz="2400" dirty="0" smtClean="0">
+                          <a:latin typeface="ＭＳ 明朝" panose="02020609040205080304" pitchFamily="17" charset="-128"/>
+                          <a:ea typeface="ＭＳ 明朝" panose="02020609040205080304" pitchFamily="17" charset="-128"/>
+                        </a:rPr>
+                        <a:t>リスクマネジメント</a:t>
+                      </a:r>
+                      <a:endParaRPr kumimoji="1" lang="ja-JP" altLang="en-US" sz="2400" dirty="0">
+                        <a:latin typeface="ＭＳ 明朝" panose="02020609040205080304" pitchFamily="17" charset="-128"/>
+                        <a:ea typeface="ＭＳ 明朝" panose="02020609040205080304" pitchFamily="17" charset="-128"/>
+                      </a:endParaRPr>
+                    </a:p>
+                  </a:txBody>
+                  <a:tcPr/>
+                </a:tc>
+                <a:tc>
+                  <a:txBody>
+                    <a:bodyPr/>
+                    <a:lstStyle/>
+                    <a:p>
+                      <a:r>
+                        <a:rPr kumimoji="1" lang="ja-JP" altLang="en-US" sz="2400" dirty="0" smtClean="0">
+                          <a:latin typeface="ＭＳ 明朝" panose="02020609040205080304" pitchFamily="17" charset="-128"/>
+                          <a:ea typeface="ＭＳ 明朝" panose="02020609040205080304" pitchFamily="17" charset="-128"/>
+                        </a:rPr>
+                        <a:t>ハプニングをリスクとして対処する</a:t>
+                      </a:r>
+                      <a:endParaRPr kumimoji="1" lang="ja-JP" altLang="en-US" sz="2400" dirty="0">
+                        <a:latin typeface="ＭＳ 明朝" panose="02020609040205080304" pitchFamily="17" charset="-128"/>
+                        <a:ea typeface="ＭＳ 明朝" panose="02020609040205080304" pitchFamily="17" charset="-128"/>
+                      </a:endParaRPr>
+                    </a:p>
+                  </a:txBody>
+                  <a:tcPr/>
+                </a:tc>
+              </a:tr>
+            </a:tbl>
+          </a:graphicData>
+        </a:graphic>
+      </p:graphicFrame>
     </p:spTree>
     <p:extLst>
       <p:ext uri="{BB962C8B-B14F-4D97-AF65-F5344CB8AC3E}">
-        <p14:creationId xmlns:p14="http://schemas.microsoft.com/office/powerpoint/2010/main" val="1163793883"/>
+        <p14:creationId xmlns:p14="http://schemas.microsoft.com/office/powerpoint/2010/main" val="3622089494"/>
       </p:ext>
     </p:extLst>
   </p:cSld>
@@ -28724,12 +29027,14 @@
             <a:r>
               <a:rPr kumimoji="1" lang="en-US" altLang="ja-JP" smtClean="0">
                 <a:latin typeface="Times New Roman" panose="02020603050405020304" pitchFamily="18" charset="0"/>
+                <a:ea typeface="ＭＳ 明朝" panose="02020609040205080304" pitchFamily="17" charset="-128"/>
                 <a:cs typeface="Times New Roman" panose="02020603050405020304" pitchFamily="18" charset="0"/>
               </a:rPr>
               <a:t>2014/02/05</a:t>
             </a:r>
             <a:endParaRPr kumimoji="1" lang="ja-JP" altLang="en-US">
               <a:latin typeface="Times New Roman" panose="02020603050405020304" pitchFamily="18" charset="0"/>
+              <a:ea typeface="ＭＳ 明朝" panose="02020609040205080304" pitchFamily="17" charset="-128"/>
               <a:cs typeface="Times New Roman" panose="02020603050405020304" pitchFamily="18" charset="0"/>
             </a:endParaRPr>
           </a:p>
@@ -28758,6 +29063,7 @@
             <a:r>
               <a:rPr lang="en-US" altLang="ja-JP" dirty="0">
                 <a:latin typeface="Times New Roman" panose="02020603050405020304" pitchFamily="18" charset="0"/>
+                <a:ea typeface="ＭＳ 明朝" panose="02020609040205080304" pitchFamily="17" charset="-128"/>
                 <a:cs typeface="Times New Roman" panose="02020603050405020304" pitchFamily="18" charset="0"/>
               </a:rPr>
               <a:t>Development and Effectiveness Measurement </a:t>
@@ -28772,6 +29078,7 @@
             <a:r>
               <a:rPr lang="en-US" altLang="ja-JP" dirty="0">
                 <a:latin typeface="Times New Roman" panose="02020603050405020304" pitchFamily="18" charset="0"/>
+                <a:ea typeface="ＭＳ 明朝" panose="02020609040205080304" pitchFamily="17" charset="-128"/>
                 <a:cs typeface="Times New Roman" panose="02020603050405020304" pitchFamily="18" charset="0"/>
               </a:rPr>
               <a:t>of the Game for Project Management </a:t>
@@ -28779,12 +29086,14 @@
             <a:r>
               <a:rPr lang="en-US" altLang="ja-JP" dirty="0" smtClean="0">
                 <a:latin typeface="Times New Roman" panose="02020603050405020304" pitchFamily="18" charset="0"/>
+                <a:ea typeface="ＭＳ 明朝" panose="02020609040205080304" pitchFamily="17" charset="-128"/>
                 <a:cs typeface="Times New Roman" panose="02020603050405020304" pitchFamily="18" charset="0"/>
               </a:rPr>
               <a:t>Training</a:t>
             </a:r>
             <a:endParaRPr lang="en-US" altLang="ja-JP" dirty="0">
               <a:latin typeface="Times New Roman" panose="02020603050405020304" pitchFamily="18" charset="0"/>
+              <a:ea typeface="ＭＳ 明朝" panose="02020609040205080304" pitchFamily="17" charset="-128"/>
               <a:cs typeface="Times New Roman" panose="02020603050405020304" pitchFamily="18" charset="0"/>
             </a:endParaRPr>
           </a:p>
@@ -28808,12 +29117,14 @@
             <a:fld id="{9FE19D7D-A506-4FEE-8BBF-7E3644FFC5C2}" type="slidenum">
               <a:rPr kumimoji="1" lang="ja-JP" altLang="en-US" smtClean="0">
                 <a:latin typeface="Times New Roman" panose="02020603050405020304" pitchFamily="18" charset="0"/>
+                <a:ea typeface="ＭＳ 明朝" panose="02020609040205080304" pitchFamily="17" charset="-128"/>
                 <a:cs typeface="Times New Roman" panose="02020603050405020304" pitchFamily="18" charset="0"/>
               </a:rPr>
               <a:t>8</a:t>
             </a:fld>
             <a:endParaRPr kumimoji="1" lang="ja-JP" altLang="en-US">
               <a:latin typeface="Times New Roman" panose="02020603050405020304" pitchFamily="18" charset="0"/>
+              <a:ea typeface="ＭＳ 明朝" panose="02020609040205080304" pitchFamily="17" charset="-128"/>
               <a:cs typeface="Times New Roman" panose="02020603050405020304" pitchFamily="18" charset="0"/>
             </a:endParaRPr>
           </a:p>
@@ -28858,16 +29169,10 @@
           </a:lstStyle>
           <a:p>
             <a:r>
-              <a:rPr kumimoji="1" lang="en-US" altLang="ja-JP" sz="3200" b="1" dirty="0" smtClean="0">
-                <a:latin typeface="+mj-ea"/>
-              </a:rPr>
-              <a:t>PM</a:t>
-            </a:r>
-            <a:r>
               <a:rPr kumimoji="1" lang="ja-JP" altLang="en-US" sz="3200" b="1" dirty="0" smtClean="0">
                 <a:latin typeface="+mj-ea"/>
               </a:rPr>
-              <a:t>との関連性</a:t>
+              <a:t>実験</a:t>
             </a:r>
             <a:endParaRPr kumimoji="1" lang="ja-JP" altLang="en-US" sz="3200" b="1" dirty="0">
               <a:latin typeface="+mj-ea"/>
@@ -28877,16 +29182,138 @@
       </p:sp>
       <p:sp>
         <p:nvSpPr>
-          <p:cNvPr id="6" name="角丸四角形 5"/>
+          <p:cNvPr id="9" name="円/楕円 8"/>
           <p:cNvSpPr/>
           <p:nvPr/>
         </p:nvSpPr>
         <p:spPr>
           <a:xfrm>
-            <a:off x="251520" y="1628800"/>
-            <a:ext cx="8640960" cy="504056"/>
+            <a:off x="2044237" y="3356992"/>
+            <a:ext cx="5055521" cy="981794"/>
           </a:xfrm>
-          <a:prstGeom prst="roundRect">
+          <a:prstGeom prst="ellipse">
+            <a:avLst/>
+          </a:prstGeom>
+        </p:spPr>
+        <p:style>
+          <a:lnRef idx="1">
+            <a:schemeClr val="accent4"/>
+          </a:lnRef>
+          <a:fillRef idx="2">
+            <a:schemeClr val="accent4"/>
+          </a:fillRef>
+          <a:effectRef idx="1">
+            <a:schemeClr val="accent4"/>
+          </a:effectRef>
+          <a:fontRef idx="minor">
+            <a:schemeClr val="dk1"/>
+          </a:fontRef>
+        </p:style>
+        <p:txBody>
+          <a:bodyPr rtlCol="0" anchor="ctr"/>
+          <a:lstStyle/>
+          <a:p>
+            <a:pPr algn="ctr"/>
+            <a:r>
+              <a:rPr lang="ja-JP" altLang="en-US" dirty="0" smtClean="0">
+                <a:solidFill>
+                  <a:schemeClr val="tx1"/>
+                </a:solidFill>
+                <a:latin typeface="ＭＳ 明朝" panose="02020609040205080304" pitchFamily="17" charset="-128"/>
+                <a:ea typeface="ＭＳ 明朝" panose="02020609040205080304" pitchFamily="17" charset="-128"/>
+                <a:cs typeface="Times New Roman" pitchFamily="18" charset="0"/>
+              </a:rPr>
+              <a:t>類似プロジェクトの実施による</a:t>
+            </a:r>
+            <a:endParaRPr lang="en-US" altLang="ja-JP" dirty="0" smtClean="0">
+              <a:solidFill>
+                <a:schemeClr val="tx1"/>
+              </a:solidFill>
+              <a:latin typeface="ＭＳ 明朝" panose="02020609040205080304" pitchFamily="17" charset="-128"/>
+              <a:ea typeface="ＭＳ 明朝" panose="02020609040205080304" pitchFamily="17" charset="-128"/>
+              <a:cs typeface="Times New Roman" pitchFamily="18" charset="0"/>
+            </a:endParaRPr>
+          </a:p>
+          <a:p>
+            <a:pPr algn="ctr"/>
+            <a:r>
+              <a:rPr lang="ja-JP" altLang="en-US" dirty="0">
+                <a:solidFill>
+                  <a:schemeClr val="tx1"/>
+                </a:solidFill>
+                <a:latin typeface="ＭＳ 明朝" panose="02020609040205080304" pitchFamily="17" charset="-128"/>
+                <a:ea typeface="ＭＳ 明朝" panose="02020609040205080304" pitchFamily="17" charset="-128"/>
+                <a:cs typeface="Times New Roman" pitchFamily="18" charset="0"/>
+              </a:rPr>
+              <a:t>類推</a:t>
+            </a:r>
+            <a:r>
+              <a:rPr lang="ja-JP" altLang="en-US" dirty="0" smtClean="0">
+                <a:solidFill>
+                  <a:schemeClr val="tx1"/>
+                </a:solidFill>
+                <a:latin typeface="ＭＳ 明朝" panose="02020609040205080304" pitchFamily="17" charset="-128"/>
+                <a:ea typeface="ＭＳ 明朝" panose="02020609040205080304" pitchFamily="17" charset="-128"/>
+                <a:cs typeface="Times New Roman" pitchFamily="18" charset="0"/>
+              </a:rPr>
+              <a:t>見積もりの精度上昇</a:t>
+            </a:r>
+            <a:endParaRPr lang="en-US" altLang="ja-JP" dirty="0" smtClean="0">
+              <a:solidFill>
+                <a:schemeClr val="tx1"/>
+              </a:solidFill>
+              <a:latin typeface="ＭＳ 明朝" panose="02020609040205080304" pitchFamily="17" charset="-128"/>
+              <a:ea typeface="ＭＳ 明朝" panose="02020609040205080304" pitchFamily="17" charset="-128"/>
+              <a:cs typeface="Times New Roman" pitchFamily="18" charset="0"/>
+            </a:endParaRPr>
+          </a:p>
+          <a:p>
+            <a:pPr algn="ctr"/>
+            <a:r>
+              <a:rPr lang="ja-JP" altLang="en-US" dirty="0">
+                <a:solidFill>
+                  <a:schemeClr val="tx1"/>
+                </a:solidFill>
+                <a:latin typeface="ＭＳ 明朝" panose="02020609040205080304" pitchFamily="17" charset="-128"/>
+                <a:ea typeface="ＭＳ 明朝" panose="02020609040205080304" pitchFamily="17" charset="-128"/>
+                <a:cs typeface="Times New Roman" pitchFamily="18" charset="0"/>
+              </a:rPr>
+              <a:t>実</a:t>
+            </a:r>
+            <a:r>
+              <a:rPr lang="ja-JP" altLang="en-US" dirty="0" smtClean="0">
+                <a:solidFill>
+                  <a:schemeClr val="tx1"/>
+                </a:solidFill>
+                <a:latin typeface="ＭＳ 明朝" panose="02020609040205080304" pitchFamily="17" charset="-128"/>
+                <a:ea typeface="ＭＳ 明朝" panose="02020609040205080304" pitchFamily="17" charset="-128"/>
+                <a:cs typeface="Times New Roman" pitchFamily="18" charset="0"/>
+              </a:rPr>
+              <a:t>コストの低減</a:t>
+            </a:r>
+            <a:endParaRPr lang="en-US" altLang="ja-JP" dirty="0" smtClean="0">
+              <a:solidFill>
+                <a:schemeClr val="tx1"/>
+              </a:solidFill>
+              <a:latin typeface="ＭＳ 明朝" panose="02020609040205080304" pitchFamily="17" charset="-128"/>
+              <a:ea typeface="ＭＳ 明朝" panose="02020609040205080304" pitchFamily="17" charset="-128"/>
+              <a:cs typeface="Times New Roman" pitchFamily="18" charset="0"/>
+            </a:endParaRPr>
+          </a:p>
+        </p:txBody>
+      </p:sp>
+      <p:sp>
+        <p:nvSpPr>
+          <p:cNvPr id="11" name="正方形/長方形 10"/>
+          <p:cNvSpPr/>
+          <p:nvPr/>
+        </p:nvSpPr>
+        <p:spPr>
+          <a:xfrm>
+            <a:off x="755576" y="5373216"/>
+            <a:ext cx="2304256" cy="792088"/>
+          </a:xfrm>
+          <a:prstGeom prst="rect">
             <a:avLst/>
           </a:prstGeom>
         </p:spPr>
@@ -28910,14 +29337,14 @@
           <a:p>
             <a:pPr algn="ctr"/>
             <a:r>
-              <a:rPr lang="ja-JP" altLang="en-US" dirty="0" smtClean="0">
+              <a:rPr lang="en-US" altLang="ja-JP" dirty="0" smtClean="0">
                 <a:latin typeface="Times New Roman" panose="02020603050405020304" pitchFamily="18" charset="0"/>
                 <a:ea typeface="ＭＳ 明朝" panose="02020609040205080304" pitchFamily="17" charset="-128"/>
                 <a:cs typeface="Times New Roman" panose="02020603050405020304" pitchFamily="18" charset="0"/>
               </a:rPr>
-              <a:t>プロジェクト統合マネジメント：全体を管理する</a:t>
-            </a:r>
-            <a:endParaRPr lang="en-US" altLang="ja-JP" dirty="0" smtClean="0">
+              <a:t>PV&gt;AC</a:t>
+            </a:r>
+            <a:endParaRPr kumimoji="1" lang="ja-JP" altLang="en-US" dirty="0">
               <a:latin typeface="Times New Roman" panose="02020603050405020304" pitchFamily="18" charset="0"/>
               <a:ea typeface="ＭＳ 明朝" panose="02020609040205080304" pitchFamily="17" charset="-128"/>
               <a:cs typeface="Times New Roman" panose="02020603050405020304" pitchFamily="18" charset="0"/>
@@ -28927,16 +29354,16 @@
       </p:sp>
       <p:sp>
         <p:nvSpPr>
-          <p:cNvPr id="7" name="角丸四角形 6"/>
+          <p:cNvPr id="12" name="正方形/長方形 11"/>
           <p:cNvSpPr/>
           <p:nvPr/>
         </p:nvSpPr>
         <p:spPr>
           <a:xfrm>
-            <a:off x="251520" y="2276872"/>
-            <a:ext cx="8640960" cy="504056"/>
+            <a:off x="3419872" y="5373216"/>
+            <a:ext cx="2304256" cy="792088"/>
           </a:xfrm>
-          <a:prstGeom prst="roundRect">
+          <a:prstGeom prst="rect">
             <a:avLst/>
           </a:prstGeom>
         </p:spPr>
@@ -28960,14 +29387,22 @@
           <a:p>
             <a:pPr algn="ctr"/>
             <a:r>
+              <a:rPr lang="en-US" altLang="ja-JP" dirty="0" smtClean="0">
+                <a:latin typeface="Times New Roman" panose="02020603050405020304" pitchFamily="18" charset="0"/>
+                <a:ea typeface="ＭＳ 明朝" panose="02020609040205080304" pitchFamily="17" charset="-128"/>
+                <a:cs typeface="Times New Roman" panose="02020603050405020304" pitchFamily="18" charset="0"/>
+              </a:rPr>
+              <a:t>PV</a:t>
+            </a:r>
+            <a:r>
               <a:rPr lang="ja-JP" altLang="en-US" dirty="0" smtClean="0">
                 <a:latin typeface="Times New Roman" panose="02020603050405020304" pitchFamily="18" charset="0"/>
                 <a:ea typeface="ＭＳ 明朝" panose="02020609040205080304" pitchFamily="17" charset="-128"/>
                 <a:cs typeface="Times New Roman" panose="02020603050405020304" pitchFamily="18" charset="0"/>
               </a:rPr>
-              <a:t>プロジェクト・スコープ・マネジメント：都市をタスクとして見積もる</a:t>
-            </a:r>
-            <a:endParaRPr lang="en-US" altLang="ja-JP" dirty="0" smtClean="0">
+              <a:t>の低減</a:t>
+            </a:r>
+            <a:endParaRPr kumimoji="1" lang="ja-JP" altLang="en-US" dirty="0">
               <a:latin typeface="Times New Roman" panose="02020603050405020304" pitchFamily="18" charset="0"/>
               <a:ea typeface="ＭＳ 明朝" panose="02020609040205080304" pitchFamily="17" charset="-128"/>
               <a:cs typeface="Times New Roman" panose="02020603050405020304" pitchFamily="18" charset="0"/>
@@ -28977,16 +29412,16 @@
       </p:sp>
       <p:sp>
         <p:nvSpPr>
-          <p:cNvPr id="8" name="角丸四角形 7"/>
+          <p:cNvPr id="13" name="正方形/長方形 12"/>
           <p:cNvSpPr/>
           <p:nvPr/>
         </p:nvSpPr>
         <p:spPr>
           <a:xfrm>
-            <a:off x="251520" y="2924944"/>
-            <a:ext cx="8640960" cy="504056"/>
+            <a:off x="6084168" y="5373216"/>
+            <a:ext cx="2304256" cy="792088"/>
           </a:xfrm>
-          <a:prstGeom prst="roundRect">
+          <a:prstGeom prst="rect">
             <a:avLst/>
           </a:prstGeom>
         </p:spPr>
@@ -29010,38 +29445,22 @@
           <a:p>
             <a:pPr algn="ctr"/>
             <a:r>
+              <a:rPr lang="en-US" altLang="ja-JP" dirty="0" smtClean="0">
+                <a:latin typeface="Times New Roman" panose="02020603050405020304" pitchFamily="18" charset="0"/>
+                <a:ea typeface="ＭＳ 明朝" panose="02020609040205080304" pitchFamily="17" charset="-128"/>
+                <a:cs typeface="Times New Roman" panose="02020603050405020304" pitchFamily="18" charset="0"/>
+              </a:rPr>
+              <a:t>AC</a:t>
+            </a:r>
+            <a:r>
               <a:rPr lang="ja-JP" altLang="en-US" dirty="0" smtClean="0">
                 <a:latin typeface="Times New Roman" panose="02020603050405020304" pitchFamily="18" charset="0"/>
                 <a:ea typeface="ＭＳ 明朝" panose="02020609040205080304" pitchFamily="17" charset="-128"/>
                 <a:cs typeface="Times New Roman" panose="02020603050405020304" pitchFamily="18" charset="0"/>
               </a:rPr>
-              <a:t>プロジェクト・タイム＆コスト・マネジメント：</a:t>
-            </a:r>
-            <a:r>
-              <a:rPr lang="en-US" altLang="ja-JP" dirty="0" smtClean="0">
-                <a:latin typeface="Times New Roman" panose="02020603050405020304" pitchFamily="18" charset="0"/>
-                <a:ea typeface="ＭＳ 明朝" panose="02020609040205080304" pitchFamily="17" charset="-128"/>
-                <a:cs typeface="Times New Roman" panose="02020603050405020304" pitchFamily="18" charset="0"/>
-              </a:rPr>
-              <a:t>EVM</a:t>
-            </a:r>
-            <a:r>
-              <a:rPr lang="ja-JP" altLang="en-US" dirty="0">
-                <a:latin typeface="Times New Roman" panose="02020603050405020304" pitchFamily="18" charset="0"/>
-                <a:ea typeface="ＭＳ 明朝" panose="02020609040205080304" pitchFamily="17" charset="-128"/>
-                <a:cs typeface="Times New Roman" panose="02020603050405020304" pitchFamily="18" charset="0"/>
-              </a:rPr>
-              <a:t>を</a:t>
-            </a:r>
-            <a:r>
-              <a:rPr lang="ja-JP" altLang="en-US" dirty="0" smtClean="0">
-                <a:latin typeface="Times New Roman" panose="02020603050405020304" pitchFamily="18" charset="0"/>
-                <a:ea typeface="ＭＳ 明朝" panose="02020609040205080304" pitchFamily="17" charset="-128"/>
-                <a:cs typeface="Times New Roman" panose="02020603050405020304" pitchFamily="18" charset="0"/>
-              </a:rPr>
-              <a:t>活用し管理する</a:t>
-            </a:r>
-            <a:endParaRPr lang="en-US" altLang="ja-JP" dirty="0" smtClean="0">
+              <a:t>の低減</a:t>
+            </a:r>
+            <a:endParaRPr kumimoji="1" lang="ja-JP" altLang="en-US" dirty="0">
               <a:latin typeface="Times New Roman" panose="02020603050405020304" pitchFamily="18" charset="0"/>
               <a:ea typeface="ＭＳ 明朝" panose="02020609040205080304" pitchFamily="17" charset="-128"/>
               <a:cs typeface="Times New Roman" panose="02020603050405020304" pitchFamily="18" charset="0"/>
@@ -29049,16 +29468,133 @@
           </a:p>
         </p:txBody>
       </p:sp>
+      <p:cxnSp>
+        <p:nvCxnSpPr>
+          <p:cNvPr id="7" name="カギ線コネクタ 6"/>
+          <p:cNvCxnSpPr>
+            <a:stCxn id="9" idx="4"/>
+            <a:endCxn id="11" idx="0"/>
+          </p:cNvCxnSpPr>
+          <p:nvPr/>
+        </p:nvCxnSpPr>
+        <p:spPr>
+          <a:xfrm rot="5400000">
+            <a:off x="2722636" y="3523854"/>
+            <a:ext cx="1034430" cy="2664294"/>
+          </a:xfrm>
+          <a:prstGeom prst="bentConnector3">
+            <a:avLst/>
+          </a:prstGeom>
+          <a:ln w="25400">
+            <a:solidFill>
+              <a:schemeClr val="tx1"/>
+            </a:solidFill>
+            <a:tailEnd type="arrow"/>
+          </a:ln>
+        </p:spPr>
+        <p:style>
+          <a:lnRef idx="1">
+            <a:schemeClr val="accent1"/>
+          </a:lnRef>
+          <a:fillRef idx="0">
+            <a:schemeClr val="accent1"/>
+          </a:fillRef>
+          <a:effectRef idx="0">
+            <a:schemeClr val="accent1"/>
+          </a:effectRef>
+          <a:fontRef idx="minor">
+            <a:schemeClr val="tx1"/>
+          </a:fontRef>
+        </p:style>
+      </p:cxnSp>
+      <p:cxnSp>
+        <p:nvCxnSpPr>
+          <p:cNvPr id="15" name="カギ線コネクタ 14"/>
+          <p:cNvCxnSpPr>
+            <a:stCxn id="9" idx="4"/>
+            <a:endCxn id="13" idx="0"/>
+          </p:cNvCxnSpPr>
+          <p:nvPr/>
+        </p:nvCxnSpPr>
+        <p:spPr>
+          <a:xfrm rot="16200000" flipH="1">
+            <a:off x="5386932" y="3523852"/>
+            <a:ext cx="1034430" cy="2664298"/>
+          </a:xfrm>
+          <a:prstGeom prst="bentConnector3">
+            <a:avLst/>
+          </a:prstGeom>
+          <a:ln w="25400">
+            <a:solidFill>
+              <a:schemeClr val="tx1"/>
+            </a:solidFill>
+            <a:tailEnd type="arrow"/>
+          </a:ln>
+        </p:spPr>
+        <p:style>
+          <a:lnRef idx="1">
+            <a:schemeClr val="accent1"/>
+          </a:lnRef>
+          <a:fillRef idx="0">
+            <a:schemeClr val="accent1"/>
+          </a:fillRef>
+          <a:effectRef idx="0">
+            <a:schemeClr val="accent1"/>
+          </a:effectRef>
+          <a:fontRef idx="minor">
+            <a:schemeClr val="tx1"/>
+          </a:fontRef>
+        </p:style>
+      </p:cxnSp>
+      <p:cxnSp>
+        <p:nvCxnSpPr>
+          <p:cNvPr id="17" name="直線矢印コネクタ 16"/>
+          <p:cNvCxnSpPr>
+            <a:stCxn id="9" idx="4"/>
+            <a:endCxn id="12" idx="0"/>
+          </p:cNvCxnSpPr>
+          <p:nvPr/>
+        </p:nvCxnSpPr>
+        <p:spPr>
+          <a:xfrm>
+            <a:off x="4571998" y="4338786"/>
+            <a:ext cx="2" cy="1034430"/>
+          </a:xfrm>
+          <a:prstGeom prst="straightConnector1">
+            <a:avLst/>
+          </a:prstGeom>
+          <a:ln w="25400">
+            <a:solidFill>
+              <a:schemeClr val="tx1"/>
+            </a:solidFill>
+            <a:tailEnd type="arrow"/>
+          </a:ln>
+        </p:spPr>
+        <p:style>
+          <a:lnRef idx="1">
+            <a:schemeClr val="accent1"/>
+          </a:lnRef>
+          <a:fillRef idx="0">
+            <a:schemeClr val="accent1"/>
+          </a:fillRef>
+          <a:effectRef idx="0">
+            <a:schemeClr val="accent1"/>
+          </a:effectRef>
+          <a:fontRef idx="minor">
+            <a:schemeClr val="tx1"/>
+          </a:fontRef>
+        </p:style>
+      </p:cxnSp>
       <p:sp>
         <p:nvSpPr>
-          <p:cNvPr id="9" name="角丸四角形 8"/>
+          <p:cNvPr id="18" name="角丸四角形 17"/>
           <p:cNvSpPr/>
           <p:nvPr/>
         </p:nvSpPr>
         <p:spPr>
           <a:xfrm>
-            <a:off x="251520" y="3573016"/>
-            <a:ext cx="8640960" cy="504056"/>
+            <a:off x="2483768" y="1700808"/>
+            <a:ext cx="4176464" cy="1008112"/>
           </a:xfrm>
           <a:prstGeom prst="roundRect">
             <a:avLst/>
@@ -29066,13 +29602,13 @@
         </p:spPr>
         <p:style>
           <a:lnRef idx="1">
-            <a:schemeClr val="accent6"/>
+            <a:schemeClr val="accent5"/>
           </a:lnRef>
           <a:fillRef idx="2">
-            <a:schemeClr val="accent6"/>
+            <a:schemeClr val="accent5"/>
           </a:fillRef>
           <a:effectRef idx="1">
-            <a:schemeClr val="accent6"/>
+            <a:schemeClr val="accent5"/>
           </a:effectRef>
           <a:fontRef idx="minor">
             <a:schemeClr val="dk1"/>
@@ -29084,164 +29620,62 @@
           <a:p>
             <a:pPr algn="ctr"/>
             <a:r>
-              <a:rPr lang="ja-JP" altLang="en-US" dirty="0" smtClean="0">
+              <a:rPr kumimoji="1" lang="en-US" altLang="ja-JP" sz="2400" dirty="0" smtClean="0">
                 <a:latin typeface="Times New Roman" panose="02020603050405020304" pitchFamily="18" charset="0"/>
                 <a:ea typeface="ＭＳ 明朝" panose="02020609040205080304" pitchFamily="17" charset="-128"/>
                 <a:cs typeface="Times New Roman" panose="02020603050405020304" pitchFamily="18" charset="0"/>
               </a:rPr>
-              <a:t>プロジェクト品質マネジメント：損害度を品質として管理する</a:t>
-            </a:r>
-            <a:endParaRPr lang="en-US" altLang="ja-JP" dirty="0" smtClean="0">
-              <a:latin typeface="Times New Roman" panose="02020603050405020304" pitchFamily="18" charset="0"/>
-              <a:ea typeface="ＭＳ 明朝" panose="02020609040205080304" pitchFamily="17" charset="-128"/>
-              <a:cs typeface="Times New Roman" panose="02020603050405020304" pitchFamily="18" charset="0"/>
-            </a:endParaRPr>
-          </a:p>
-        </p:txBody>
-      </p:sp>
-      <p:sp>
-        <p:nvSpPr>
-          <p:cNvPr id="10" name="角丸四角形 9"/>
-          <p:cNvSpPr/>
-          <p:nvPr/>
-        </p:nvSpPr>
-        <p:spPr>
-          <a:xfrm>
-            <a:off x="251520" y="4221088"/>
-            <a:ext cx="8640960" cy="504056"/>
-          </a:xfrm>
-          <a:prstGeom prst="roundRect">
-            <a:avLst/>
-          </a:prstGeom>
-        </p:spPr>
-        <p:style>
-          <a:lnRef idx="1">
-            <a:schemeClr val="accent6"/>
-          </a:lnRef>
-          <a:fillRef idx="2">
-            <a:schemeClr val="accent6"/>
-          </a:fillRef>
-          <a:effectRef idx="1">
-            <a:schemeClr val="accent6"/>
-          </a:effectRef>
-          <a:fontRef idx="minor">
-            <a:schemeClr val="dk1"/>
-          </a:fontRef>
-        </p:style>
-        <p:txBody>
-          <a:bodyPr rtlCol="0" anchor="ctr"/>
-          <a:lstStyle/>
-          <a:p>
-            <a:pPr algn="ctr"/>
-            <a:r>
-              <a:rPr lang="ja-JP" altLang="en-US" dirty="0" smtClean="0">
+              <a:t>20</a:t>
+            </a:r>
+            <a:r>
+              <a:rPr kumimoji="1" lang="ja-JP" altLang="en-US" sz="2400" dirty="0" smtClean="0">
                 <a:latin typeface="Times New Roman" panose="02020603050405020304" pitchFamily="18" charset="0"/>
                 <a:ea typeface="ＭＳ 明朝" panose="02020609040205080304" pitchFamily="17" charset="-128"/>
                 <a:cs typeface="Times New Roman" panose="02020603050405020304" pitchFamily="18" charset="0"/>
               </a:rPr>
-              <a:t>プロジェクト人的資源マネジメント：仲間をメンバとして管理する</a:t>
-            </a:r>
-            <a:endParaRPr lang="en-US" altLang="ja-JP" dirty="0" smtClean="0">
-              <a:latin typeface="Times New Roman" panose="02020603050405020304" pitchFamily="18" charset="0"/>
-              <a:ea typeface="ＭＳ 明朝" panose="02020609040205080304" pitchFamily="17" charset="-128"/>
-              <a:cs typeface="Times New Roman" panose="02020603050405020304" pitchFamily="18" charset="0"/>
-            </a:endParaRPr>
-          </a:p>
-        </p:txBody>
-      </p:sp>
-      <p:sp>
-        <p:nvSpPr>
-          <p:cNvPr id="11" name="角丸四角形 10"/>
-          <p:cNvSpPr/>
-          <p:nvPr/>
-        </p:nvSpPr>
-        <p:spPr>
-          <a:xfrm>
-            <a:off x="251520" y="4869160"/>
-            <a:ext cx="8640960" cy="504056"/>
-          </a:xfrm>
-          <a:prstGeom prst="roundRect">
-            <a:avLst/>
-          </a:prstGeom>
-        </p:spPr>
-        <p:style>
-          <a:lnRef idx="1">
-            <a:schemeClr val="accent6"/>
-          </a:lnRef>
-          <a:fillRef idx="2">
-            <a:schemeClr val="accent6"/>
-          </a:fillRef>
-          <a:effectRef idx="1">
-            <a:schemeClr val="accent6"/>
-          </a:effectRef>
-          <a:fontRef idx="minor">
-            <a:schemeClr val="dk1"/>
-          </a:fontRef>
-        </p:style>
-        <p:txBody>
-          <a:bodyPr rtlCol="0" anchor="ctr"/>
-          <a:lstStyle/>
-          <a:p>
-            <a:pPr algn="ctr"/>
-            <a:r>
-              <a:rPr lang="ja-JP" altLang="en-US" dirty="0" smtClean="0">
+              <a:t>代の男女</a:t>
+            </a:r>
+            <a:r>
+              <a:rPr kumimoji="1" lang="en-US" altLang="ja-JP" sz="2400" dirty="0" smtClean="0">
                 <a:latin typeface="Times New Roman" panose="02020603050405020304" pitchFamily="18" charset="0"/>
                 <a:ea typeface="ＭＳ 明朝" panose="02020609040205080304" pitchFamily="17" charset="-128"/>
                 <a:cs typeface="Times New Roman" panose="02020603050405020304" pitchFamily="18" charset="0"/>
               </a:rPr>
-              <a:t>プロジェクト・コミュニケーション・マネジメント：得た情報をまとめ活用する</a:t>
-            </a:r>
-            <a:endParaRPr lang="en-US" altLang="ja-JP" dirty="0" smtClean="0">
-              <a:latin typeface="Times New Roman" panose="02020603050405020304" pitchFamily="18" charset="0"/>
-              <a:ea typeface="ＭＳ 明朝" panose="02020609040205080304" pitchFamily="17" charset="-128"/>
-              <a:cs typeface="Times New Roman" panose="02020603050405020304" pitchFamily="18" charset="0"/>
-            </a:endParaRPr>
-          </a:p>
-        </p:txBody>
-      </p:sp>
-      <p:sp>
-        <p:nvSpPr>
-          <p:cNvPr id="12" name="角丸四角形 11"/>
-          <p:cNvSpPr/>
-          <p:nvPr/>
-        </p:nvSpPr>
-        <p:spPr>
-          <a:xfrm>
-            <a:off x="251520" y="5517232"/>
-            <a:ext cx="8640960" cy="504056"/>
-          </a:xfrm>
-          <a:prstGeom prst="roundRect">
-            <a:avLst/>
-          </a:prstGeom>
-        </p:spPr>
-        <p:style>
-          <a:lnRef idx="1">
-            <a:schemeClr val="accent6"/>
-          </a:lnRef>
-          <a:fillRef idx="2">
-            <a:schemeClr val="accent6"/>
-          </a:fillRef>
-          <a:effectRef idx="1">
-            <a:schemeClr val="accent6"/>
-          </a:effectRef>
-          <a:fontRef idx="minor">
-            <a:schemeClr val="dk1"/>
-          </a:fontRef>
-        </p:style>
-        <p:txBody>
-          <a:bodyPr rtlCol="0" anchor="ctr"/>
-          <a:lstStyle/>
-          <a:p>
-            <a:pPr algn="ctr"/>
-            <a:r>
-              <a:rPr lang="ja-JP" altLang="en-US" dirty="0" smtClean="0">
+              <a:t>6</a:t>
+            </a:r>
+            <a:r>
+              <a:rPr kumimoji="1" lang="ja-JP" altLang="en-US" sz="2400" dirty="0" smtClean="0">
                 <a:latin typeface="Times New Roman" panose="02020603050405020304" pitchFamily="18" charset="0"/>
                 <a:ea typeface="ＭＳ 明朝" panose="02020609040205080304" pitchFamily="17" charset="-128"/>
                 <a:cs typeface="Times New Roman" panose="02020603050405020304" pitchFamily="18" charset="0"/>
               </a:rPr>
-              <a:t>プロジェクト・リスク・マネジメント：ハプニングをリスクとして対処する</a:t>
-            </a:r>
-            <a:endParaRPr lang="en-US" altLang="ja-JP" dirty="0" smtClean="0">
+              <a:t>名で</a:t>
+            </a:r>
+            <a:r>
+              <a:rPr kumimoji="1" lang="en-US" altLang="ja-JP" sz="2400" dirty="0" smtClean="0">
+                <a:latin typeface="Times New Roman" panose="02020603050405020304" pitchFamily="18" charset="0"/>
+                <a:ea typeface="ＭＳ 明朝" panose="02020609040205080304" pitchFamily="17" charset="-128"/>
+                <a:cs typeface="Times New Roman" panose="02020603050405020304" pitchFamily="18" charset="0"/>
+              </a:rPr>
+              <a:t>2</a:t>
+            </a:r>
+            <a:r>
+              <a:rPr lang="ja-JP" altLang="en-US" sz="2400" dirty="0">
+                <a:latin typeface="Times New Roman" panose="02020603050405020304" pitchFamily="18" charset="0"/>
+                <a:ea typeface="ＭＳ 明朝" panose="02020609040205080304" pitchFamily="17" charset="-128"/>
+                <a:cs typeface="Times New Roman" panose="02020603050405020304" pitchFamily="18" charset="0"/>
+              </a:rPr>
+              <a:t>回</a:t>
+            </a:r>
+            <a:r>
+              <a:rPr kumimoji="1" lang="ja-JP" altLang="en-US" sz="2400" dirty="0" smtClean="0">
+                <a:latin typeface="Times New Roman" panose="02020603050405020304" pitchFamily="18" charset="0"/>
+                <a:ea typeface="ＭＳ 明朝" panose="02020609040205080304" pitchFamily="17" charset="-128"/>
+                <a:cs typeface="Times New Roman" panose="02020603050405020304" pitchFamily="18" charset="0"/>
+              </a:rPr>
+              <a:t>実験</a:t>
+            </a:r>
+            <a:endParaRPr kumimoji="1" lang="ja-JP" altLang="en-US" sz="2400" dirty="0">
               <a:latin typeface="Times New Roman" panose="02020603050405020304" pitchFamily="18" charset="0"/>
               <a:ea typeface="ＭＳ 明朝" panose="02020609040205080304" pitchFamily="17" charset="-128"/>
               <a:cs typeface="Times New Roman" panose="02020603050405020304" pitchFamily="18" charset="0"/>
@@ -29488,7 +29922,7 @@
           <p:nvPr>
             <p:extLst>
               <p:ext uri="{D42A27DB-BD31-4B8C-83A1-F6EECF244321}">
-                <p14:modId xmlns:p14="http://schemas.microsoft.com/office/powerpoint/2010/main" val="3128234398"/>
+                <p14:modId xmlns:p14="http://schemas.microsoft.com/office/powerpoint/2010/main" val="3230983588"/>
               </p:ext>
             </p:extLst>
           </p:nvPr>
@@ -29576,7 +30010,7 @@
     </p:spTree>
     <p:extLst>
       <p:ext uri="{BB962C8B-B14F-4D97-AF65-F5344CB8AC3E}">
-        <p14:creationId xmlns:p14="http://schemas.microsoft.com/office/powerpoint/2010/main" val="529798364"/>
+        <p14:creationId xmlns:p14="http://schemas.microsoft.com/office/powerpoint/2010/main" val="29061088"/>
       </p:ext>
     </p:extLst>
   </p:cSld>

--- a/卒業論文/2012/HTET MYET MUN WIN/卒論発表プレゼン.pptx
+++ b/卒業論文/2012/HTET MYET MUN WIN/卒論発表プレゼン.pptx
@@ -741,11 +741,11 @@
         </c:dLbls>
         <c:marker val="1"/>
         <c:smooth val="0"/>
-        <c:axId val="79257600"/>
-        <c:axId val="79259136"/>
+        <c:axId val="91506176"/>
+        <c:axId val="91507712"/>
       </c:lineChart>
       <c:catAx>
-        <c:axId val="79257600"/>
+        <c:axId val="91506176"/>
         <c:scaling>
           <c:orientation val="minMax"/>
         </c:scaling>
@@ -754,7 +754,7 @@
         <c:majorTickMark val="out"/>
         <c:minorTickMark val="none"/>
         <c:tickLblPos val="nextTo"/>
-        <c:crossAx val="79259136"/>
+        <c:crossAx val="91507712"/>
         <c:crosses val="autoZero"/>
         <c:auto val="1"/>
         <c:lblAlgn val="ctr"/>
@@ -762,7 +762,7 @@
         <c:noMultiLvlLbl val="0"/>
       </c:catAx>
       <c:valAx>
-        <c:axId val="79259136"/>
+        <c:axId val="91507712"/>
         <c:scaling>
           <c:orientation val="minMax"/>
         </c:scaling>
@@ -773,7 +773,7 @@
         <c:majorTickMark val="out"/>
         <c:minorTickMark val="none"/>
         <c:tickLblPos val="nextTo"/>
-        <c:crossAx val="79257600"/>
+        <c:crossAx val="91506176"/>
         <c:crosses val="autoZero"/>
         <c:crossBetween val="between"/>
       </c:valAx>
@@ -832,7 +832,7 @@
           <c:order val="0"/>
           <c:tx>
             <c:strRef>
-              <c:f>Sheet1!$C$2</c:f>
+              <c:f>Sheet1!$B$1</c:f>
               <c:strCache>
                 <c:ptCount val="1"/>
                 <c:pt idx="0">
@@ -843,7 +843,7 @@
           </c:tx>
           <c:cat>
             <c:strRef>
-              <c:f>Sheet1!$B$3:$B$24</c:f>
+              <c:f>Sheet1!$A$2:$A$23</c:f>
               <c:strCache>
                 <c:ptCount val="22"/>
                 <c:pt idx="0">
@@ -917,7 +917,7 @@
           </c:cat>
           <c:val>
             <c:numRef>
-              <c:f>Sheet1!$C$3:$C$24</c:f>
+              <c:f>Sheet1!$B$2:$B$23</c:f>
               <c:numCache>
                 <c:formatCode>General</c:formatCode>
                 <c:ptCount val="22"/>
@@ -997,7 +997,7 @@
           <c:order val="1"/>
           <c:tx>
             <c:strRef>
-              <c:f>Sheet1!$D$2</c:f>
+              <c:f>Sheet1!$C$1</c:f>
               <c:strCache>
                 <c:ptCount val="1"/>
                 <c:pt idx="0">
@@ -1008,7 +1008,7 @@
           </c:tx>
           <c:cat>
             <c:strRef>
-              <c:f>Sheet1!$B$3:$B$24</c:f>
+              <c:f>Sheet1!$A$2:$A$23</c:f>
               <c:strCache>
                 <c:ptCount val="22"/>
                 <c:pt idx="0">
@@ -1082,75 +1082,75 @@
           </c:cat>
           <c:val>
             <c:numRef>
-              <c:f>Sheet1!$D$3:$D$24</c:f>
+              <c:f>Sheet1!$C$2:$C$23</c:f>
               <c:numCache>
                 <c:formatCode>General</c:formatCode>
                 <c:ptCount val="22"/>
                 <c:pt idx="0">
-                  <c:v>3500</c:v>
+                  <c:v>3000</c:v>
                 </c:pt>
                 <c:pt idx="1">
                   <c:v>4500</c:v>
                 </c:pt>
                 <c:pt idx="2">
-                  <c:v>5500</c:v>
+                  <c:v>6000</c:v>
                 </c:pt>
                 <c:pt idx="3">
-                  <c:v>6500</c:v>
+                  <c:v>7500</c:v>
                 </c:pt>
                 <c:pt idx="4">
-                  <c:v>9100</c:v>
+                  <c:v>9000</c:v>
                 </c:pt>
                 <c:pt idx="5">
-                  <c:v>11700</c:v>
+                  <c:v>10500</c:v>
                 </c:pt>
                 <c:pt idx="6">
-                  <c:v>14300</c:v>
+                  <c:v>12000</c:v>
                 </c:pt>
                 <c:pt idx="7">
-                  <c:v>16900</c:v>
+                  <c:v>13500</c:v>
                 </c:pt>
                 <c:pt idx="8">
+                  <c:v>15000</c:v>
+                </c:pt>
+                <c:pt idx="9">
+                  <c:v>16500</c:v>
+                </c:pt>
+                <c:pt idx="10">
+                  <c:v>18000</c:v>
+                </c:pt>
+                <c:pt idx="11">
                   <c:v>19500</c:v>
                 </c:pt>
-                <c:pt idx="9">
-                  <c:v>23100</c:v>
-                </c:pt>
-                <c:pt idx="10">
-                  <c:v>25700</c:v>
-                </c:pt>
-                <c:pt idx="11">
-                  <c:v>28300</c:v>
-                </c:pt>
                 <c:pt idx="12">
-                  <c:v>30900</c:v>
+                  <c:v>21000</c:v>
                 </c:pt>
                 <c:pt idx="13">
-                  <c:v>33500</c:v>
+                  <c:v>22500</c:v>
                 </c:pt>
                 <c:pt idx="14">
-                  <c:v>37100</c:v>
+                  <c:v>24000</c:v>
                 </c:pt>
                 <c:pt idx="15">
-                  <c:v>39700</c:v>
+                  <c:v>25500</c:v>
                 </c:pt>
                 <c:pt idx="16">
-                  <c:v>42300</c:v>
+                  <c:v>27000</c:v>
                 </c:pt>
                 <c:pt idx="17">
-                  <c:v>44900</c:v>
+                  <c:v>28500</c:v>
                 </c:pt>
                 <c:pt idx="18">
-                  <c:v>47500</c:v>
+                  <c:v>30000</c:v>
                 </c:pt>
                 <c:pt idx="19">
-                  <c:v>52100</c:v>
+                  <c:v>31600</c:v>
                 </c:pt>
                 <c:pt idx="20">
-                  <c:v>54700</c:v>
+                  <c:v>33200</c:v>
                 </c:pt>
                 <c:pt idx="21">
-                  <c:v>57300</c:v>
+                  <c:v>34800</c:v>
                 </c:pt>
               </c:numCache>
             </c:numRef>
@@ -1162,7 +1162,7 @@
           <c:order val="2"/>
           <c:tx>
             <c:strRef>
-              <c:f>Sheet1!$E$2</c:f>
+              <c:f>Sheet1!$D$1</c:f>
               <c:strCache>
                 <c:ptCount val="1"/>
                 <c:pt idx="0">
@@ -1173,7 +1173,7 @@
           </c:tx>
           <c:cat>
             <c:strRef>
-              <c:f>Sheet1!$B$3:$B$24</c:f>
+              <c:f>Sheet1!$A$2:$A$23</c:f>
               <c:strCache>
                 <c:ptCount val="22"/>
                 <c:pt idx="0">
@@ -1247,75 +1247,75 @@
           </c:cat>
           <c:val>
             <c:numRef>
-              <c:f>Sheet1!$E$3:$E$24</c:f>
+              <c:f>Sheet1!$D$2:$D$23</c:f>
               <c:numCache>
                 <c:formatCode>General</c:formatCode>
                 <c:ptCount val="22"/>
                 <c:pt idx="0">
-                  <c:v>0</c:v>
+                  <c:v>1800</c:v>
                 </c:pt>
                 <c:pt idx="1">
-                  <c:v>0</c:v>
+                  <c:v>3600</c:v>
                 </c:pt>
                 <c:pt idx="2">
-                  <c:v>0</c:v>
+                  <c:v>5400</c:v>
                 </c:pt>
                 <c:pt idx="3">
-                  <c:v>0</c:v>
+                  <c:v>5400</c:v>
                 </c:pt>
                 <c:pt idx="4">
-                  <c:v>1800</c:v>
+                  <c:v>7200</c:v>
                 </c:pt>
                 <c:pt idx="5">
-                  <c:v>1800</c:v>
+                  <c:v>9000</c:v>
                 </c:pt>
                 <c:pt idx="6">
-                  <c:v>1800</c:v>
+                  <c:v>10800</c:v>
                 </c:pt>
                 <c:pt idx="7">
-                  <c:v>1800</c:v>
+                  <c:v>12600</c:v>
                 </c:pt>
                 <c:pt idx="8">
-                  <c:v>1800</c:v>
+                  <c:v>14400</c:v>
                 </c:pt>
                 <c:pt idx="9">
-                  <c:v>1800</c:v>
+                  <c:v>16200</c:v>
                 </c:pt>
                 <c:pt idx="10">
-                  <c:v>3600</c:v>
+                  <c:v>18000</c:v>
                 </c:pt>
                 <c:pt idx="11">
-                  <c:v>5400</c:v>
+                  <c:v>19800</c:v>
                 </c:pt>
                 <c:pt idx="12">
-                  <c:v>7200</c:v>
+                  <c:v>21600</c:v>
                 </c:pt>
                 <c:pt idx="13">
-                  <c:v>9000</c:v>
+                  <c:v>23400</c:v>
                 </c:pt>
                 <c:pt idx="14">
-                  <c:v>10800</c:v>
+                  <c:v>25200</c:v>
                 </c:pt>
                 <c:pt idx="15">
-                  <c:v>12600</c:v>
+                  <c:v>27000</c:v>
                 </c:pt>
                 <c:pt idx="16">
-                  <c:v>14400</c:v>
+                  <c:v>27000</c:v>
                 </c:pt>
                 <c:pt idx="17">
-                  <c:v>16200</c:v>
+                  <c:v>28800</c:v>
                 </c:pt>
                 <c:pt idx="18">
-                  <c:v>18000</c:v>
+                  <c:v>30600</c:v>
                 </c:pt>
                 <c:pt idx="19">
-                  <c:v>19800</c:v>
+                  <c:v>30600</c:v>
                 </c:pt>
                 <c:pt idx="20">
-                  <c:v>21600</c:v>
+                  <c:v>30600</c:v>
                 </c:pt>
                 <c:pt idx="21">
-                  <c:v>23400</c:v>
+                  <c:v>30600</c:v>
                 </c:pt>
               </c:numCache>
             </c:numRef>
@@ -1332,11 +1332,11 @@
         </c:dLbls>
         <c:marker val="1"/>
         <c:smooth val="0"/>
-        <c:axId val="106114432"/>
-        <c:axId val="106120320"/>
+        <c:axId val="160862976"/>
+        <c:axId val="160864512"/>
       </c:lineChart>
       <c:catAx>
-        <c:axId val="106114432"/>
+        <c:axId val="160862976"/>
         <c:scaling>
           <c:orientation val="minMax"/>
         </c:scaling>
@@ -1345,7 +1345,7 @@
         <c:majorTickMark val="out"/>
         <c:minorTickMark val="none"/>
         <c:tickLblPos val="nextTo"/>
-        <c:crossAx val="106120320"/>
+        <c:crossAx val="160864512"/>
         <c:crosses val="autoZero"/>
         <c:auto val="1"/>
         <c:lblAlgn val="ctr"/>
@@ -1353,7 +1353,7 @@
         <c:noMultiLvlLbl val="0"/>
       </c:catAx>
       <c:valAx>
-        <c:axId val="106120320"/>
+        <c:axId val="160864512"/>
         <c:scaling>
           <c:orientation val="minMax"/>
         </c:scaling>
@@ -1364,7 +1364,7 @@
         <c:majorTickMark val="out"/>
         <c:minorTickMark val="none"/>
         <c:tickLblPos val="nextTo"/>
-        <c:crossAx val="106114432"/>
+        <c:crossAx val="160862976"/>
         <c:crosses val="autoZero"/>
         <c:crossBetween val="between"/>
       </c:valAx>
@@ -1911,11 +1911,11 @@
         </c:dLbls>
         <c:marker val="1"/>
         <c:smooth val="0"/>
-        <c:axId val="104473344"/>
-        <c:axId val="104474880"/>
+        <c:axId val="93462528"/>
+        <c:axId val="93464064"/>
       </c:lineChart>
       <c:catAx>
-        <c:axId val="104473344"/>
+        <c:axId val="93462528"/>
         <c:scaling>
           <c:orientation val="minMax"/>
         </c:scaling>
@@ -1924,7 +1924,7 @@
         <c:majorTickMark val="out"/>
         <c:minorTickMark val="none"/>
         <c:tickLblPos val="nextTo"/>
-        <c:crossAx val="104474880"/>
+        <c:crossAx val="93464064"/>
         <c:crosses val="autoZero"/>
         <c:auto val="1"/>
         <c:lblAlgn val="ctr"/>
@@ -1932,7 +1932,7 @@
         <c:noMultiLvlLbl val="0"/>
       </c:catAx>
       <c:valAx>
-        <c:axId val="104474880"/>
+        <c:axId val="93464064"/>
         <c:scaling>
           <c:orientation val="minMax"/>
         </c:scaling>
@@ -1943,7 +1943,7 @@
         <c:majorTickMark val="out"/>
         <c:minorTickMark val="none"/>
         <c:tickLblPos val="nextTo"/>
-        <c:crossAx val="104473344"/>
+        <c:crossAx val="93462528"/>
         <c:crosses val="autoZero"/>
         <c:crossBetween val="between"/>
       </c:valAx>
@@ -2002,7 +2002,7 @@
           <c:order val="0"/>
           <c:tx>
             <c:strRef>
-              <c:f>Sheet1!$C$2</c:f>
+              <c:f>Sheet1!$B$1</c:f>
               <c:strCache>
                 <c:ptCount val="1"/>
                 <c:pt idx="0">
@@ -2013,7 +2013,7 @@
           </c:tx>
           <c:cat>
             <c:strRef>
-              <c:f>Sheet1!$B$3:$B$25</c:f>
+              <c:f>Sheet1!$A$2:$A$24</c:f>
               <c:strCache>
                 <c:ptCount val="23"/>
                 <c:pt idx="0">
@@ -2090,75 +2090,78 @@
           </c:cat>
           <c:val>
             <c:numRef>
-              <c:f>Sheet1!$C$3:$C$25</c:f>
+              <c:f>Sheet1!$B$2:$B$24</c:f>
               <c:numCache>
                 <c:formatCode>General</c:formatCode>
                 <c:ptCount val="23"/>
                 <c:pt idx="0">
-                  <c:v>1400</c:v>
+                  <c:v>1800</c:v>
                 </c:pt>
                 <c:pt idx="1">
-                  <c:v>2800</c:v>
+                  <c:v>3600</c:v>
                 </c:pt>
                 <c:pt idx="2">
-                  <c:v>4200</c:v>
+                  <c:v>5400</c:v>
                 </c:pt>
                 <c:pt idx="3">
-                  <c:v>5600</c:v>
+                  <c:v>7200</c:v>
                 </c:pt>
                 <c:pt idx="4">
-                  <c:v>7000</c:v>
+                  <c:v>9000</c:v>
                 </c:pt>
                 <c:pt idx="5">
-                  <c:v>8400</c:v>
+                  <c:v>10800</c:v>
                 </c:pt>
                 <c:pt idx="6">
-                  <c:v>9800</c:v>
+                  <c:v>12600</c:v>
                 </c:pt>
                 <c:pt idx="7">
-                  <c:v>11200</c:v>
+                  <c:v>14400</c:v>
                 </c:pt>
                 <c:pt idx="8">
-                  <c:v>12600</c:v>
+                  <c:v>16200</c:v>
                 </c:pt>
                 <c:pt idx="9">
-                  <c:v>14000</c:v>
+                  <c:v>18000</c:v>
                 </c:pt>
                 <c:pt idx="10">
-                  <c:v>15400</c:v>
+                  <c:v>19800</c:v>
                 </c:pt>
                 <c:pt idx="11">
-                  <c:v>16800</c:v>
+                  <c:v>21600</c:v>
                 </c:pt>
                 <c:pt idx="12">
-                  <c:v>18200</c:v>
+                  <c:v>23400</c:v>
                 </c:pt>
                 <c:pt idx="13">
-                  <c:v>19600</c:v>
+                  <c:v>25200</c:v>
                 </c:pt>
                 <c:pt idx="14">
-                  <c:v>21000</c:v>
+                  <c:v>27000</c:v>
                 </c:pt>
                 <c:pt idx="15">
-                  <c:v>22400</c:v>
+                  <c:v>28800</c:v>
                 </c:pt>
                 <c:pt idx="16">
-                  <c:v>23800</c:v>
+                  <c:v>30600</c:v>
                 </c:pt>
                 <c:pt idx="17">
-                  <c:v>25200</c:v>
+                  <c:v>32400</c:v>
                 </c:pt>
                 <c:pt idx="18">
-                  <c:v>26600</c:v>
+                  <c:v>34200</c:v>
                 </c:pt>
                 <c:pt idx="19">
-                  <c:v>28000</c:v>
+                  <c:v>36000</c:v>
                 </c:pt>
                 <c:pt idx="20">
-                  <c:v>29400</c:v>
+                  <c:v>37800</c:v>
                 </c:pt>
                 <c:pt idx="21">
-                  <c:v>30000</c:v>
+                  <c:v>40000</c:v>
+                </c:pt>
+                <c:pt idx="22">
+                  <c:v>40000</c:v>
                 </c:pt>
               </c:numCache>
             </c:numRef>
@@ -2170,7 +2173,7 @@
           <c:order val="1"/>
           <c:tx>
             <c:strRef>
-              <c:f>Sheet1!$D$2</c:f>
+              <c:f>Sheet1!$C$1</c:f>
               <c:strCache>
                 <c:ptCount val="1"/>
                 <c:pt idx="0">
@@ -2181,7 +2184,7 @@
           </c:tx>
           <c:cat>
             <c:strRef>
-              <c:f>Sheet1!$B$3:$B$25</c:f>
+              <c:f>Sheet1!$A$2:$A$24</c:f>
               <c:strCache>
                 <c:ptCount val="23"/>
                 <c:pt idx="0">
@@ -2258,75 +2261,78 @@
           </c:cat>
           <c:val>
             <c:numRef>
-              <c:f>Sheet1!$D$3:$D$25</c:f>
+              <c:f>Sheet1!$C$2:$C$24</c:f>
               <c:numCache>
                 <c:formatCode>General</c:formatCode>
                 <c:ptCount val="23"/>
                 <c:pt idx="0">
-                  <c:v>1100</c:v>
+                  <c:v>3000</c:v>
                 </c:pt>
                 <c:pt idx="1">
-                  <c:v>2200</c:v>
+                  <c:v>4500</c:v>
                 </c:pt>
                 <c:pt idx="2">
-                  <c:v>3300</c:v>
+                  <c:v>6000</c:v>
                 </c:pt>
                 <c:pt idx="3">
-                  <c:v>4400</c:v>
+                  <c:v>7500</c:v>
                 </c:pt>
                 <c:pt idx="4">
-                  <c:v>6500</c:v>
+                  <c:v>9000</c:v>
                 </c:pt>
                 <c:pt idx="5">
-                  <c:v>7600</c:v>
+                  <c:v>10500</c:v>
                 </c:pt>
                 <c:pt idx="6">
-                  <c:v>8700</c:v>
+                  <c:v>12000</c:v>
                 </c:pt>
                 <c:pt idx="7">
-                  <c:v>9800</c:v>
+                  <c:v>13500</c:v>
                 </c:pt>
                 <c:pt idx="8">
-                  <c:v>10900</c:v>
+                  <c:v>15000</c:v>
                 </c:pt>
                 <c:pt idx="9">
-                  <c:v>13000</c:v>
+                  <c:v>16500</c:v>
                 </c:pt>
                 <c:pt idx="10">
-                  <c:v>14100</c:v>
+                  <c:v>18000</c:v>
                 </c:pt>
                 <c:pt idx="11">
-                  <c:v>15200</c:v>
+                  <c:v>19500</c:v>
                 </c:pt>
                 <c:pt idx="12">
-                  <c:v>16300</c:v>
+                  <c:v>21000</c:v>
                 </c:pt>
                 <c:pt idx="13">
-                  <c:v>17400</c:v>
+                  <c:v>22500</c:v>
                 </c:pt>
                 <c:pt idx="14">
-                  <c:v>19500</c:v>
+                  <c:v>24000</c:v>
                 </c:pt>
                 <c:pt idx="15">
-                  <c:v>20600</c:v>
+                  <c:v>25500</c:v>
                 </c:pt>
                 <c:pt idx="16">
-                  <c:v>21700</c:v>
+                  <c:v>27000</c:v>
                 </c:pt>
                 <c:pt idx="17">
-                  <c:v>22800</c:v>
+                  <c:v>28500</c:v>
                 </c:pt>
                 <c:pt idx="18">
-                  <c:v>23900</c:v>
+                  <c:v>30000</c:v>
                 </c:pt>
                 <c:pt idx="19">
-                  <c:v>27300</c:v>
+                  <c:v>31600</c:v>
                 </c:pt>
                 <c:pt idx="20">
-                  <c:v>29200</c:v>
+                  <c:v>33200</c:v>
                 </c:pt>
                 <c:pt idx="21">
-                  <c:v>31100</c:v>
+                  <c:v>34800</c:v>
+                </c:pt>
+                <c:pt idx="22">
+                  <c:v>36400</c:v>
                 </c:pt>
               </c:numCache>
             </c:numRef>
@@ -2338,7 +2344,7 @@
           <c:order val="2"/>
           <c:tx>
             <c:strRef>
-              <c:f>Sheet1!$E$2</c:f>
+              <c:f>Sheet1!$D$1</c:f>
               <c:strCache>
                 <c:ptCount val="1"/>
                 <c:pt idx="0">
@@ -2349,7 +2355,7 @@
           </c:tx>
           <c:cat>
             <c:strRef>
-              <c:f>Sheet1!$B$3:$B$25</c:f>
+              <c:f>Sheet1!$A$2:$A$24</c:f>
               <c:strCache>
                 <c:ptCount val="23"/>
                 <c:pt idx="0">
@@ -2426,75 +2432,78 @@
           </c:cat>
           <c:val>
             <c:numRef>
-              <c:f>Sheet1!$E$3:$E$25</c:f>
+              <c:f>Sheet1!$D$2:$D$24</c:f>
               <c:numCache>
                 <c:formatCode>General</c:formatCode>
                 <c:ptCount val="23"/>
                 <c:pt idx="0">
-                  <c:v>1400</c:v>
+                  <c:v>1800</c:v>
                 </c:pt>
                 <c:pt idx="1">
-                  <c:v>2800</c:v>
+                  <c:v>3600</c:v>
                 </c:pt>
                 <c:pt idx="2">
-                  <c:v>4200</c:v>
+                  <c:v>5400</c:v>
                 </c:pt>
                 <c:pt idx="3">
-                  <c:v>4200</c:v>
+                  <c:v>5400</c:v>
                 </c:pt>
                 <c:pt idx="4">
-                  <c:v>5600</c:v>
+                  <c:v>7200</c:v>
                 </c:pt>
                 <c:pt idx="5">
-                  <c:v>7000</c:v>
+                  <c:v>9000</c:v>
                 </c:pt>
                 <c:pt idx="6">
-                  <c:v>7000</c:v>
+                  <c:v>10800</c:v>
                 </c:pt>
                 <c:pt idx="7">
-                  <c:v>8400</c:v>
+                  <c:v>12600</c:v>
                 </c:pt>
                 <c:pt idx="8">
-                  <c:v>9800</c:v>
+                  <c:v>14400</c:v>
                 </c:pt>
                 <c:pt idx="9">
-                  <c:v>11200</c:v>
+                  <c:v>16200</c:v>
                 </c:pt>
                 <c:pt idx="10">
-                  <c:v>12600</c:v>
+                  <c:v>18000</c:v>
                 </c:pt>
                 <c:pt idx="11">
-                  <c:v>14000</c:v>
+                  <c:v>19800</c:v>
                 </c:pt>
                 <c:pt idx="12">
-                  <c:v>15400</c:v>
+                  <c:v>21600</c:v>
                 </c:pt>
                 <c:pt idx="13">
-                  <c:v>16800</c:v>
+                  <c:v>23400</c:v>
                 </c:pt>
                 <c:pt idx="14">
-                  <c:v>18200</c:v>
+                  <c:v>25200</c:v>
                 </c:pt>
                 <c:pt idx="15">
-                  <c:v>19600</c:v>
+                  <c:v>27000</c:v>
                 </c:pt>
                 <c:pt idx="16">
-                  <c:v>21000</c:v>
+                  <c:v>27000</c:v>
                 </c:pt>
                 <c:pt idx="17">
-                  <c:v>21000</c:v>
+                  <c:v>28800</c:v>
                 </c:pt>
                 <c:pt idx="18">
-                  <c:v>21000</c:v>
+                  <c:v>30600</c:v>
                 </c:pt>
                 <c:pt idx="19">
-                  <c:v>22400</c:v>
+                  <c:v>30600</c:v>
                 </c:pt>
                 <c:pt idx="20">
-                  <c:v>23800</c:v>
+                  <c:v>30600</c:v>
                 </c:pt>
                 <c:pt idx="21">
-                  <c:v>25200</c:v>
+                  <c:v>30600</c:v>
+                </c:pt>
+                <c:pt idx="22">
+                  <c:v>32400</c:v>
                 </c:pt>
               </c:numCache>
             </c:numRef>
@@ -2511,11 +2520,11 @@
         </c:dLbls>
         <c:marker val="1"/>
         <c:smooth val="0"/>
-        <c:axId val="104511360"/>
-        <c:axId val="104512896"/>
+        <c:axId val="84025344"/>
+        <c:axId val="84026880"/>
       </c:lineChart>
       <c:catAx>
-        <c:axId val="104511360"/>
+        <c:axId val="84025344"/>
         <c:scaling>
           <c:orientation val="minMax"/>
         </c:scaling>
@@ -2524,7 +2533,7 @@
         <c:majorTickMark val="out"/>
         <c:minorTickMark val="none"/>
         <c:tickLblPos val="nextTo"/>
-        <c:crossAx val="104512896"/>
+        <c:crossAx val="84026880"/>
         <c:crosses val="autoZero"/>
         <c:auto val="1"/>
         <c:lblAlgn val="ctr"/>
@@ -2532,7 +2541,7 @@
         <c:noMultiLvlLbl val="0"/>
       </c:catAx>
       <c:valAx>
-        <c:axId val="104512896"/>
+        <c:axId val="84026880"/>
         <c:scaling>
           <c:orientation val="minMax"/>
         </c:scaling>
@@ -2543,7 +2552,7 @@
         <c:majorTickMark val="out"/>
         <c:minorTickMark val="none"/>
         <c:tickLblPos val="nextTo"/>
-        <c:crossAx val="104511360"/>
+        <c:crossAx val="84025344"/>
         <c:crosses val="autoZero"/>
         <c:crossBetween val="between"/>
       </c:valAx>
@@ -2564,7 +2573,6 @@
       <a:pPr>
         <a:defRPr sz="1200">
           <a:latin typeface="Times New Roman" panose="02020603050405020304" pitchFamily="18" charset="0"/>
-          <a:ea typeface="ＭＳ 明朝" panose="02020609040205080304" pitchFamily="17" charset="-128"/>
           <a:cs typeface="Times New Roman" panose="02020603050405020304" pitchFamily="18" charset="0"/>
         </a:defRPr>
       </a:pPr>
@@ -18244,6 +18252,28 @@
           <a:chExt cx="0" cy="0"/>
         </a:xfrm>
       </p:grpSpPr>
+      <p:graphicFrame>
+        <p:nvGraphicFramePr>
+          <p:cNvPr id="10" name="グラフ 9"/>
+          <p:cNvGraphicFramePr/>
+          <p:nvPr>
+            <p:extLst>
+              <p:ext uri="{D42A27DB-BD31-4B8C-83A1-F6EECF244321}">
+                <p14:modId xmlns:p14="http://schemas.microsoft.com/office/powerpoint/2010/main" val="1401319978"/>
+              </p:ext>
+            </p:extLst>
+          </p:nvPr>
+        </p:nvGraphicFramePr>
+        <p:xfrm>
+          <a:off x="0" y="1556792"/>
+          <a:ext cx="9144000" cy="4752528"/>
+        </p:xfrm>
+        <a:graphic>
+          <a:graphicData uri="http://schemas.openxmlformats.org/drawingml/2006/chart">
+            <c:chart xmlns:c="http://schemas.openxmlformats.org/drawingml/2006/chart" xmlns:r="http://schemas.openxmlformats.org/officeDocument/2006/relationships" r:id="rId2"/>
+          </a:graphicData>
+        </a:graphic>
+      </p:graphicFrame>
       <p:sp>
         <p:nvSpPr>
           <p:cNvPr id="2" name="日付プレースホルダー 1"/>
@@ -18439,28 +18469,6 @@
           </a:p>
         </p:txBody>
       </p:sp>
-      <p:graphicFrame>
-        <p:nvGraphicFramePr>
-          <p:cNvPr id="8" name="グラフ 7"/>
-          <p:cNvGraphicFramePr/>
-          <p:nvPr>
-            <p:extLst>
-              <p:ext uri="{D42A27DB-BD31-4B8C-83A1-F6EECF244321}">
-                <p14:modId xmlns:p14="http://schemas.microsoft.com/office/powerpoint/2010/main" val="1735971864"/>
-              </p:ext>
-            </p:extLst>
-          </p:nvPr>
-        </p:nvGraphicFramePr>
-        <p:xfrm>
-          <a:off x="0" y="1556792"/>
-          <a:ext cx="9144000" cy="4752528"/>
-        </p:xfrm>
-        <a:graphic>
-          <a:graphicData uri="http://schemas.openxmlformats.org/drawingml/2006/chart">
-            <c:chart xmlns:c="http://schemas.openxmlformats.org/drawingml/2006/chart" xmlns:r="http://schemas.openxmlformats.org/officeDocument/2006/relationships" r:id="rId2"/>
-          </a:graphicData>
-        </a:graphic>
-      </p:graphicFrame>
       <p:sp>
         <p:nvSpPr>
           <p:cNvPr id="9" name="テキスト ボックス 8"/>
@@ -18470,7 +18478,7 @@
         <p:spPr>
           <a:xfrm>
             <a:off x="668101" y="1797308"/>
-            <a:ext cx="3399844" cy="369332"/>
+            <a:ext cx="3903900" cy="369332"/>
           </a:xfrm>
           <a:prstGeom prst="rect">
             <a:avLst/>
@@ -18492,7 +18500,7 @@
               <a:t>予算：</a:t>
             </a:r>
             <a:r>
-              <a:rPr lang="en-US" altLang="ja-JP" dirty="0">
+              <a:rPr lang="en-US" altLang="ja-JP" dirty="0" smtClean="0">
                 <a:latin typeface="Times New Roman" panose="02020603050405020304" pitchFamily="18" charset="0"/>
                 <a:ea typeface="ＭＳ 明朝" panose="02020609040205080304" pitchFamily="17" charset="-128"/>
                 <a:cs typeface="Times New Roman" panose="02020603050405020304" pitchFamily="18" charset="0"/>
@@ -18508,6 +18516,14 @@
               <a:t>0000</a:t>
             </a:r>
             <a:r>
+              <a:rPr kumimoji="1" lang="ja-JP" altLang="en-US" dirty="0" smtClean="0">
+                <a:latin typeface="Times New Roman" panose="02020603050405020304" pitchFamily="18" charset="0"/>
+                <a:ea typeface="ＭＳ 明朝" panose="02020609040205080304" pitchFamily="17" charset="-128"/>
+                <a:cs typeface="Times New Roman" panose="02020603050405020304" pitchFamily="18" charset="0"/>
+              </a:rPr>
+              <a:t>円</a:t>
+            </a:r>
+            <a:r>
               <a:rPr lang="ja-JP" altLang="en-US" dirty="0">
                 <a:latin typeface="Times New Roman" panose="02020603050405020304" pitchFamily="18" charset="0"/>
                 <a:ea typeface="ＭＳ 明朝" panose="02020609040205080304" pitchFamily="17" charset="-128"/>
@@ -18530,6 +18546,14 @@
                 <a:cs typeface="Times New Roman" panose="02020603050405020304" pitchFamily="18" charset="0"/>
               </a:rPr>
               <a:t>37100</a:t>
+            </a:r>
+            <a:r>
+              <a:rPr lang="ja-JP" altLang="en-US" dirty="0" smtClean="0">
+                <a:latin typeface="Times New Roman" panose="02020603050405020304" pitchFamily="18" charset="0"/>
+                <a:ea typeface="ＭＳ 明朝" panose="02020609040205080304" pitchFamily="17" charset="-128"/>
+                <a:cs typeface="Times New Roman" panose="02020603050405020304" pitchFamily="18" charset="0"/>
+              </a:rPr>
+              <a:t>円</a:t>
             </a:r>
             <a:endParaRPr kumimoji="1" lang="en-US" altLang="ja-JP" dirty="0" smtClean="0">
               <a:latin typeface="Times New Roman" panose="02020603050405020304" pitchFamily="18" charset="0"/>
@@ -18801,8 +18825,8 @@
         </p:nvSpPr>
         <p:spPr>
           <a:xfrm>
-            <a:off x="668101" y="1797308"/>
-            <a:ext cx="3399844" cy="369332"/>
+            <a:off x="668100" y="1797308"/>
+            <a:ext cx="4047916" cy="369332"/>
           </a:xfrm>
           <a:prstGeom prst="rect">
             <a:avLst/>
@@ -18840,6 +18864,14 @@
               <a:t>0000</a:t>
             </a:r>
             <a:r>
+              <a:rPr kumimoji="1" lang="ja-JP" altLang="en-US" dirty="0" smtClean="0">
+                <a:latin typeface="Times New Roman" panose="02020603050405020304" pitchFamily="18" charset="0"/>
+                <a:ea typeface="ＭＳ 明朝" panose="02020609040205080304" pitchFamily="17" charset="-128"/>
+                <a:cs typeface="Times New Roman" panose="02020603050405020304" pitchFamily="18" charset="0"/>
+              </a:rPr>
+              <a:t>円</a:t>
+            </a:r>
+            <a:r>
               <a:rPr lang="ja-JP" altLang="en-US" dirty="0">
                 <a:latin typeface="Times New Roman" panose="02020603050405020304" pitchFamily="18" charset="0"/>
                 <a:ea typeface="ＭＳ 明朝" panose="02020609040205080304" pitchFamily="17" charset="-128"/>
@@ -18856,20 +18888,20 @@
               <a:t>コスト：</a:t>
             </a:r>
             <a:r>
-              <a:rPr lang="en-US" altLang="ja-JP" dirty="0">
-                <a:latin typeface="Times New Roman" panose="02020603050405020304" pitchFamily="18" charset="0"/>
-                <a:ea typeface="ＭＳ 明朝" panose="02020609040205080304" pitchFamily="17" charset="-128"/>
-                <a:cs typeface="Times New Roman" panose="02020603050405020304" pitchFamily="18" charset="0"/>
-              </a:rPr>
-              <a:t>410</a:t>
-            </a:r>
-            <a:r>
               <a:rPr lang="en-US" altLang="ja-JP" dirty="0" smtClean="0">
                 <a:latin typeface="Times New Roman" panose="02020603050405020304" pitchFamily="18" charset="0"/>
                 <a:ea typeface="ＭＳ 明朝" panose="02020609040205080304" pitchFamily="17" charset="-128"/>
                 <a:cs typeface="Times New Roman" panose="02020603050405020304" pitchFamily="18" charset="0"/>
               </a:rPr>
-              <a:t>00</a:t>
+              <a:t>41000</a:t>
+            </a:r>
+            <a:r>
+              <a:rPr lang="ja-JP" altLang="en-US" dirty="0" smtClean="0">
+                <a:latin typeface="Times New Roman" panose="02020603050405020304" pitchFamily="18" charset="0"/>
+                <a:ea typeface="ＭＳ 明朝" panose="02020609040205080304" pitchFamily="17" charset="-128"/>
+                <a:cs typeface="Times New Roman" panose="02020603050405020304" pitchFamily="18" charset="0"/>
+              </a:rPr>
+              <a:t>円</a:t>
             </a:r>
             <a:endParaRPr kumimoji="1" lang="en-US" altLang="ja-JP" dirty="0" smtClean="0">
               <a:latin typeface="Times New Roman" panose="02020603050405020304" pitchFamily="18" charset="0"/>
@@ -19111,28 +19143,6 @@
           </a:p>
         </p:txBody>
       </p:sp>
-      <p:graphicFrame>
-        <p:nvGraphicFramePr>
-          <p:cNvPr id="8" name="グラフ 7"/>
-          <p:cNvGraphicFramePr/>
-          <p:nvPr>
-            <p:extLst>
-              <p:ext uri="{D42A27DB-BD31-4B8C-83A1-F6EECF244321}">
-                <p14:modId xmlns:p14="http://schemas.microsoft.com/office/powerpoint/2010/main" val="3662013516"/>
-              </p:ext>
-            </p:extLst>
-          </p:nvPr>
-        </p:nvGraphicFramePr>
-        <p:xfrm>
-          <a:off x="0" y="1556792"/>
-          <a:ext cx="9143999" cy="4752528"/>
-        </p:xfrm>
-        <a:graphic>
-          <a:graphicData uri="http://schemas.openxmlformats.org/drawingml/2006/chart">
-            <c:chart xmlns:c="http://schemas.openxmlformats.org/drawingml/2006/chart" xmlns:r="http://schemas.openxmlformats.org/officeDocument/2006/relationships" r:id="rId2"/>
-          </a:graphicData>
-        </a:graphic>
-      </p:graphicFrame>
       <p:sp>
         <p:nvSpPr>
           <p:cNvPr id="10" name="テキスト ボックス 9"/>
@@ -19141,8 +19151,8 @@
         </p:nvSpPr>
         <p:spPr>
           <a:xfrm>
-            <a:off x="668101" y="1797308"/>
-            <a:ext cx="3399844" cy="369332"/>
+            <a:off x="668100" y="1797308"/>
+            <a:ext cx="3903899" cy="369332"/>
           </a:xfrm>
           <a:prstGeom prst="rect">
             <a:avLst/>
@@ -19180,6 +19190,14 @@
               <a:t>0000</a:t>
             </a:r>
             <a:r>
+              <a:rPr kumimoji="1" lang="ja-JP" altLang="en-US" dirty="0" smtClean="0">
+                <a:latin typeface="Times New Roman" panose="02020603050405020304" pitchFamily="18" charset="0"/>
+                <a:ea typeface="ＭＳ 明朝" panose="02020609040205080304" pitchFamily="17" charset="-128"/>
+                <a:cs typeface="Times New Roman" panose="02020603050405020304" pitchFamily="18" charset="0"/>
+              </a:rPr>
+              <a:t>円</a:t>
+            </a:r>
+            <a:r>
               <a:rPr lang="ja-JP" altLang="en-US" dirty="0">
                 <a:latin typeface="Times New Roman" panose="02020603050405020304" pitchFamily="18" charset="0"/>
                 <a:ea typeface="ＭＳ 明朝" panose="02020609040205080304" pitchFamily="17" charset="-128"/>
@@ -19202,6 +19220,14 @@
                 <a:cs typeface="Times New Roman" panose="02020603050405020304" pitchFamily="18" charset="0"/>
               </a:rPr>
               <a:t>36400</a:t>
+            </a:r>
+            <a:r>
+              <a:rPr lang="ja-JP" altLang="en-US" dirty="0" smtClean="0">
+                <a:latin typeface="Times New Roman" panose="02020603050405020304" pitchFamily="18" charset="0"/>
+                <a:ea typeface="ＭＳ 明朝" panose="02020609040205080304" pitchFamily="17" charset="-128"/>
+                <a:cs typeface="Times New Roman" panose="02020603050405020304" pitchFamily="18" charset="0"/>
+              </a:rPr>
+              <a:t>円</a:t>
             </a:r>
             <a:endParaRPr kumimoji="1" lang="en-US" altLang="ja-JP" dirty="0" smtClean="0">
               <a:latin typeface="Times New Roman" panose="02020603050405020304" pitchFamily="18" charset="0"/>
@@ -19211,6 +19237,30 @@
           </a:p>
         </p:txBody>
       </p:sp>
+      <p:graphicFrame>
+        <p:nvGraphicFramePr>
+          <p:cNvPr id="9" name="グラフ 8"/>
+          <p:cNvGraphicFramePr>
+            <a:graphicFrameLocks/>
+          </p:cNvGraphicFramePr>
+          <p:nvPr>
+            <p:extLst>
+              <p:ext uri="{D42A27DB-BD31-4B8C-83A1-F6EECF244321}">
+                <p14:modId xmlns:p14="http://schemas.microsoft.com/office/powerpoint/2010/main" val="2693383194"/>
+              </p:ext>
+            </p:extLst>
+          </p:nvPr>
+        </p:nvGraphicFramePr>
+        <p:xfrm>
+          <a:off x="0" y="1556792"/>
+          <a:ext cx="9144000" cy="4752528"/>
+        </p:xfrm>
+        <a:graphic>
+          <a:graphicData uri="http://schemas.openxmlformats.org/drawingml/2006/chart">
+            <c:chart xmlns:c="http://schemas.openxmlformats.org/drawingml/2006/chart" xmlns:r="http://schemas.openxmlformats.org/officeDocument/2006/relationships" r:id="rId2"/>
+          </a:graphicData>
+        </a:graphic>
+      </p:graphicFrame>
     </p:spTree>
     <p:extLst>
       <p:ext uri="{BB962C8B-B14F-4D97-AF65-F5344CB8AC3E}">
@@ -26326,18 +26376,7 @@
                 <a:ea typeface="ＭＳ 明朝" panose="02020609040205080304" pitchFamily="17" charset="-128"/>
                 <a:cs typeface="Times New Roman" pitchFamily="18" charset="0"/>
               </a:rPr>
-              <a:t>要素を</a:t>
-            </a:r>
-            <a:r>
-              <a:rPr lang="ja-JP" altLang="en-US" dirty="0" smtClean="0">
-                <a:solidFill>
-                  <a:schemeClr val="tx1"/>
-                </a:solidFill>
-                <a:latin typeface="ＭＳ 明朝" panose="02020609040205080304" pitchFamily="17" charset="-128"/>
-                <a:ea typeface="ＭＳ 明朝" panose="02020609040205080304" pitchFamily="17" charset="-128"/>
-                <a:cs typeface="Times New Roman" pitchFamily="18" charset="0"/>
-              </a:rPr>
-              <a:t>含むゲームの制作</a:t>
+              <a:t>要素を含むゲームの制作</a:t>
             </a:r>
             <a:endParaRPr kumimoji="1" lang="ja-JP" altLang="en-US" dirty="0">
               <a:solidFill>
@@ -27578,13 +27617,6 @@
               </a:rPr>
               <a:t>都市の修復</a:t>
             </a:r>
-            <a:endParaRPr lang="ja-JP" altLang="en-US" sz="1600" dirty="0">
-              <a:solidFill>
-                <a:schemeClr val="tx1"/>
-              </a:solidFill>
-              <a:latin typeface="ＭＳ 明朝" panose="02020609040205080304" pitchFamily="17" charset="-128"/>
-              <a:ea typeface="ＭＳ 明朝" panose="02020609040205080304" pitchFamily="17" charset="-128"/>
-            </a:endParaRPr>
           </a:p>
         </p:txBody>
       </p:sp>
@@ -27660,13 +27692,6 @@
               </a:rPr>
               <a:t>都市の修復</a:t>
             </a:r>
-            <a:endParaRPr lang="ja-JP" altLang="en-US" sz="1600" dirty="0">
-              <a:solidFill>
-                <a:schemeClr val="tx1"/>
-              </a:solidFill>
-              <a:latin typeface="ＭＳ 明朝" panose="02020609040205080304" pitchFamily="17" charset="-128"/>
-              <a:ea typeface="ＭＳ 明朝" panose="02020609040205080304" pitchFamily="17" charset="-128"/>
-            </a:endParaRPr>
           </a:p>
         </p:txBody>
       </p:sp>
@@ -27742,13 +27767,6 @@
               </a:rPr>
               <a:t>都市の修復</a:t>
             </a:r>
-            <a:endParaRPr lang="ja-JP" altLang="en-US" sz="1600" dirty="0">
-              <a:solidFill>
-                <a:schemeClr val="tx1"/>
-              </a:solidFill>
-              <a:latin typeface="ＭＳ 明朝" panose="02020609040205080304" pitchFamily="17" charset="-128"/>
-              <a:ea typeface="ＭＳ 明朝" panose="02020609040205080304" pitchFamily="17" charset="-128"/>
-            </a:endParaRPr>
           </a:p>
         </p:txBody>
       </p:sp>
@@ -27824,13 +27842,6 @@
               </a:rPr>
               <a:t>都市の修復</a:t>
             </a:r>
-            <a:endParaRPr lang="ja-JP" altLang="en-US" sz="1600" dirty="0">
-              <a:solidFill>
-                <a:schemeClr val="tx1"/>
-              </a:solidFill>
-              <a:latin typeface="ＭＳ 明朝" panose="02020609040205080304" pitchFamily="17" charset="-128"/>
-              <a:ea typeface="ＭＳ 明朝" panose="02020609040205080304" pitchFamily="17" charset="-128"/>
-            </a:endParaRPr>
           </a:p>
         </p:txBody>
       </p:sp>
@@ -28232,18 +28243,7 @@
                 <a:ea typeface="ＭＳ 明朝" panose="02020609040205080304" pitchFamily="17" charset="-128"/>
                 <a:cs typeface="Times New Roman" panose="02020603050405020304" pitchFamily="18" charset="0"/>
               </a:rPr>
-              <a:t>1</a:t>
-            </a:r>
-            <a:r>
-              <a:rPr lang="en-US" altLang="ja-JP" dirty="0" smtClean="0">
-                <a:solidFill>
-                  <a:schemeClr val="tx1"/>
-                </a:solidFill>
-                <a:latin typeface="Times New Roman" panose="02020603050405020304" pitchFamily="18" charset="0"/>
-                <a:ea typeface="ＭＳ 明朝" panose="02020609040205080304" pitchFamily="17" charset="-128"/>
-                <a:cs typeface="Times New Roman" panose="02020603050405020304" pitchFamily="18" charset="0"/>
-              </a:rPr>
-              <a:t>0</a:t>
+              <a:t>10</a:t>
             </a:r>
             <a:r>
               <a:rPr lang="ja-JP" altLang="en-US" dirty="0" smtClean="0">
@@ -29945,8 +29945,8 @@
         </p:nvSpPr>
         <p:spPr>
           <a:xfrm>
-            <a:off x="668101" y="1797308"/>
-            <a:ext cx="3399844" cy="369332"/>
+            <a:off x="668100" y="1797308"/>
+            <a:ext cx="3903899" cy="369332"/>
           </a:xfrm>
           <a:prstGeom prst="rect">
             <a:avLst/>
@@ -29976,6 +29976,14 @@
               <a:t>40000</a:t>
             </a:r>
             <a:r>
+              <a:rPr kumimoji="1" lang="ja-JP" altLang="en-US" dirty="0" smtClean="0">
+                <a:latin typeface="Times New Roman" panose="02020603050405020304" pitchFamily="18" charset="0"/>
+                <a:ea typeface="ＭＳ 明朝" panose="02020609040205080304" pitchFamily="17" charset="-128"/>
+                <a:cs typeface="Times New Roman" panose="02020603050405020304" pitchFamily="18" charset="0"/>
+              </a:rPr>
+              <a:t>円</a:t>
+            </a:r>
+            <a:r>
               <a:rPr lang="ja-JP" altLang="en-US" dirty="0">
                 <a:latin typeface="Times New Roman" panose="02020603050405020304" pitchFamily="18" charset="0"/>
                 <a:ea typeface="ＭＳ 明朝" panose="02020609040205080304" pitchFamily="17" charset="-128"/>
@@ -29998,6 +30006,14 @@
                 <a:cs typeface="Times New Roman" panose="02020603050405020304" pitchFamily="18" charset="0"/>
               </a:rPr>
               <a:t>70300</a:t>
+            </a:r>
+            <a:r>
+              <a:rPr lang="ja-JP" altLang="en-US" dirty="0" smtClean="0">
+                <a:latin typeface="Times New Roman" panose="02020603050405020304" pitchFamily="18" charset="0"/>
+                <a:ea typeface="ＭＳ 明朝" panose="02020609040205080304" pitchFamily="17" charset="-128"/>
+                <a:cs typeface="Times New Roman" panose="02020603050405020304" pitchFamily="18" charset="0"/>
+              </a:rPr>
+              <a:t>円</a:t>
             </a:r>
             <a:endParaRPr kumimoji="1" lang="en-US" altLang="ja-JP" dirty="0" smtClean="0">
               <a:latin typeface="Times New Roman" panose="02020603050405020304" pitchFamily="18" charset="0"/>

--- a/卒業論文/2012/HTET MYET MUN WIN/卒論発表プレゼン.pptx
+++ b/卒業論文/2012/HTET MYET MUN WIN/卒論発表プレゼン.pptx
@@ -741,11 +741,11 @@
         </c:dLbls>
         <c:marker val="1"/>
         <c:smooth val="0"/>
-        <c:axId val="91506176"/>
-        <c:axId val="91507712"/>
+        <c:axId val="52641152"/>
+        <c:axId val="52663424"/>
       </c:lineChart>
       <c:catAx>
-        <c:axId val="91506176"/>
+        <c:axId val="52641152"/>
         <c:scaling>
           <c:orientation val="minMax"/>
         </c:scaling>
@@ -754,7 +754,7 @@
         <c:majorTickMark val="out"/>
         <c:minorTickMark val="none"/>
         <c:tickLblPos val="nextTo"/>
-        <c:crossAx val="91507712"/>
+        <c:crossAx val="52663424"/>
         <c:crosses val="autoZero"/>
         <c:auto val="1"/>
         <c:lblAlgn val="ctr"/>
@@ -762,7 +762,7 @@
         <c:noMultiLvlLbl val="0"/>
       </c:catAx>
       <c:valAx>
-        <c:axId val="91507712"/>
+        <c:axId val="52663424"/>
         <c:scaling>
           <c:orientation val="minMax"/>
         </c:scaling>
@@ -773,7 +773,7 @@
         <c:majorTickMark val="out"/>
         <c:minorTickMark val="none"/>
         <c:tickLblPos val="nextTo"/>
-        <c:crossAx val="91506176"/>
+        <c:crossAx val="52641152"/>
         <c:crosses val="autoZero"/>
         <c:crossBetween val="between"/>
       </c:valAx>
@@ -1332,11 +1332,11 @@
         </c:dLbls>
         <c:marker val="1"/>
         <c:smooth val="0"/>
-        <c:axId val="160862976"/>
-        <c:axId val="160864512"/>
+        <c:axId val="52699904"/>
+        <c:axId val="52701440"/>
       </c:lineChart>
       <c:catAx>
-        <c:axId val="160862976"/>
+        <c:axId val="52699904"/>
         <c:scaling>
           <c:orientation val="minMax"/>
         </c:scaling>
@@ -1345,7 +1345,7 @@
         <c:majorTickMark val="out"/>
         <c:minorTickMark val="none"/>
         <c:tickLblPos val="nextTo"/>
-        <c:crossAx val="160864512"/>
+        <c:crossAx val="52701440"/>
         <c:crosses val="autoZero"/>
         <c:auto val="1"/>
         <c:lblAlgn val="ctr"/>
@@ -1353,7 +1353,7 @@
         <c:noMultiLvlLbl val="0"/>
       </c:catAx>
       <c:valAx>
-        <c:axId val="160864512"/>
+        <c:axId val="52701440"/>
         <c:scaling>
           <c:orientation val="minMax"/>
         </c:scaling>
@@ -1364,7 +1364,7 @@
         <c:majorTickMark val="out"/>
         <c:minorTickMark val="none"/>
         <c:tickLblPos val="nextTo"/>
-        <c:crossAx val="160862976"/>
+        <c:crossAx val="52699904"/>
         <c:crosses val="autoZero"/>
         <c:crossBetween val="between"/>
       </c:valAx>
@@ -1911,11 +1911,11 @@
         </c:dLbls>
         <c:marker val="1"/>
         <c:smooth val="0"/>
-        <c:axId val="93462528"/>
-        <c:axId val="93464064"/>
+        <c:axId val="52238208"/>
+        <c:axId val="52239744"/>
       </c:lineChart>
       <c:catAx>
-        <c:axId val="93462528"/>
+        <c:axId val="52238208"/>
         <c:scaling>
           <c:orientation val="minMax"/>
         </c:scaling>
@@ -1924,7 +1924,7 @@
         <c:majorTickMark val="out"/>
         <c:minorTickMark val="none"/>
         <c:tickLblPos val="nextTo"/>
-        <c:crossAx val="93464064"/>
+        <c:crossAx val="52239744"/>
         <c:crosses val="autoZero"/>
         <c:auto val="1"/>
         <c:lblAlgn val="ctr"/>
@@ -1932,7 +1932,7 @@
         <c:noMultiLvlLbl val="0"/>
       </c:catAx>
       <c:valAx>
-        <c:axId val="93464064"/>
+        <c:axId val="52239744"/>
         <c:scaling>
           <c:orientation val="minMax"/>
         </c:scaling>
@@ -1943,7 +1943,7 @@
         <c:majorTickMark val="out"/>
         <c:minorTickMark val="none"/>
         <c:tickLblPos val="nextTo"/>
-        <c:crossAx val="93462528"/>
+        <c:crossAx val="52238208"/>
         <c:crosses val="autoZero"/>
         <c:crossBetween val="between"/>
       </c:valAx>
@@ -2520,11 +2520,11 @@
         </c:dLbls>
         <c:marker val="1"/>
         <c:smooth val="0"/>
-        <c:axId val="84025344"/>
-        <c:axId val="84026880"/>
+        <c:axId val="52276224"/>
+        <c:axId val="52282112"/>
       </c:lineChart>
       <c:catAx>
-        <c:axId val="84025344"/>
+        <c:axId val="52276224"/>
         <c:scaling>
           <c:orientation val="minMax"/>
         </c:scaling>
@@ -2533,7 +2533,7 @@
         <c:majorTickMark val="out"/>
         <c:minorTickMark val="none"/>
         <c:tickLblPos val="nextTo"/>
-        <c:crossAx val="84026880"/>
+        <c:crossAx val="52282112"/>
         <c:crosses val="autoZero"/>
         <c:auto val="1"/>
         <c:lblAlgn val="ctr"/>
@@ -2541,7 +2541,7 @@
         <c:noMultiLvlLbl val="0"/>
       </c:catAx>
       <c:valAx>
-        <c:axId val="84026880"/>
+        <c:axId val="52282112"/>
         <c:scaling>
           <c:orientation val="minMax"/>
         </c:scaling>
@@ -2552,7 +2552,7 @@
         <c:majorTickMark val="out"/>
         <c:minorTickMark val="none"/>
         <c:tickLblPos val="nextTo"/>
-        <c:crossAx val="84025344"/>
+        <c:crossAx val="52276224"/>
         <c:crosses val="autoZero"/>
         <c:crossBetween val="between"/>
       </c:valAx>
@@ -24583,20 +24583,28 @@
           <a:p>
             <a:pPr algn="ctr"/>
             <a:r>
-              <a:rPr lang="en-US" altLang="ja-JP" dirty="0" smtClean="0">
-                <a:latin typeface="Times New Roman" panose="02020603050405020304" pitchFamily="18" charset="0"/>
-                <a:ea typeface="ＭＳ 明朝" panose="02020609040205080304" pitchFamily="17" charset="-128"/>
-                <a:cs typeface="Times New Roman" panose="02020603050405020304" pitchFamily="18" charset="0"/>
-              </a:rPr>
-              <a:t>PM</a:t>
-            </a:r>
-            <a:r>
               <a:rPr lang="ja-JP" altLang="en-US" dirty="0" smtClean="0">
                 <a:latin typeface="Times New Roman" panose="02020603050405020304" pitchFamily="18" charset="0"/>
                 <a:ea typeface="ＭＳ 明朝" panose="02020609040205080304" pitchFamily="17" charset="-128"/>
                 <a:cs typeface="Times New Roman" panose="02020603050405020304" pitchFamily="18" charset="0"/>
               </a:rPr>
-              <a:t>の要素を含むゲームの制作と効果の測定</a:t>
+              <a:t>プロジェクトマネジメントを学ぶための</a:t>
+            </a:r>
+            <a:endParaRPr lang="en-US" altLang="ja-JP" dirty="0" smtClean="0">
+              <a:latin typeface="Times New Roman" panose="02020603050405020304" pitchFamily="18" charset="0"/>
+              <a:ea typeface="ＭＳ 明朝" panose="02020609040205080304" pitchFamily="17" charset="-128"/>
+              <a:cs typeface="Times New Roman" panose="02020603050405020304" pitchFamily="18" charset="0"/>
+            </a:endParaRPr>
+          </a:p>
+          <a:p>
+            <a:pPr algn="ctr"/>
+            <a:r>
+              <a:rPr kumimoji="1" lang="ja-JP" altLang="en-US" dirty="0" smtClean="0">
+                <a:latin typeface="Times New Roman" panose="02020603050405020304" pitchFamily="18" charset="0"/>
+                <a:ea typeface="ＭＳ 明朝" panose="02020609040205080304" pitchFamily="17" charset="-128"/>
+                <a:cs typeface="Times New Roman" panose="02020603050405020304" pitchFamily="18" charset="0"/>
+              </a:rPr>
+              <a:t>ゲームの開発と運用実験</a:t>
             </a:r>
             <a:endParaRPr kumimoji="1" lang="ja-JP" altLang="en-US" dirty="0">
               <a:latin typeface="Times New Roman" panose="02020603050405020304" pitchFamily="18" charset="0"/>
